--- a/CLE3_T3G5/present.pptx
+++ b/CLE3_T3G5/present.pptx
@@ -6,12 +6,11 @@
   </p:sldMasterIdLst>
   <p:sldIdLst>
     <p:sldId id="263" r:id="rId2"/>
-    <p:sldId id="257" r:id="rId3"/>
+    <p:sldId id="266" r:id="rId3"/>
     <p:sldId id="259" r:id="rId4"/>
-    <p:sldId id="258" r:id="rId5"/>
-    <p:sldId id="264" r:id="rId6"/>
-    <p:sldId id="262" r:id="rId7"/>
-    <p:sldId id="261" r:id="rId8"/>
+    <p:sldId id="264" r:id="rId5"/>
+    <p:sldId id="265" r:id="rId6"/>
+    <p:sldId id="261" r:id="rId7"/>
   </p:sldIdLst>
   <p:sldSz cx="12192000" cy="6858000"/>
   <p:notesSz cx="6858000" cy="9144000"/>
@@ -286,7 +285,7 @@
           <a:p>
             <a:fld id="{65E3D7AB-6C06-41C6-99AC-C74008AD09CE}" type="datetimeFigureOut">
               <a:rPr lang="pt-PT" smtClean="0"/>
-              <a:t>24/05/2023</a:t>
+              <a:t>31/05/2023</a:t>
             </a:fld>
             <a:endParaRPr lang="pt-PT"/>
           </a:p>
@@ -514,7 +513,7 @@
           <a:p>
             <a:fld id="{65E3D7AB-6C06-41C6-99AC-C74008AD09CE}" type="datetimeFigureOut">
               <a:rPr lang="pt-PT" smtClean="0"/>
-              <a:t>24/05/2023</a:t>
+              <a:t>31/05/2023</a:t>
             </a:fld>
             <a:endParaRPr lang="pt-PT"/>
           </a:p>
@@ -694,7 +693,7 @@
           <a:p>
             <a:fld id="{65E3D7AB-6C06-41C6-99AC-C74008AD09CE}" type="datetimeFigureOut">
               <a:rPr lang="pt-PT" smtClean="0"/>
-              <a:t>24/05/2023</a:t>
+              <a:t>31/05/2023</a:t>
             </a:fld>
             <a:endParaRPr lang="pt-PT"/>
           </a:p>
@@ -864,7 +863,7 @@
           <a:p>
             <a:fld id="{65E3D7AB-6C06-41C6-99AC-C74008AD09CE}" type="datetimeFigureOut">
               <a:rPr lang="pt-PT" smtClean="0"/>
-              <a:t>24/05/2023</a:t>
+              <a:t>31/05/2023</a:t>
             </a:fld>
             <a:endParaRPr lang="pt-PT"/>
           </a:p>
@@ -1118,7 +1117,7 @@
           <a:p>
             <a:fld id="{65E3D7AB-6C06-41C6-99AC-C74008AD09CE}" type="datetimeFigureOut">
               <a:rPr lang="pt-PT" smtClean="0"/>
-              <a:t>24/05/2023</a:t>
+              <a:t>31/05/2023</a:t>
             </a:fld>
             <a:endParaRPr lang="pt-PT"/>
           </a:p>
@@ -1444,7 +1443,7 @@
           <a:p>
             <a:fld id="{65E3D7AB-6C06-41C6-99AC-C74008AD09CE}" type="datetimeFigureOut">
               <a:rPr lang="pt-PT" smtClean="0"/>
-              <a:t>24/05/2023</a:t>
+              <a:t>31/05/2023</a:t>
             </a:fld>
             <a:endParaRPr lang="pt-PT"/>
           </a:p>
@@ -1895,7 +1894,7 @@
           <a:p>
             <a:fld id="{65E3D7AB-6C06-41C6-99AC-C74008AD09CE}" type="datetimeFigureOut">
               <a:rPr lang="pt-PT" smtClean="0"/>
-              <a:t>24/05/2023</a:t>
+              <a:t>31/05/2023</a:t>
             </a:fld>
             <a:endParaRPr lang="pt-PT"/>
           </a:p>
@@ -2013,7 +2012,7 @@
           <a:p>
             <a:fld id="{65E3D7AB-6C06-41C6-99AC-C74008AD09CE}" type="datetimeFigureOut">
               <a:rPr lang="pt-PT" smtClean="0"/>
-              <a:t>24/05/2023</a:t>
+              <a:t>31/05/2023</a:t>
             </a:fld>
             <a:endParaRPr lang="pt-PT"/>
           </a:p>
@@ -2108,7 +2107,7 @@
           <a:p>
             <a:fld id="{65E3D7AB-6C06-41C6-99AC-C74008AD09CE}" type="datetimeFigureOut">
               <a:rPr lang="pt-PT" smtClean="0"/>
-              <a:t>24/05/2023</a:t>
+              <a:t>31/05/2023</a:t>
             </a:fld>
             <a:endParaRPr lang="pt-PT"/>
           </a:p>
@@ -2395,7 +2394,7 @@
           <a:p>
             <a:fld id="{65E3D7AB-6C06-41C6-99AC-C74008AD09CE}" type="datetimeFigureOut">
               <a:rPr lang="pt-PT" smtClean="0"/>
-              <a:t>24/05/2023</a:t>
+              <a:t>31/05/2023</a:t>
             </a:fld>
             <a:endParaRPr lang="pt-PT"/>
           </a:p>
@@ -2717,7 +2716,7 @@
           <a:p>
             <a:fld id="{65E3D7AB-6C06-41C6-99AC-C74008AD09CE}" type="datetimeFigureOut">
               <a:rPr lang="pt-PT" smtClean="0"/>
-              <a:t>24/05/2023</a:t>
+              <a:t>31/05/2023</a:t>
             </a:fld>
             <a:endParaRPr lang="pt-PT"/>
           </a:p>
@@ -2971,7 +2970,7 @@
           <a:p>
             <a:fld id="{65E3D7AB-6C06-41C6-99AC-C74008AD09CE}" type="datetimeFigureOut">
               <a:rPr lang="pt-PT" smtClean="0"/>
-              <a:t>24/05/2023</a:t>
+              <a:t>31/05/2023</a:t>
             </a:fld>
             <a:endParaRPr lang="pt-PT"/>
           </a:p>
@@ -3964,7 +3963,7 @@
                 <a:ea typeface="Calibri" panose="020F0502020204030204" pitchFamily="34" charset="0"/>
                 <a:cs typeface="Calibri" panose="020F0502020204030204" pitchFamily="34" charset="0"/>
               </a:rPr>
-              <a:t>Entities</a:t>
+              <a:t>Row</a:t>
             </a:r>
             <a:r>
               <a:rPr lang="pt-PT" sz="2200" dirty="0">
@@ -3980,7 +3979,7 @@
                 <a:ea typeface="Calibri" panose="020F0502020204030204" pitchFamily="34" charset="0"/>
                 <a:cs typeface="Calibri" panose="020F0502020204030204" pitchFamily="34" charset="0"/>
               </a:rPr>
-              <a:t>diagram</a:t>
+              <a:t>processing</a:t>
             </a:r>
             <a:endParaRPr lang="pt-PT" dirty="0">
               <a:latin typeface="Calibri" panose="020F0502020204030204" pitchFamily="34" charset="0"/>
@@ -3990,10 +3989,753 @@
           </a:p>
         </p:txBody>
       </p:sp>
+      <p:sp>
+        <p:nvSpPr>
+          <p:cNvPr id="2" name="CaixaDeTexto 1">
+            <a:extLst>
+              <a:ext uri="{FF2B5EF4-FFF2-40B4-BE49-F238E27FC236}">
+                <a16:creationId xmlns:a16="http://schemas.microsoft.com/office/drawing/2014/main" id="{2B25EA7B-D4CD-40D4-A421-859912ADCFC1}"/>
+              </a:ext>
+            </a:extLst>
+          </p:cNvPr>
+          <p:cNvSpPr txBox="1"/>
+          <p:nvPr/>
+        </p:nvSpPr>
+        <p:spPr>
+          <a:xfrm>
+            <a:off x="2275352" y="1736129"/>
+            <a:ext cx="4912659" cy="707886"/>
+          </a:xfrm>
+          <a:prstGeom prst="rect">
+            <a:avLst/>
+          </a:prstGeom>
+          <a:noFill/>
+        </p:spPr>
+        <p:txBody>
+          <a:bodyPr wrap="square" rtlCol="0">
+            <a:spAutoFit/>
+          </a:bodyPr>
+          <a:lstStyle/>
+          <a:p>
+            <a:r>
+              <a:rPr lang="pt-PT" sz="4000" dirty="0" err="1"/>
+              <a:t>integerSequence</a:t>
+            </a:r>
+            <a:r>
+              <a:rPr lang="pt-PT" sz="4000" dirty="0"/>
+              <a:t>[</a:t>
+            </a:r>
+          </a:p>
+        </p:txBody>
+      </p:sp>
+      <p:sp>
+        <p:nvSpPr>
+          <p:cNvPr id="3" name="CaixaDeTexto 2">
+            <a:extLst>
+              <a:ext uri="{FF2B5EF4-FFF2-40B4-BE49-F238E27FC236}">
+                <a16:creationId xmlns:a16="http://schemas.microsoft.com/office/drawing/2014/main" id="{43A1097A-EC22-48E2-B53E-13F9461BD990}"/>
+              </a:ext>
+            </a:extLst>
+          </p:cNvPr>
+          <p:cNvSpPr txBox="1"/>
+          <p:nvPr/>
+        </p:nvSpPr>
+        <p:spPr>
+          <a:xfrm>
+            <a:off x="6399117" y="1959196"/>
+            <a:ext cx="2519084" cy="369332"/>
+          </a:xfrm>
+          <a:prstGeom prst="rect">
+            <a:avLst/>
+          </a:prstGeom>
+          <a:solidFill>
+            <a:srgbClr val="E7DED5"/>
+          </a:solidFill>
+        </p:spPr>
+        <p:style>
+          <a:lnRef idx="1">
+            <a:schemeClr val="accent4"/>
+          </a:lnRef>
+          <a:fillRef idx="2">
+            <a:schemeClr val="accent4"/>
+          </a:fillRef>
+          <a:effectRef idx="1">
+            <a:schemeClr val="accent4"/>
+          </a:effectRef>
+          <a:fontRef idx="minor">
+            <a:schemeClr val="dk1"/>
+          </a:fontRef>
+        </p:style>
+        <p:txBody>
+          <a:bodyPr wrap="square" rtlCol="0">
+            <a:spAutoFit/>
+          </a:bodyPr>
+          <a:lstStyle/>
+          <a:p>
+            <a:r>
+              <a:rPr lang="pt-PT" dirty="0"/>
+              <a:t>N* (1 &lt;&lt; </a:t>
+            </a:r>
+            <a:r>
+              <a:rPr lang="pt-PT" dirty="0" err="1"/>
+              <a:t>iter</a:t>
+            </a:r>
+            <a:r>
+              <a:rPr lang="pt-PT" dirty="0"/>
+              <a:t>) * </a:t>
+            </a:r>
+            <a:r>
+              <a:rPr lang="pt-PT" dirty="0" err="1"/>
+              <a:t>idx</a:t>
+            </a:r>
+            <a:r>
+              <a:rPr lang="pt-PT" dirty="0"/>
+              <a:t> + i</a:t>
+            </a:r>
+          </a:p>
+        </p:txBody>
+      </p:sp>
+      <p:sp>
+        <p:nvSpPr>
+          <p:cNvPr id="4" name="Retângulo 3">
+            <a:extLst>
+              <a:ext uri="{FF2B5EF4-FFF2-40B4-BE49-F238E27FC236}">
+                <a16:creationId xmlns:a16="http://schemas.microsoft.com/office/drawing/2014/main" id="{3DFD9B17-AA66-4338-9380-59DAE89B482A}"/>
+              </a:ext>
+            </a:extLst>
+          </p:cNvPr>
+          <p:cNvSpPr/>
+          <p:nvPr/>
+        </p:nvSpPr>
+        <p:spPr>
+          <a:xfrm>
+            <a:off x="8837516" y="1736129"/>
+            <a:ext cx="356188" cy="707886"/>
+          </a:xfrm>
+          <a:prstGeom prst="rect">
+            <a:avLst/>
+          </a:prstGeom>
+        </p:spPr>
+        <p:txBody>
+          <a:bodyPr wrap="none">
+            <a:spAutoFit/>
+          </a:bodyPr>
+          <a:lstStyle/>
+          <a:p>
+            <a:r>
+              <a:rPr lang="pt-PT" sz="4000" dirty="0"/>
+              <a:t>]</a:t>
+            </a:r>
+          </a:p>
+        </p:txBody>
+      </p:sp>
+      <p:sp>
+        <p:nvSpPr>
+          <p:cNvPr id="5" name="CaixaDeTexto 4">
+            <a:extLst>
+              <a:ext uri="{FF2B5EF4-FFF2-40B4-BE49-F238E27FC236}">
+                <a16:creationId xmlns:a16="http://schemas.microsoft.com/office/drawing/2014/main" id="{6E468326-94D4-430F-BE28-F3EE5D848749}"/>
+              </a:ext>
+            </a:extLst>
+          </p:cNvPr>
+          <p:cNvSpPr txBox="1"/>
+          <p:nvPr/>
+        </p:nvSpPr>
+        <p:spPr>
+          <a:xfrm>
+            <a:off x="9053475" y="2090072"/>
+            <a:ext cx="2258301" cy="784830"/>
+          </a:xfrm>
+          <a:prstGeom prst="rect">
+            <a:avLst/>
+          </a:prstGeom>
+          <a:noFill/>
+        </p:spPr>
+        <p:txBody>
+          <a:bodyPr wrap="square" rtlCol="0">
+            <a:spAutoFit/>
+          </a:bodyPr>
+          <a:lstStyle/>
+          <a:p>
+            <a:r>
+              <a:rPr lang="pt-PT" sz="1500" dirty="0"/>
+              <a:t>, 0 ≤ </a:t>
+            </a:r>
+            <a:r>
+              <a:rPr lang="pt-PT" sz="1500" dirty="0" err="1"/>
+              <a:t>idx</a:t>
+            </a:r>
+            <a:r>
+              <a:rPr lang="pt-PT" sz="1500" dirty="0"/>
+              <a:t> &lt; (N &gt;&gt; </a:t>
+            </a:r>
+            <a:r>
+              <a:rPr lang="pt-PT" sz="1500" dirty="0" err="1"/>
+              <a:t>iter</a:t>
+            </a:r>
+            <a:r>
+              <a:rPr lang="pt-PT" sz="1500" dirty="0"/>
+              <a:t>)</a:t>
+            </a:r>
+          </a:p>
+          <a:p>
+            <a:r>
+              <a:rPr lang="pt-PT" sz="1500" dirty="0"/>
+              <a:t>, 0 ≤ i ≤ (1 &lt;&lt; </a:t>
+            </a:r>
+            <a:r>
+              <a:rPr lang="pt-PT" sz="1500" dirty="0" err="1"/>
+              <a:t>iter</a:t>
+            </a:r>
+            <a:r>
+              <a:rPr lang="pt-PT" sz="1500" dirty="0"/>
+              <a:t>) * N</a:t>
+            </a:r>
+          </a:p>
+          <a:p>
+            <a:r>
+              <a:rPr lang="pt-PT" sz="1500" dirty="0"/>
+              <a:t>, N = 1024</a:t>
+            </a:r>
+          </a:p>
+        </p:txBody>
+      </p:sp>
+      <p:pic>
+        <p:nvPicPr>
+          <p:cNvPr id="11" name="Imagem 10">
+            <a:extLst>
+              <a:ext uri="{FF2B5EF4-FFF2-40B4-BE49-F238E27FC236}">
+                <a16:creationId xmlns:a16="http://schemas.microsoft.com/office/drawing/2014/main" id="{8F7EF480-CA05-414B-835A-2B71FBFCBA55}"/>
+              </a:ext>
+            </a:extLst>
+          </p:cNvPr>
+          <p:cNvPicPr>
+            <a:picLocks noChangeAspect="1"/>
+          </p:cNvPicPr>
+          <p:nvPr/>
+        </p:nvPicPr>
+        <p:blipFill>
+          <a:blip r:embed="rId2">
+            <a:extLst>
+              <a:ext uri="{28A0092B-C50C-407E-A947-70E740481C1C}">
+                <a14:useLocalDpi xmlns:a14="http://schemas.microsoft.com/office/drawing/2010/main" val="0"/>
+              </a:ext>
+            </a:extLst>
+          </a:blip>
+          <a:stretch>
+            <a:fillRect/>
+          </a:stretch>
+        </p:blipFill>
+        <p:spPr>
+          <a:xfrm>
+            <a:off x="4529577" y="2925961"/>
+            <a:ext cx="3864588" cy="3624924"/>
+          </a:xfrm>
+          <a:prstGeom prst="rect">
+            <a:avLst/>
+          </a:prstGeom>
+        </p:spPr>
+      </p:pic>
+      <p:sp>
+        <p:nvSpPr>
+          <p:cNvPr id="12" name="Arco 11">
+            <a:extLst>
+              <a:ext uri="{FF2B5EF4-FFF2-40B4-BE49-F238E27FC236}">
+                <a16:creationId xmlns:a16="http://schemas.microsoft.com/office/drawing/2014/main" id="{D60AA1C8-8A36-4E4E-A722-2BDFF3B2C438}"/>
+              </a:ext>
+            </a:extLst>
+          </p:cNvPr>
+          <p:cNvSpPr/>
+          <p:nvPr/>
+        </p:nvSpPr>
+        <p:spPr>
+          <a:xfrm rot="17836047">
+            <a:off x="5453851" y="2502467"/>
+            <a:ext cx="911069" cy="1726892"/>
+          </a:xfrm>
+          <a:prstGeom prst="arc">
+            <a:avLst>
+              <a:gd name="adj1" fmla="val 16200000"/>
+              <a:gd name="adj2" fmla="val 21591988"/>
+            </a:avLst>
+          </a:prstGeom>
+          <a:ln>
+            <a:headEnd type="none" w="med" len="med"/>
+            <a:tailEnd type="arrow" w="med" len="med"/>
+          </a:ln>
+        </p:spPr>
+        <p:style>
+          <a:lnRef idx="3">
+            <a:schemeClr val="accent6"/>
+          </a:lnRef>
+          <a:fillRef idx="0">
+            <a:schemeClr val="accent6"/>
+          </a:fillRef>
+          <a:effectRef idx="2">
+            <a:schemeClr val="accent6"/>
+          </a:effectRef>
+          <a:fontRef idx="minor">
+            <a:schemeClr val="tx1"/>
+          </a:fontRef>
+        </p:style>
+        <p:txBody>
+          <a:bodyPr rtlCol="0" anchor="ctr"/>
+          <a:lstStyle/>
+          <a:p>
+            <a:pPr algn="ctr"/>
+            <a:endParaRPr lang="pt-PT"/>
+          </a:p>
+        </p:txBody>
+      </p:sp>
+      <p:sp>
+        <p:nvSpPr>
+          <p:cNvPr id="14" name="Arco 13">
+            <a:extLst>
+              <a:ext uri="{FF2B5EF4-FFF2-40B4-BE49-F238E27FC236}">
+                <a16:creationId xmlns:a16="http://schemas.microsoft.com/office/drawing/2014/main" id="{691C3B01-730E-402E-AB03-14D20C5B87BD}"/>
+              </a:ext>
+            </a:extLst>
+          </p:cNvPr>
+          <p:cNvSpPr/>
+          <p:nvPr/>
+        </p:nvSpPr>
+        <p:spPr>
+          <a:xfrm rot="17836047">
+            <a:off x="6486428" y="2493501"/>
+            <a:ext cx="911069" cy="1726892"/>
+          </a:xfrm>
+          <a:prstGeom prst="arc">
+            <a:avLst>
+              <a:gd name="adj1" fmla="val 16200000"/>
+              <a:gd name="adj2" fmla="val 21591988"/>
+            </a:avLst>
+          </a:prstGeom>
+          <a:ln>
+            <a:headEnd type="none" w="med" len="med"/>
+            <a:tailEnd type="arrow" w="med" len="med"/>
+          </a:ln>
+        </p:spPr>
+        <p:style>
+          <a:lnRef idx="3">
+            <a:schemeClr val="accent6"/>
+          </a:lnRef>
+          <a:fillRef idx="0">
+            <a:schemeClr val="accent6"/>
+          </a:fillRef>
+          <a:effectRef idx="2">
+            <a:schemeClr val="accent6"/>
+          </a:effectRef>
+          <a:fontRef idx="minor">
+            <a:schemeClr val="tx1"/>
+          </a:fontRef>
+        </p:style>
+        <p:txBody>
+          <a:bodyPr rtlCol="0" anchor="ctr"/>
+          <a:lstStyle/>
+          <a:p>
+            <a:pPr algn="ctr"/>
+            <a:endParaRPr lang="pt-PT"/>
+          </a:p>
+        </p:txBody>
+      </p:sp>
+      <p:sp>
+        <p:nvSpPr>
+          <p:cNvPr id="15" name="Arco 14">
+            <a:extLst>
+              <a:ext uri="{FF2B5EF4-FFF2-40B4-BE49-F238E27FC236}">
+                <a16:creationId xmlns:a16="http://schemas.microsoft.com/office/drawing/2014/main" id="{0CB16481-141F-4BB0-B721-D6A096708885}"/>
+              </a:ext>
+            </a:extLst>
+          </p:cNvPr>
+          <p:cNvSpPr/>
+          <p:nvPr/>
+        </p:nvSpPr>
+        <p:spPr>
+          <a:xfrm rot="17836047">
+            <a:off x="7486468" y="2488647"/>
+            <a:ext cx="911069" cy="1726892"/>
+          </a:xfrm>
+          <a:prstGeom prst="arc">
+            <a:avLst>
+              <a:gd name="adj1" fmla="val 16200000"/>
+              <a:gd name="adj2" fmla="val 21591988"/>
+            </a:avLst>
+          </a:prstGeom>
+          <a:ln>
+            <a:headEnd type="none" w="med" len="med"/>
+            <a:tailEnd type="arrow" w="med" len="med"/>
+          </a:ln>
+        </p:spPr>
+        <p:style>
+          <a:lnRef idx="3">
+            <a:schemeClr val="accent6"/>
+          </a:lnRef>
+          <a:fillRef idx="0">
+            <a:schemeClr val="accent6"/>
+          </a:fillRef>
+          <a:effectRef idx="2">
+            <a:schemeClr val="accent6"/>
+          </a:effectRef>
+          <a:fontRef idx="minor">
+            <a:schemeClr val="tx1"/>
+          </a:fontRef>
+        </p:style>
+        <p:txBody>
+          <a:bodyPr rtlCol="0" anchor="ctr"/>
+          <a:lstStyle/>
+          <a:p>
+            <a:pPr algn="ctr"/>
+            <a:endParaRPr lang="pt-PT"/>
+          </a:p>
+        </p:txBody>
+      </p:sp>
+      <p:sp>
+        <p:nvSpPr>
+          <p:cNvPr id="16" name="Seta: Bidirecional 15">
+            <a:extLst>
+              <a:ext uri="{FF2B5EF4-FFF2-40B4-BE49-F238E27FC236}">
+                <a16:creationId xmlns:a16="http://schemas.microsoft.com/office/drawing/2014/main" id="{2AC65E00-C63D-4181-9A31-4EE6640F335A}"/>
+              </a:ext>
+            </a:extLst>
+          </p:cNvPr>
+          <p:cNvSpPr/>
+          <p:nvPr/>
+        </p:nvSpPr>
+        <p:spPr>
+          <a:xfrm>
+            <a:off x="2519084" y="4166411"/>
+            <a:ext cx="1837765" cy="809463"/>
+          </a:xfrm>
+          <a:prstGeom prst="leftRightArrow">
+            <a:avLst/>
+          </a:prstGeom>
+          <a:solidFill>
+            <a:schemeClr val="accent6">
+              <a:alpha val="50000"/>
+            </a:schemeClr>
+          </a:solidFill>
+          <a:ln>
+            <a:noFill/>
+          </a:ln>
+        </p:spPr>
+        <p:style>
+          <a:lnRef idx="0">
+            <a:scrgbClr r="0" g="0" b="0"/>
+          </a:lnRef>
+          <a:fillRef idx="0">
+            <a:scrgbClr r="0" g="0" b="0"/>
+          </a:fillRef>
+          <a:effectRef idx="0">
+            <a:scrgbClr r="0" g="0" b="0"/>
+          </a:effectRef>
+          <a:fontRef idx="minor">
+            <a:schemeClr val="lt1"/>
+          </a:fontRef>
+        </p:style>
+        <p:txBody>
+          <a:bodyPr rtlCol="0" anchor="ctr"/>
+          <a:lstStyle/>
+          <a:p>
+            <a:pPr algn="ctr"/>
+            <a:endParaRPr lang="pt-PT"/>
+          </a:p>
+        </p:txBody>
+      </p:sp>
+      <p:pic>
+        <p:nvPicPr>
+          <p:cNvPr id="17" name="Imagem 16">
+            <a:extLst>
+              <a:ext uri="{FF2B5EF4-FFF2-40B4-BE49-F238E27FC236}">
+                <a16:creationId xmlns:a16="http://schemas.microsoft.com/office/drawing/2014/main" id="{7CB52CBD-564A-4782-85DB-9C628E867044}"/>
+              </a:ext>
+            </a:extLst>
+          </p:cNvPr>
+          <p:cNvPicPr>
+            <a:picLocks noChangeAspect="1"/>
+          </p:cNvPicPr>
+          <p:nvPr/>
+        </p:nvPicPr>
+        <p:blipFill>
+          <a:blip r:embed="rId3">
+            <a:extLst>
+              <a:ext uri="{28A0092B-C50C-407E-A947-70E740481C1C}">
+                <a14:useLocalDpi xmlns:a14="http://schemas.microsoft.com/office/drawing/2010/main" val="0"/>
+              </a:ext>
+            </a:extLst>
+          </a:blip>
+          <a:stretch>
+            <a:fillRect/>
+          </a:stretch>
+        </p:blipFill>
+        <p:spPr>
+          <a:xfrm>
+            <a:off x="1357740" y="2925961"/>
+            <a:ext cx="988616" cy="3624924"/>
+          </a:xfrm>
+          <a:prstGeom prst="rect">
+            <a:avLst/>
+          </a:prstGeom>
+        </p:spPr>
+      </p:pic>
+      <p:sp>
+        <p:nvSpPr>
+          <p:cNvPr id="18" name="Arco 17">
+            <a:extLst>
+              <a:ext uri="{FF2B5EF4-FFF2-40B4-BE49-F238E27FC236}">
+                <a16:creationId xmlns:a16="http://schemas.microsoft.com/office/drawing/2014/main" id="{8F00F56D-F593-47B9-88F9-A5E217B87DBE}"/>
+              </a:ext>
+            </a:extLst>
+          </p:cNvPr>
+          <p:cNvSpPr/>
+          <p:nvPr/>
+        </p:nvSpPr>
+        <p:spPr>
+          <a:xfrm rot="19834906" flipH="1">
+            <a:off x="1321317" y="2969459"/>
+            <a:ext cx="231319" cy="440754"/>
+          </a:xfrm>
+          <a:prstGeom prst="arc">
+            <a:avLst>
+              <a:gd name="adj1" fmla="val 16200000"/>
+              <a:gd name="adj2" fmla="val 21591988"/>
+            </a:avLst>
+          </a:prstGeom>
+          <a:ln>
+            <a:headEnd type="none" w="med" len="med"/>
+            <a:tailEnd type="arrow" w="med" len="med"/>
+          </a:ln>
+        </p:spPr>
+        <p:style>
+          <a:lnRef idx="3">
+            <a:schemeClr val="accent6"/>
+          </a:lnRef>
+          <a:fillRef idx="0">
+            <a:schemeClr val="accent6"/>
+          </a:fillRef>
+          <a:effectRef idx="2">
+            <a:schemeClr val="accent6"/>
+          </a:effectRef>
+          <a:fontRef idx="minor">
+            <a:schemeClr val="tx1"/>
+          </a:fontRef>
+        </p:style>
+        <p:txBody>
+          <a:bodyPr rtlCol="0" anchor="ctr"/>
+          <a:lstStyle/>
+          <a:p>
+            <a:pPr algn="ctr"/>
+            <a:endParaRPr lang="pt-PT"/>
+          </a:p>
+        </p:txBody>
+      </p:sp>
+      <p:sp>
+        <p:nvSpPr>
+          <p:cNvPr id="21" name="Arco 20">
+            <a:extLst>
+              <a:ext uri="{FF2B5EF4-FFF2-40B4-BE49-F238E27FC236}">
+                <a16:creationId xmlns:a16="http://schemas.microsoft.com/office/drawing/2014/main" id="{BC2ADF62-D214-44B1-B765-2C4B1648B1A6}"/>
+              </a:ext>
+            </a:extLst>
+          </p:cNvPr>
+          <p:cNvSpPr/>
+          <p:nvPr/>
+        </p:nvSpPr>
+        <p:spPr>
+          <a:xfrm rot="19834906" flipH="1">
+            <a:off x="1321319" y="3256328"/>
+            <a:ext cx="231319" cy="440754"/>
+          </a:xfrm>
+          <a:prstGeom prst="arc">
+            <a:avLst>
+              <a:gd name="adj1" fmla="val 16200000"/>
+              <a:gd name="adj2" fmla="val 21591988"/>
+            </a:avLst>
+          </a:prstGeom>
+          <a:ln>
+            <a:headEnd type="none" w="med" len="med"/>
+            <a:tailEnd type="arrow" w="med" len="med"/>
+          </a:ln>
+        </p:spPr>
+        <p:style>
+          <a:lnRef idx="3">
+            <a:schemeClr val="accent6"/>
+          </a:lnRef>
+          <a:fillRef idx="0">
+            <a:schemeClr val="accent6"/>
+          </a:fillRef>
+          <a:effectRef idx="2">
+            <a:schemeClr val="accent6"/>
+          </a:effectRef>
+          <a:fontRef idx="minor">
+            <a:schemeClr val="tx1"/>
+          </a:fontRef>
+        </p:style>
+        <p:txBody>
+          <a:bodyPr rtlCol="0" anchor="ctr"/>
+          <a:lstStyle/>
+          <a:p>
+            <a:pPr algn="ctr"/>
+            <a:endParaRPr lang="pt-PT"/>
+          </a:p>
+        </p:txBody>
+      </p:sp>
+      <p:sp>
+        <p:nvSpPr>
+          <p:cNvPr id="24" name="Arco 23">
+            <a:extLst>
+              <a:ext uri="{FF2B5EF4-FFF2-40B4-BE49-F238E27FC236}">
+                <a16:creationId xmlns:a16="http://schemas.microsoft.com/office/drawing/2014/main" id="{A43B5EDA-338C-4414-9333-450F8AA18CD5}"/>
+              </a:ext>
+            </a:extLst>
+          </p:cNvPr>
+          <p:cNvSpPr/>
+          <p:nvPr/>
+        </p:nvSpPr>
+        <p:spPr>
+          <a:xfrm rot="19340403" flipH="1">
+            <a:off x="1247458" y="3479451"/>
+            <a:ext cx="923670" cy="1197526"/>
+          </a:xfrm>
+          <a:prstGeom prst="arc">
+            <a:avLst>
+              <a:gd name="adj1" fmla="val 16200000"/>
+              <a:gd name="adj2" fmla="val 21591988"/>
+            </a:avLst>
+          </a:prstGeom>
+          <a:ln>
+            <a:headEnd type="none" w="med" len="med"/>
+            <a:tailEnd type="arrow" w="med" len="med"/>
+          </a:ln>
+        </p:spPr>
+        <p:style>
+          <a:lnRef idx="3">
+            <a:schemeClr val="accent6"/>
+          </a:lnRef>
+          <a:fillRef idx="0">
+            <a:schemeClr val="accent6"/>
+          </a:fillRef>
+          <a:effectRef idx="2">
+            <a:schemeClr val="accent6"/>
+          </a:effectRef>
+          <a:fontRef idx="minor">
+            <a:schemeClr val="tx1"/>
+          </a:fontRef>
+        </p:style>
+        <p:txBody>
+          <a:bodyPr rtlCol="0" anchor="ctr"/>
+          <a:lstStyle/>
+          <a:p>
+            <a:pPr algn="ctr"/>
+            <a:endParaRPr lang="pt-PT"/>
+          </a:p>
+        </p:txBody>
+      </p:sp>
+      <p:sp>
+        <p:nvSpPr>
+          <p:cNvPr id="25" name="Arco 24">
+            <a:extLst>
+              <a:ext uri="{FF2B5EF4-FFF2-40B4-BE49-F238E27FC236}">
+                <a16:creationId xmlns:a16="http://schemas.microsoft.com/office/drawing/2014/main" id="{AC6325E0-FCBD-46E4-A923-BB65B4DED118}"/>
+              </a:ext>
+            </a:extLst>
+          </p:cNvPr>
+          <p:cNvSpPr/>
+          <p:nvPr/>
+        </p:nvSpPr>
+        <p:spPr>
+          <a:xfrm rot="19834906" flipH="1">
+            <a:off x="1321321" y="4439674"/>
+            <a:ext cx="231319" cy="440754"/>
+          </a:xfrm>
+          <a:prstGeom prst="arc">
+            <a:avLst>
+              <a:gd name="adj1" fmla="val 16199992"/>
+              <a:gd name="adj2" fmla="val 21591988"/>
+            </a:avLst>
+          </a:prstGeom>
+          <a:ln>
+            <a:headEnd type="none" w="med" len="med"/>
+            <a:tailEnd type="arrow" w="med" len="med"/>
+          </a:ln>
+        </p:spPr>
+        <p:style>
+          <a:lnRef idx="3">
+            <a:schemeClr val="accent6"/>
+          </a:lnRef>
+          <a:fillRef idx="0">
+            <a:schemeClr val="accent6"/>
+          </a:fillRef>
+          <a:effectRef idx="2">
+            <a:schemeClr val="accent6"/>
+          </a:effectRef>
+          <a:fontRef idx="minor">
+            <a:schemeClr val="tx1"/>
+          </a:fontRef>
+        </p:style>
+        <p:txBody>
+          <a:bodyPr rtlCol="0" anchor="ctr"/>
+          <a:lstStyle/>
+          <a:p>
+            <a:pPr algn="ctr"/>
+            <a:endParaRPr lang="pt-PT"/>
+          </a:p>
+        </p:txBody>
+      </p:sp>
+      <p:sp>
+        <p:nvSpPr>
+          <p:cNvPr id="26" name="Arco 25">
+            <a:extLst>
+              <a:ext uri="{FF2B5EF4-FFF2-40B4-BE49-F238E27FC236}">
+                <a16:creationId xmlns:a16="http://schemas.microsoft.com/office/drawing/2014/main" id="{BCE93251-409D-4CF1-A3D4-0A5F1F715A4F}"/>
+              </a:ext>
+            </a:extLst>
+          </p:cNvPr>
+          <p:cNvSpPr/>
+          <p:nvPr/>
+        </p:nvSpPr>
+        <p:spPr>
+          <a:xfrm rot="19834906" flipH="1">
+            <a:off x="1321320" y="4744475"/>
+            <a:ext cx="231319" cy="440754"/>
+          </a:xfrm>
+          <a:prstGeom prst="arc">
+            <a:avLst>
+              <a:gd name="adj1" fmla="val 16200000"/>
+              <a:gd name="adj2" fmla="val 21591988"/>
+            </a:avLst>
+          </a:prstGeom>
+          <a:ln>
+            <a:headEnd type="none" w="med" len="med"/>
+            <a:tailEnd type="arrow" w="med" len="med"/>
+          </a:ln>
+        </p:spPr>
+        <p:style>
+          <a:lnRef idx="3">
+            <a:schemeClr val="accent6"/>
+          </a:lnRef>
+          <a:fillRef idx="0">
+            <a:schemeClr val="accent6"/>
+          </a:fillRef>
+          <a:effectRef idx="2">
+            <a:schemeClr val="accent6"/>
+          </a:effectRef>
+          <a:fontRef idx="minor">
+            <a:schemeClr val="tx1"/>
+          </a:fontRef>
+        </p:style>
+        <p:txBody>
+          <a:bodyPr rtlCol="0" anchor="ctr"/>
+          <a:lstStyle/>
+          <a:p>
+            <a:pPr algn="ctr"/>
+            <a:endParaRPr lang="pt-PT"/>
+          </a:p>
+        </p:txBody>
+      </p:sp>
     </p:spTree>
     <p:extLst>
       <p:ext uri="{BB962C8B-B14F-4D97-AF65-F5344CB8AC3E}">
-        <p14:creationId xmlns:p14="http://schemas.microsoft.com/office/powerpoint/2010/main" val="92210719"/>
+        <p14:creationId xmlns:p14="http://schemas.microsoft.com/office/powerpoint/2010/main" val="33029941"/>
       </p:ext>
     </p:extLst>
   </p:cSld>
@@ -4038,7 +4780,7 @@
         </p:nvSpPr>
         <p:spPr>
           <a:xfrm>
-            <a:off x="1450977" y="289897"/>
+            <a:off x="1450977" y="271968"/>
             <a:ext cx="9603275" cy="813848"/>
           </a:xfrm>
         </p:spPr>
@@ -4101,8 +4843,8 @@
         </p:nvSpPr>
         <p:spPr>
           <a:xfrm>
-            <a:off x="1357638" y="6097218"/>
-            <a:ext cx="9789952" cy="584775"/>
+            <a:off x="619551" y="6357200"/>
+            <a:ext cx="10466272" cy="584775"/>
           </a:xfrm>
           <a:prstGeom prst="rect">
             <a:avLst/>
@@ -4115,6 +4857,7 @@
           </a:bodyPr>
           <a:lstStyle/>
           <a:p>
+            <a:pPr algn="ctr"/>
             <a:r>
               <a:rPr lang="pt-PT" sz="1400" i="1" dirty="0"/>
               <a:t>(</a:t>
@@ -4227,7 +4970,7 @@
         </p:nvSpPr>
         <p:spPr>
           <a:xfrm>
-            <a:off x="153495" y="2951946"/>
+            <a:off x="5975267" y="4225880"/>
             <a:ext cx="1297482" cy="1169551"/>
           </a:xfrm>
           <a:prstGeom prst="rect">
@@ -4292,14 +5035,14 @@
           <p:nvPr>
             <p:extLst>
               <p:ext uri="{D42A27DB-BD31-4B8C-83A1-F6EECF244321}">
-                <p14:modId xmlns:p14="http://schemas.microsoft.com/office/powerpoint/2010/main" val="2402396438"/>
+                <p14:modId xmlns:p14="http://schemas.microsoft.com/office/powerpoint/2010/main" val="1153963491"/>
               </p:ext>
             </p:extLst>
           </p:nvPr>
         </p:nvGraphicFramePr>
         <p:xfrm>
-          <a:off x="1450428" y="2932777"/>
-          <a:ext cx="9603277" cy="1188720"/>
+          <a:off x="7212942" y="1989326"/>
+          <a:ext cx="3841308" cy="1186675"/>
         </p:xfrm>
         <a:graphic>
           <a:graphicData uri="http://schemas.openxmlformats.org/drawingml/2006/table">
@@ -4308,66 +5051,17 @@
                 <a:tableStyleId>{073A0DAA-6AF3-43AB-8588-CEC1D06C72B9}</a:tableStyleId>
               </a:tblPr>
               <a:tblGrid>
-                <a:gridCol w="1920653">
+                <a:gridCol w="1839619">
                   <a:extLst>
                     <a:ext uri="{9D8B030D-6E8A-4147-A177-3AD203B41FA5}">
                       <a16:colId xmlns:a16="http://schemas.microsoft.com/office/drawing/2014/main" val="2688708435"/>
                     </a:ext>
                   </a:extLst>
                 </a:gridCol>
-                <a:gridCol w="960328">
-                  <a:extLst>
-                    <a:ext uri="{9D8B030D-6E8A-4147-A177-3AD203B41FA5}">
-                      <a16:colId xmlns:a16="http://schemas.microsoft.com/office/drawing/2014/main" val="1694873685"/>
-                    </a:ext>
-                  </a:extLst>
-                </a:gridCol>
-                <a:gridCol w="960328">
-                  <a:extLst>
-                    <a:ext uri="{9D8B030D-6E8A-4147-A177-3AD203B41FA5}">
-                      <a16:colId xmlns:a16="http://schemas.microsoft.com/office/drawing/2014/main" val="3360597691"/>
-                    </a:ext>
-                  </a:extLst>
-                </a:gridCol>
-                <a:gridCol w="960328">
+                <a:gridCol w="2001689">
                   <a:extLst>
                     <a:ext uri="{9D8B030D-6E8A-4147-A177-3AD203B41FA5}">
                       <a16:colId xmlns:a16="http://schemas.microsoft.com/office/drawing/2014/main" val="1516063400"/>
-                    </a:ext>
-                  </a:extLst>
-                </a:gridCol>
-                <a:gridCol w="960328">
-                  <a:extLst>
-                    <a:ext uri="{9D8B030D-6E8A-4147-A177-3AD203B41FA5}">
-                      <a16:colId xmlns:a16="http://schemas.microsoft.com/office/drawing/2014/main" val="525659777"/>
-                    </a:ext>
-                  </a:extLst>
-                </a:gridCol>
-                <a:gridCol w="960328">
-                  <a:extLst>
-                    <a:ext uri="{9D8B030D-6E8A-4147-A177-3AD203B41FA5}">
-                      <a16:colId xmlns:a16="http://schemas.microsoft.com/office/drawing/2014/main" val="1935499054"/>
-                    </a:ext>
-                  </a:extLst>
-                </a:gridCol>
-                <a:gridCol w="960328">
-                  <a:extLst>
-                    <a:ext uri="{9D8B030D-6E8A-4147-A177-3AD203B41FA5}">
-                      <a16:colId xmlns:a16="http://schemas.microsoft.com/office/drawing/2014/main" val="3677099432"/>
-                    </a:ext>
-                  </a:extLst>
-                </a:gridCol>
-                <a:gridCol w="960328">
-                  <a:extLst>
-                    <a:ext uri="{9D8B030D-6E8A-4147-A177-3AD203B41FA5}">
-                      <a16:colId xmlns:a16="http://schemas.microsoft.com/office/drawing/2014/main" val="3036198595"/>
-                    </a:ext>
-                  </a:extLst>
-                </a:gridCol>
-                <a:gridCol w="960328">
-                  <a:extLst>
-                    <a:ext uri="{9D8B030D-6E8A-4147-A177-3AD203B41FA5}">
-                      <a16:colId xmlns:a16="http://schemas.microsoft.com/office/drawing/2014/main" val="1626575749"/>
                     </a:ext>
                   </a:extLst>
                 </a:gridCol>
@@ -4399,40 +5093,7 @@
                   </a:txBody>
                   <a:tcPr anchor="ctr"/>
                 </a:tc>
-                <a:tc gridSpan="2">
-                  <a:txBody>
-                    <a:bodyPr/>
-                    <a:lstStyle/>
-                    <a:p>
-                      <a:pPr algn="ctr"/>
-                      <a:r>
-                        <a:rPr lang="pt-PT" b="0" dirty="0"/>
-                        <a:t>1 </a:t>
-                      </a:r>
-                      <a:r>
-                        <a:rPr lang="pt-PT" b="0" dirty="0" err="1"/>
-                        <a:t>worker</a:t>
-                      </a:r>
-                      <a:endParaRPr lang="pt-PT" b="0" dirty="0">
-                        <a:latin typeface="Calibri" panose="020F0502020204030204" pitchFamily="34" charset="0"/>
-                        <a:ea typeface="Calibri" panose="020F0502020204030204" pitchFamily="34" charset="0"/>
-                        <a:cs typeface="Calibri" panose="020F0502020204030204" pitchFamily="34" charset="0"/>
-                      </a:endParaRPr>
-                    </a:p>
-                  </a:txBody>
-                  <a:tcPr anchor="ctr"/>
-                </a:tc>
-                <a:tc hMerge="1">
-                  <a:txBody>
-                    <a:bodyPr/>
-                    <a:lstStyle/>
-                    <a:p>
-                      <a:endParaRPr lang="pt-PT"/>
-                    </a:p>
-                  </a:txBody>
-                  <a:tcPr/>
-                </a:tc>
-                <a:tc gridSpan="2">
+                <a:tc>
                   <a:txBody>
                     <a:bodyPr/>
                     <a:lstStyle/>
@@ -4454,82 +5115,6 @@
                     </a:p>
                   </a:txBody>
                   <a:tcPr anchor="ctr"/>
-                </a:tc>
-                <a:tc hMerge="1">
-                  <a:txBody>
-                    <a:bodyPr/>
-                    <a:lstStyle/>
-                    <a:p>
-                      <a:endParaRPr lang="pt-PT"/>
-                    </a:p>
-                  </a:txBody>
-                  <a:tcPr/>
-                </a:tc>
-                <a:tc gridSpan="2">
-                  <a:txBody>
-                    <a:bodyPr/>
-                    <a:lstStyle/>
-                    <a:p>
-                      <a:pPr algn="ctr"/>
-                      <a:r>
-                        <a:rPr lang="pt-PT" b="0" dirty="0"/>
-                        <a:t>4 </a:t>
-                      </a:r>
-                      <a:r>
-                        <a:rPr lang="pt-PT" b="0" dirty="0" err="1"/>
-                        <a:t>workers</a:t>
-                      </a:r>
-                      <a:endParaRPr lang="pt-PT" b="0" dirty="0">
-                        <a:latin typeface="Calibri" panose="020F0502020204030204" pitchFamily="34" charset="0"/>
-                        <a:ea typeface="Calibri" panose="020F0502020204030204" pitchFamily="34" charset="0"/>
-                        <a:cs typeface="Calibri" panose="020F0502020204030204" pitchFamily="34" charset="0"/>
-                      </a:endParaRPr>
-                    </a:p>
-                  </a:txBody>
-                  <a:tcPr anchor="ctr"/>
-                </a:tc>
-                <a:tc hMerge="1">
-                  <a:txBody>
-                    <a:bodyPr/>
-                    <a:lstStyle/>
-                    <a:p>
-                      <a:endParaRPr lang="pt-PT"/>
-                    </a:p>
-                  </a:txBody>
-                  <a:tcPr/>
-                </a:tc>
-                <a:tc gridSpan="2">
-                  <a:txBody>
-                    <a:bodyPr/>
-                    <a:lstStyle/>
-                    <a:p>
-                      <a:pPr algn="ctr"/>
-                      <a:r>
-                        <a:rPr lang="pt-PT" b="0" dirty="0"/>
-                        <a:t>8 </a:t>
-                      </a:r>
-                      <a:r>
-                        <a:rPr lang="pt-PT" b="0" dirty="0" err="1"/>
-                        <a:t>workers</a:t>
-                      </a:r>
-                      <a:endParaRPr lang="pt-PT" b="0" dirty="0">
-                        <a:latin typeface="Calibri" panose="020F0502020204030204" pitchFamily="34" charset="0"/>
-                        <a:ea typeface="Calibri" panose="020F0502020204030204" pitchFamily="34" charset="0"/>
-                        <a:cs typeface="Calibri" panose="020F0502020204030204" pitchFamily="34" charset="0"/>
-                      </a:endParaRPr>
-                    </a:p>
-                  </a:txBody>
-                  <a:tcPr anchor="ctr"/>
-                </a:tc>
-                <a:tc hMerge="1">
-                  <a:txBody>
-                    <a:bodyPr/>
-                    <a:lstStyle/>
-                    <a:p>
-                      <a:endParaRPr lang="pt-PT"/>
-                    </a:p>
-                  </a:txBody>
-                  <a:tcPr/>
                 </a:tc>
                 <a:extLst>
                   <a:ext uri="{0D108BD9-81ED-4DB2-BD59-A6C34878D82A}">
@@ -4567,235 +5152,24 @@
                         </a:rPr>
                         <a:t>Mean</a:t>
                       </a:r>
-                      <a:endParaRPr lang="pt-PT" sz="1200" b="0" dirty="0">
-                        <a:latin typeface="Calibri" panose="020F0502020204030204" pitchFamily="34" charset="0"/>
-                        <a:ea typeface="Calibri" panose="020F0502020204030204" pitchFamily="34" charset="0"/>
-                        <a:cs typeface="Calibri" panose="020F0502020204030204" pitchFamily="34" charset="0"/>
-                      </a:endParaRPr>
-                    </a:p>
-                  </a:txBody>
-                  <a:tcPr marL="81828" marR="81828" anchor="ctr">
-                    <a:solidFill>
-                      <a:schemeClr val="bg2">
-                        <a:lumMod val="75000"/>
-                      </a:schemeClr>
-                    </a:solidFill>
-                  </a:tcPr>
-                </a:tc>
-                <a:tc>
-                  <a:txBody>
-                    <a:bodyPr/>
-                    <a:lstStyle/>
-                    <a:p>
-                      <a:pPr algn="ctr"/>
                       <a:r>
                         <a:rPr lang="pt-PT" sz="1200" b="0" dirty="0">
                           <a:latin typeface="Calibri" panose="020F0502020204030204" pitchFamily="34" charset="0"/>
                           <a:ea typeface="Calibri" panose="020F0502020204030204" pitchFamily="34" charset="0"/>
                           <a:cs typeface="Calibri" panose="020F0502020204030204" pitchFamily="34" charset="0"/>
                         </a:rPr>
-                        <a:t>Standard </a:t>
+                        <a:t> </a:t>
                       </a:r>
                       <a:r>
-                        <a:rPr lang="pt-PT" sz="1200" b="0" dirty="0" err="1">
+                        <a:rPr lang="pt-PT" sz="1200" dirty="0">
                           <a:latin typeface="Calibri" panose="020F0502020204030204" pitchFamily="34" charset="0"/>
                           <a:ea typeface="Calibri" panose="020F0502020204030204" pitchFamily="34" charset="0"/>
                           <a:cs typeface="Calibri" panose="020F0502020204030204" pitchFamily="34" charset="0"/>
                         </a:rPr>
-                        <a:t>deviation</a:t>
-                      </a:r>
-                      <a:endParaRPr lang="pt-PT" sz="1200" b="0" dirty="0">
-                        <a:latin typeface="Calibri" panose="020F0502020204030204" pitchFamily="34" charset="0"/>
-                        <a:ea typeface="Calibri" panose="020F0502020204030204" pitchFamily="34" charset="0"/>
-                        <a:cs typeface="Calibri" panose="020F0502020204030204" pitchFamily="34" charset="0"/>
-                      </a:endParaRPr>
-                    </a:p>
-                  </a:txBody>
-                  <a:tcPr marL="81828" marR="81828" anchor="ctr">
-                    <a:solidFill>
-                      <a:schemeClr val="bg2">
-                        <a:lumMod val="75000"/>
-                      </a:schemeClr>
-                    </a:solidFill>
-                  </a:tcPr>
-                </a:tc>
-                <a:tc>
-                  <a:txBody>
-                    <a:bodyPr/>
-                    <a:lstStyle/>
-                    <a:p>
-                      <a:pPr algn="ctr"/>
-                      <a:r>
-                        <a:rPr lang="pt-PT" sz="1200" b="0" dirty="0" err="1">
-                          <a:latin typeface="Calibri" panose="020F0502020204030204" pitchFamily="34" charset="0"/>
-                          <a:ea typeface="Calibri" panose="020F0502020204030204" pitchFamily="34" charset="0"/>
-                          <a:cs typeface="Calibri" panose="020F0502020204030204" pitchFamily="34" charset="0"/>
-                        </a:rPr>
-                        <a:t>Mean</a:t>
-                      </a:r>
-                      <a:endParaRPr lang="pt-PT" sz="1200" b="0" dirty="0">
-                        <a:latin typeface="Calibri" panose="020F0502020204030204" pitchFamily="34" charset="0"/>
-                        <a:ea typeface="Calibri" panose="020F0502020204030204" pitchFamily="34" charset="0"/>
-                        <a:cs typeface="Calibri" panose="020F0502020204030204" pitchFamily="34" charset="0"/>
-                      </a:endParaRPr>
-                    </a:p>
-                  </a:txBody>
-                  <a:tcPr marL="81828" marR="81828" anchor="ctr">
-                    <a:solidFill>
-                      <a:schemeClr val="bg2">
-                        <a:lumMod val="75000"/>
-                      </a:schemeClr>
-                    </a:solidFill>
-                  </a:tcPr>
-                </a:tc>
-                <a:tc>
-                  <a:txBody>
-                    <a:bodyPr/>
-                    <a:lstStyle/>
-                    <a:p>
-                      <a:pPr algn="ctr"/>
-                      <a:r>
-                        <a:rPr lang="pt-PT" sz="1200" b="0" dirty="0">
-                          <a:latin typeface="Calibri" panose="020F0502020204030204" pitchFamily="34" charset="0"/>
-                          <a:ea typeface="Calibri" panose="020F0502020204030204" pitchFamily="34" charset="0"/>
-                          <a:cs typeface="Calibri" panose="020F0502020204030204" pitchFamily="34" charset="0"/>
-                        </a:rPr>
-                        <a:t>Standard </a:t>
+                        <a:t>± Standard </a:t>
                       </a:r>
                       <a:r>
-                        <a:rPr lang="pt-PT" sz="1200" b="0" dirty="0" err="1">
-                          <a:latin typeface="Calibri" panose="020F0502020204030204" pitchFamily="34" charset="0"/>
-                          <a:ea typeface="Calibri" panose="020F0502020204030204" pitchFamily="34" charset="0"/>
-                          <a:cs typeface="Calibri" panose="020F0502020204030204" pitchFamily="34" charset="0"/>
-                        </a:rPr>
-                        <a:t>deviation</a:t>
-                      </a:r>
-                      <a:endParaRPr lang="pt-PT" sz="1200" b="0" dirty="0">
-                        <a:latin typeface="Calibri" panose="020F0502020204030204" pitchFamily="34" charset="0"/>
-                        <a:ea typeface="Calibri" panose="020F0502020204030204" pitchFamily="34" charset="0"/>
-                        <a:cs typeface="Calibri" panose="020F0502020204030204" pitchFamily="34" charset="0"/>
-                      </a:endParaRPr>
-                    </a:p>
-                  </a:txBody>
-                  <a:tcPr marL="81828" marR="81828" anchor="ctr">
-                    <a:solidFill>
-                      <a:schemeClr val="bg2">
-                        <a:lumMod val="75000"/>
-                      </a:schemeClr>
-                    </a:solidFill>
-                  </a:tcPr>
-                </a:tc>
-                <a:tc>
-                  <a:txBody>
-                    <a:bodyPr/>
-                    <a:lstStyle/>
-                    <a:p>
-                      <a:pPr algn="ctr"/>
-                      <a:r>
-                        <a:rPr lang="pt-PT" sz="1200" b="0" dirty="0" err="1">
-                          <a:latin typeface="Calibri" panose="020F0502020204030204" pitchFamily="34" charset="0"/>
-                          <a:ea typeface="Calibri" panose="020F0502020204030204" pitchFamily="34" charset="0"/>
-                          <a:cs typeface="Calibri" panose="020F0502020204030204" pitchFamily="34" charset="0"/>
-                        </a:rPr>
-                        <a:t>Mean</a:t>
-                      </a:r>
-                      <a:endParaRPr lang="pt-PT" sz="1200" b="0" dirty="0">
-                        <a:latin typeface="Calibri" panose="020F0502020204030204" pitchFamily="34" charset="0"/>
-                        <a:ea typeface="Calibri" panose="020F0502020204030204" pitchFamily="34" charset="0"/>
-                        <a:cs typeface="Calibri" panose="020F0502020204030204" pitchFamily="34" charset="0"/>
-                      </a:endParaRPr>
-                    </a:p>
-                  </a:txBody>
-                  <a:tcPr marL="81828" marR="81828" anchor="ctr">
-                    <a:solidFill>
-                      <a:schemeClr val="bg2">
-                        <a:lumMod val="75000"/>
-                      </a:schemeClr>
-                    </a:solidFill>
-                  </a:tcPr>
-                </a:tc>
-                <a:tc>
-                  <a:txBody>
-                    <a:bodyPr/>
-                    <a:lstStyle/>
-                    <a:p>
-                      <a:pPr algn="ctr"/>
-                      <a:r>
-                        <a:rPr lang="pt-PT" sz="1200" b="0" dirty="0">
-                          <a:latin typeface="Calibri" panose="020F0502020204030204" pitchFamily="34" charset="0"/>
-                          <a:ea typeface="Calibri" panose="020F0502020204030204" pitchFamily="34" charset="0"/>
-                          <a:cs typeface="Calibri" panose="020F0502020204030204" pitchFamily="34" charset="0"/>
-                        </a:rPr>
-                        <a:t>Standard </a:t>
-                      </a:r>
-                      <a:r>
-                        <a:rPr lang="pt-PT" sz="1200" b="0" dirty="0" err="1">
-                          <a:latin typeface="Calibri" panose="020F0502020204030204" pitchFamily="34" charset="0"/>
-                          <a:ea typeface="Calibri" panose="020F0502020204030204" pitchFamily="34" charset="0"/>
-                          <a:cs typeface="Calibri" panose="020F0502020204030204" pitchFamily="34" charset="0"/>
-                        </a:rPr>
-                        <a:t>deviation</a:t>
-                      </a:r>
-                      <a:endParaRPr lang="pt-PT" sz="1200" b="0" dirty="0">
-                        <a:latin typeface="Calibri" panose="020F0502020204030204" pitchFamily="34" charset="0"/>
-                        <a:ea typeface="Calibri" panose="020F0502020204030204" pitchFamily="34" charset="0"/>
-                        <a:cs typeface="Calibri" panose="020F0502020204030204" pitchFamily="34" charset="0"/>
-                      </a:endParaRPr>
-                    </a:p>
-                  </a:txBody>
-                  <a:tcPr marL="81828" marR="81828" anchor="ctr">
-                    <a:solidFill>
-                      <a:schemeClr val="bg2">
-                        <a:lumMod val="75000"/>
-                      </a:schemeClr>
-                    </a:solidFill>
-                  </a:tcPr>
-                </a:tc>
-                <a:tc>
-                  <a:txBody>
-                    <a:bodyPr/>
-                    <a:lstStyle/>
-                    <a:p>
-                      <a:pPr algn="ctr"/>
-                      <a:r>
-                        <a:rPr lang="pt-PT" sz="1200" b="0" dirty="0" err="1">
-                          <a:latin typeface="Calibri" panose="020F0502020204030204" pitchFamily="34" charset="0"/>
-                          <a:ea typeface="Calibri" panose="020F0502020204030204" pitchFamily="34" charset="0"/>
-                          <a:cs typeface="Calibri" panose="020F0502020204030204" pitchFamily="34" charset="0"/>
-                        </a:rPr>
-                        <a:t>Mean</a:t>
-                      </a:r>
-                      <a:endParaRPr lang="pt-PT" sz="1200" b="0" dirty="0">
-                        <a:latin typeface="Calibri" panose="020F0502020204030204" pitchFamily="34" charset="0"/>
-                        <a:ea typeface="Calibri" panose="020F0502020204030204" pitchFamily="34" charset="0"/>
-                        <a:cs typeface="Calibri" panose="020F0502020204030204" pitchFamily="34" charset="0"/>
-                      </a:endParaRPr>
-                    </a:p>
-                  </a:txBody>
-                  <a:tcPr marL="81828" marR="81828" anchor="ctr">
-                    <a:solidFill>
-                      <a:schemeClr val="bg2">
-                        <a:lumMod val="75000"/>
-                      </a:schemeClr>
-                    </a:solidFill>
-                  </a:tcPr>
-                </a:tc>
-                <a:tc>
-                  <a:txBody>
-                    <a:bodyPr/>
-                    <a:lstStyle/>
-                    <a:p>
-                      <a:pPr algn="ctr"/>
-                      <a:r>
-                        <a:rPr lang="pt-PT" sz="1200" b="0" dirty="0">
-                          <a:latin typeface="Calibri" panose="020F0502020204030204" pitchFamily="34" charset="0"/>
-                          <a:ea typeface="Calibri" panose="020F0502020204030204" pitchFamily="34" charset="0"/>
-                          <a:cs typeface="Calibri" panose="020F0502020204030204" pitchFamily="34" charset="0"/>
-                        </a:rPr>
-                        <a:t>Standard </a:t>
-                      </a:r>
-                      <a:r>
-                        <a:rPr lang="pt-PT" sz="1200" b="0" dirty="0" err="1">
+                        <a:rPr lang="pt-PT" sz="1200" dirty="0" err="1">
                           <a:latin typeface="Calibri" panose="020F0502020204030204" pitchFamily="34" charset="0"/>
                           <a:ea typeface="Calibri" panose="020F0502020204030204" pitchFamily="34" charset="0"/>
                           <a:cs typeface="Calibri" panose="020F0502020204030204" pitchFamily="34" charset="0"/>
@@ -4854,288 +5228,7 @@
                           <a:ea typeface="Calibri" panose="020F0502020204030204" pitchFamily="34" charset="0"/>
                           <a:cs typeface="Calibri" panose="020F0502020204030204" pitchFamily="34" charset="0"/>
                         </a:rPr>
-                        <a:t>298.796 </a:t>
-                      </a:r>
-                      <a:r>
-                        <a:rPr lang="pt-PT" sz="1200" dirty="0" err="1">
-                          <a:latin typeface="Calibri" panose="020F0502020204030204" pitchFamily="34" charset="0"/>
-                          <a:ea typeface="Calibri" panose="020F0502020204030204" pitchFamily="34" charset="0"/>
-                          <a:cs typeface="Calibri" panose="020F0502020204030204" pitchFamily="34" charset="0"/>
-                        </a:rPr>
-                        <a:t>ms</a:t>
-                      </a:r>
-                      <a:endParaRPr lang="pt-PT" sz="1200" dirty="0">
-                        <a:latin typeface="Calibri" panose="020F0502020204030204" pitchFamily="34" charset="0"/>
-                        <a:ea typeface="Calibri" panose="020F0502020204030204" pitchFamily="34" charset="0"/>
-                        <a:cs typeface="Calibri" panose="020F0502020204030204" pitchFamily="34" charset="0"/>
-                      </a:endParaRPr>
-                    </a:p>
-                  </a:txBody>
-                  <a:tcPr anchor="ctr"/>
-                </a:tc>
-                <a:tc>
-                  <a:txBody>
-                    <a:bodyPr/>
-                    <a:lstStyle/>
-                    <a:p>
-                      <a:pPr marL="0" marR="0" lvl="0" indent="0" algn="ctr" defTabSz="914400" rtl="0" eaLnBrk="1" fontAlgn="auto" latinLnBrk="0" hangingPunct="1">
-                        <a:lnSpc>
-                          <a:spcPct val="100000"/>
-                        </a:lnSpc>
-                        <a:spcBef>
-                          <a:spcPts val="0"/>
-                        </a:spcBef>
-                        <a:spcAft>
-                          <a:spcPts val="0"/>
-                        </a:spcAft>
-                        <a:buClrTx/>
-                        <a:buSzTx/>
-                        <a:buFontTx/>
-                        <a:buNone/>
-                        <a:tabLst/>
-                        <a:defRPr/>
-                      </a:pPr>
-                      <a:r>
-                        <a:rPr lang="pt-PT" sz="1200" dirty="0">
-                          <a:latin typeface="Calibri" panose="020F0502020204030204" pitchFamily="34" charset="0"/>
-                          <a:ea typeface="Calibri" panose="020F0502020204030204" pitchFamily="34" charset="0"/>
-                          <a:cs typeface="Calibri" panose="020F0502020204030204" pitchFamily="34" charset="0"/>
-                        </a:rPr>
-                        <a:t>17.305 </a:t>
-                      </a:r>
-                      <a:r>
-                        <a:rPr lang="pt-PT" sz="1200" dirty="0" err="1">
-                          <a:latin typeface="Calibri" panose="020F0502020204030204" pitchFamily="34" charset="0"/>
-                          <a:ea typeface="Calibri" panose="020F0502020204030204" pitchFamily="34" charset="0"/>
-                          <a:cs typeface="Calibri" panose="020F0502020204030204" pitchFamily="34" charset="0"/>
-                        </a:rPr>
-                        <a:t>ms</a:t>
-                      </a:r>
-                      <a:endParaRPr lang="pt-PT" sz="1200" dirty="0">
-                        <a:latin typeface="Calibri" panose="020F0502020204030204" pitchFamily="34" charset="0"/>
-                        <a:ea typeface="Calibri" panose="020F0502020204030204" pitchFamily="34" charset="0"/>
-                        <a:cs typeface="Calibri" panose="020F0502020204030204" pitchFamily="34" charset="0"/>
-                      </a:endParaRPr>
-                    </a:p>
-                  </a:txBody>
-                  <a:tcPr anchor="ctr"/>
-                </a:tc>
-                <a:tc>
-                  <a:txBody>
-                    <a:bodyPr/>
-                    <a:lstStyle/>
-                    <a:p>
-                      <a:pPr algn="ctr"/>
-                      <a:r>
-                        <a:rPr lang="pt-PT" sz="1200" dirty="0">
-                          <a:latin typeface="Calibri" panose="020F0502020204030204" pitchFamily="34" charset="0"/>
-                          <a:ea typeface="Calibri" panose="020F0502020204030204" pitchFamily="34" charset="0"/>
-                          <a:cs typeface="Calibri" panose="020F0502020204030204" pitchFamily="34" charset="0"/>
-                        </a:rPr>
-                        <a:t>178.738 </a:t>
-                      </a:r>
-                      <a:r>
-                        <a:rPr lang="pt-PT" sz="1200" dirty="0" err="1">
-                          <a:latin typeface="Calibri" panose="020F0502020204030204" pitchFamily="34" charset="0"/>
-                          <a:ea typeface="Calibri" panose="020F0502020204030204" pitchFamily="34" charset="0"/>
-                          <a:cs typeface="Calibri" panose="020F0502020204030204" pitchFamily="34" charset="0"/>
-                        </a:rPr>
-                        <a:t>ms</a:t>
-                      </a:r>
-                      <a:endParaRPr lang="pt-PT" sz="1200" dirty="0">
-                        <a:latin typeface="Calibri" panose="020F0502020204030204" pitchFamily="34" charset="0"/>
-                        <a:ea typeface="Calibri" panose="020F0502020204030204" pitchFamily="34" charset="0"/>
-                        <a:cs typeface="Calibri" panose="020F0502020204030204" pitchFamily="34" charset="0"/>
-                      </a:endParaRPr>
-                    </a:p>
-                  </a:txBody>
-                  <a:tcPr anchor="ctr"/>
-                </a:tc>
-                <a:tc>
-                  <a:txBody>
-                    <a:bodyPr/>
-                    <a:lstStyle/>
-                    <a:p>
-                      <a:pPr marL="0" marR="0" lvl="0" indent="0" algn="ctr" defTabSz="914400" rtl="0" eaLnBrk="1" fontAlgn="auto" latinLnBrk="0" hangingPunct="1">
-                        <a:lnSpc>
-                          <a:spcPct val="100000"/>
-                        </a:lnSpc>
-                        <a:spcBef>
-                          <a:spcPts val="0"/>
-                        </a:spcBef>
-                        <a:spcAft>
-                          <a:spcPts val="0"/>
-                        </a:spcAft>
-                        <a:buClrTx/>
-                        <a:buSzTx/>
-                        <a:buFontTx/>
-                        <a:buNone/>
-                        <a:tabLst/>
-                        <a:defRPr/>
-                      </a:pPr>
-                      <a:r>
-                        <a:rPr lang="pt-PT" sz="1200" dirty="0">
-                          <a:latin typeface="Calibri" panose="020F0502020204030204" pitchFamily="34" charset="0"/>
-                          <a:ea typeface="Calibri" panose="020F0502020204030204" pitchFamily="34" charset="0"/>
-                          <a:cs typeface="Calibri" panose="020F0502020204030204" pitchFamily="34" charset="0"/>
-                        </a:rPr>
-                        <a:t>23.191 </a:t>
-                      </a:r>
-                      <a:r>
-                        <a:rPr lang="pt-PT" sz="1200" dirty="0" err="1">
-                          <a:latin typeface="Calibri" panose="020F0502020204030204" pitchFamily="34" charset="0"/>
-                          <a:ea typeface="Calibri" panose="020F0502020204030204" pitchFamily="34" charset="0"/>
-                          <a:cs typeface="Calibri" panose="020F0502020204030204" pitchFamily="34" charset="0"/>
-                        </a:rPr>
-                        <a:t>ms</a:t>
-                      </a:r>
-                      <a:endParaRPr lang="pt-PT" sz="1200" dirty="0">
-                        <a:latin typeface="Calibri" panose="020F0502020204030204" pitchFamily="34" charset="0"/>
-                        <a:ea typeface="Calibri" panose="020F0502020204030204" pitchFamily="34" charset="0"/>
-                        <a:cs typeface="Calibri" panose="020F0502020204030204" pitchFamily="34" charset="0"/>
-                      </a:endParaRPr>
-                    </a:p>
-                  </a:txBody>
-                  <a:tcPr anchor="ctr"/>
-                </a:tc>
-                <a:tc>
-                  <a:txBody>
-                    <a:bodyPr/>
-                    <a:lstStyle/>
-                    <a:p>
-                      <a:pPr algn="ctr"/>
-                      <a:r>
-                        <a:rPr lang="pt-PT" sz="1200" dirty="0">
-                          <a:latin typeface="Calibri" panose="020F0502020204030204" pitchFamily="34" charset="0"/>
-                          <a:ea typeface="Calibri" panose="020F0502020204030204" pitchFamily="34" charset="0"/>
-                          <a:cs typeface="Calibri" panose="020F0502020204030204" pitchFamily="34" charset="0"/>
-                        </a:rPr>
-                        <a:t>219.899 </a:t>
-                      </a:r>
-                      <a:r>
-                        <a:rPr lang="pt-PT" sz="1200" dirty="0" err="1">
-                          <a:latin typeface="Calibri" panose="020F0502020204030204" pitchFamily="34" charset="0"/>
-                          <a:ea typeface="Calibri" panose="020F0502020204030204" pitchFamily="34" charset="0"/>
-                          <a:cs typeface="Calibri" panose="020F0502020204030204" pitchFamily="34" charset="0"/>
-                        </a:rPr>
-                        <a:t>ms</a:t>
-                      </a:r>
-                      <a:endParaRPr lang="pt-PT" sz="1200" dirty="0">
-                        <a:latin typeface="Calibri" panose="020F0502020204030204" pitchFamily="34" charset="0"/>
-                        <a:ea typeface="Calibri" panose="020F0502020204030204" pitchFamily="34" charset="0"/>
-                        <a:cs typeface="Calibri" panose="020F0502020204030204" pitchFamily="34" charset="0"/>
-                      </a:endParaRPr>
-                    </a:p>
-                  </a:txBody>
-                  <a:tcPr anchor="ctr"/>
-                </a:tc>
-                <a:tc>
-                  <a:txBody>
-                    <a:bodyPr/>
-                    <a:lstStyle/>
-                    <a:p>
-                      <a:pPr marL="0" marR="0" lvl="0" indent="0" algn="ctr" defTabSz="914400" rtl="0" eaLnBrk="1" fontAlgn="auto" latinLnBrk="0" hangingPunct="1">
-                        <a:lnSpc>
-                          <a:spcPct val="100000"/>
-                        </a:lnSpc>
-                        <a:spcBef>
-                          <a:spcPts val="0"/>
-                        </a:spcBef>
-                        <a:spcAft>
-                          <a:spcPts val="0"/>
-                        </a:spcAft>
-                        <a:buClrTx/>
-                        <a:buSzTx/>
-                        <a:buFontTx/>
-                        <a:buNone/>
-                        <a:tabLst/>
-                        <a:defRPr/>
-                      </a:pPr>
-                      <a:r>
-                        <a:rPr lang="pt-PT" sz="1200" dirty="0">
-                          <a:latin typeface="Calibri" panose="020F0502020204030204" pitchFamily="34" charset="0"/>
-                          <a:ea typeface="Calibri" panose="020F0502020204030204" pitchFamily="34" charset="0"/>
-                          <a:cs typeface="Calibri" panose="020F0502020204030204" pitchFamily="34" charset="0"/>
-                        </a:rPr>
-                        <a:t>107.156 </a:t>
-                      </a:r>
-                      <a:r>
-                        <a:rPr lang="pt-PT" sz="1200" dirty="0" err="1">
-                          <a:latin typeface="Calibri" panose="020F0502020204030204" pitchFamily="34" charset="0"/>
-                          <a:ea typeface="Calibri" panose="020F0502020204030204" pitchFamily="34" charset="0"/>
-                          <a:cs typeface="Calibri" panose="020F0502020204030204" pitchFamily="34" charset="0"/>
-                        </a:rPr>
-                        <a:t>ms</a:t>
-                      </a:r>
-                      <a:endParaRPr lang="pt-PT" sz="1200" dirty="0">
-                        <a:latin typeface="Calibri" panose="020F0502020204030204" pitchFamily="34" charset="0"/>
-                        <a:ea typeface="Calibri" panose="020F0502020204030204" pitchFamily="34" charset="0"/>
-                        <a:cs typeface="Calibri" panose="020F0502020204030204" pitchFamily="34" charset="0"/>
-                      </a:endParaRPr>
-                    </a:p>
-                  </a:txBody>
-                  <a:tcPr anchor="ctr"/>
-                </a:tc>
-                <a:tc>
-                  <a:txBody>
-                    <a:bodyPr/>
-                    <a:lstStyle/>
-                    <a:p>
-                      <a:pPr algn="ctr"/>
-                      <a:r>
-                        <a:rPr lang="pt-PT" sz="1200" dirty="0">
-                          <a:latin typeface="Calibri" panose="020F0502020204030204" pitchFamily="34" charset="0"/>
-                          <a:ea typeface="Calibri" panose="020F0502020204030204" pitchFamily="34" charset="0"/>
-                          <a:cs typeface="Calibri" panose="020F0502020204030204" pitchFamily="34" charset="0"/>
-                        </a:rPr>
-                        <a:t>100.495 </a:t>
-                      </a:r>
-                      <a:r>
-                        <a:rPr lang="pt-PT" sz="1200" dirty="0" err="1">
-                          <a:latin typeface="Calibri" panose="020F0502020204030204" pitchFamily="34" charset="0"/>
-                          <a:ea typeface="Calibri" panose="020F0502020204030204" pitchFamily="34" charset="0"/>
-                          <a:cs typeface="Calibri" panose="020F0502020204030204" pitchFamily="34" charset="0"/>
-                        </a:rPr>
-                        <a:t>ms</a:t>
-                      </a:r>
-                      <a:endParaRPr lang="pt-PT" sz="1200" dirty="0">
-                        <a:latin typeface="Calibri" panose="020F0502020204030204" pitchFamily="34" charset="0"/>
-                        <a:ea typeface="Calibri" panose="020F0502020204030204" pitchFamily="34" charset="0"/>
-                        <a:cs typeface="Calibri" panose="020F0502020204030204" pitchFamily="34" charset="0"/>
-                      </a:endParaRPr>
-                    </a:p>
-                  </a:txBody>
-                  <a:tcPr anchor="ctr"/>
-                </a:tc>
-                <a:tc>
-                  <a:txBody>
-                    <a:bodyPr/>
-                    <a:lstStyle/>
-                    <a:p>
-                      <a:pPr marL="0" marR="0" lvl="0" indent="0" algn="ctr" defTabSz="914400" rtl="0" eaLnBrk="1" fontAlgn="auto" latinLnBrk="0" hangingPunct="1">
-                        <a:lnSpc>
-                          <a:spcPct val="100000"/>
-                        </a:lnSpc>
-                        <a:spcBef>
-                          <a:spcPts val="0"/>
-                        </a:spcBef>
-                        <a:spcAft>
-                          <a:spcPts val="0"/>
-                        </a:spcAft>
-                        <a:buClrTx/>
-                        <a:buSzTx/>
-                        <a:buFontTx/>
-                        <a:buNone/>
-                        <a:tabLst/>
-                        <a:defRPr/>
-                      </a:pPr>
-                      <a:r>
-                        <a:rPr lang="pt-PT" sz="1200" dirty="0">
-                          <a:latin typeface="Calibri" panose="020F0502020204030204" pitchFamily="34" charset="0"/>
-                          <a:ea typeface="Calibri" panose="020F0502020204030204" pitchFamily="34" charset="0"/>
-                          <a:cs typeface="Calibri" panose="020F0502020204030204" pitchFamily="34" charset="0"/>
-                        </a:rPr>
-                        <a:t>8.299 </a:t>
+                        <a:t>178.7 ± 23.2 </a:t>
                       </a:r>
                       <a:r>
                         <a:rPr lang="pt-PT" sz="1200" dirty="0" err="1">
@@ -5164,418 +5257,257 @@
           </a:graphicData>
         </a:graphic>
       </p:graphicFrame>
-    </p:spTree>
-    <p:extLst>
-      <p:ext uri="{BB962C8B-B14F-4D97-AF65-F5344CB8AC3E}">
-        <p14:creationId xmlns:p14="http://schemas.microsoft.com/office/powerpoint/2010/main" val="428160414"/>
-      </p:ext>
-    </p:extLst>
-  </p:cSld>
-  <p:clrMapOvr>
-    <a:masterClrMapping/>
-  </p:clrMapOvr>
-</p:sld>
-</file>
-
-<file path=ppt/slides/slide4.xml><?xml version="1.0" encoding="utf-8"?>
-<p:sld xmlns:a="http://schemas.openxmlformats.org/drawingml/2006/main" xmlns:r="http://schemas.openxmlformats.org/officeDocument/2006/relationships" xmlns:p="http://schemas.openxmlformats.org/presentationml/2006/main">
-  <p:cSld>
-    <p:spTree>
-      <p:nvGrpSpPr>
-        <p:cNvPr id="1" name=""/>
-        <p:cNvGrpSpPr/>
-        <p:nvPr/>
-      </p:nvGrpSpPr>
-      <p:grpSpPr>
-        <a:xfrm>
-          <a:off x="0" y="0"/>
-          <a:ext cx="0" cy="0"/>
-          <a:chOff x="0" y="0"/>
-          <a:chExt cx="0" cy="0"/>
-        </a:xfrm>
-      </p:grpSpPr>
-      <p:sp>
-        <p:nvSpPr>
-          <p:cNvPr id="3" name="Marcador de Posição de Conteúdo 2">
+      <p:sp>
+        <p:nvSpPr>
+          <p:cNvPr id="9" name="CaixaDeTexto 8">
             <a:extLst>
               <a:ext uri="{FF2B5EF4-FFF2-40B4-BE49-F238E27FC236}">
-                <a16:creationId xmlns:a16="http://schemas.microsoft.com/office/drawing/2014/main" id="{51785857-EE14-DADB-1C8E-45E0CDC1B7C7}"/>
+                <a16:creationId xmlns:a16="http://schemas.microsoft.com/office/drawing/2014/main" id="{0472644F-1148-46C1-BECF-BD9D1AAD7529}"/>
               </a:ext>
             </a:extLst>
           </p:cNvPr>
-          <p:cNvSpPr>
-            <a:spLocks noGrp="1"/>
-          </p:cNvSpPr>
-          <p:nvPr>
-            <p:ph idx="1"/>
-          </p:nvPr>
+          <p:cNvSpPr txBox="1"/>
+          <p:nvPr/>
         </p:nvSpPr>
         <p:spPr>
           <a:xfrm>
-            <a:off x="1261872" y="1828800"/>
-            <a:ext cx="8595360" cy="4679576"/>
-          </a:xfrm>
-        </p:spPr>
-        <p:txBody>
-          <a:bodyPr>
-            <a:normAutofit/>
-          </a:bodyPr>
-          <a:lstStyle/>
-          <a:p>
-            <a:pPr algn="just"/>
-            <a:r>
-              <a:rPr lang="pt-PT" b="1" dirty="0" err="1"/>
-              <a:t>Expected</a:t>
-            </a:r>
-            <a:r>
-              <a:rPr lang="pt-PT" b="1" dirty="0"/>
-              <a:t> </a:t>
-            </a:r>
-            <a:r>
-              <a:rPr lang="pt-PT" b="1" dirty="0" err="1"/>
-              <a:t>results</a:t>
-            </a:r>
-            <a:endParaRPr lang="pt-PT" b="1" dirty="0"/>
-          </a:p>
-          <a:p>
-            <a:pPr marL="274320" lvl="1" indent="0" algn="just">
-              <a:buNone/>
-            </a:pPr>
-            <a:endParaRPr lang="pt-PT" dirty="0"/>
-          </a:p>
-          <a:p>
-            <a:pPr algn="just"/>
-            <a:r>
-              <a:rPr lang="en-US" b="1" dirty="0"/>
-              <a:t>Outcome</a:t>
-            </a:r>
-          </a:p>
-          <a:p>
-            <a:pPr lvl="1"/>
-            <a:endParaRPr lang="pt-PT" dirty="0"/>
-          </a:p>
-        </p:txBody>
-      </p:sp>
-      <p:sp>
-        <p:nvSpPr>
-          <p:cNvPr id="6" name="Título 1">
-            <a:extLst>
-              <a:ext uri="{FF2B5EF4-FFF2-40B4-BE49-F238E27FC236}">
-                <a16:creationId xmlns:a16="http://schemas.microsoft.com/office/drawing/2014/main" id="{88823953-442A-9117-0A2B-53DA082E6B19}"/>
-              </a:ext>
-            </a:extLst>
-          </p:cNvPr>
-          <p:cNvSpPr>
-            <a:spLocks noGrp="1"/>
-          </p:cNvSpPr>
-          <p:nvPr>
-            <p:ph type="title"/>
-          </p:nvPr>
-        </p:nvSpPr>
-        <p:spPr>
-          <a:xfrm>
-            <a:off x="995172" y="900652"/>
-            <a:ext cx="9603275" cy="813848"/>
-          </a:xfrm>
-        </p:spPr>
-        <p:txBody>
-          <a:bodyPr>
-            <a:normAutofit fontScale="90000"/>
-          </a:bodyPr>
-          <a:lstStyle/>
-          <a:p>
-            <a:r>
-              <a:rPr lang="pt-PT" sz="3600" b="1" dirty="0" err="1">
-                <a:latin typeface="Calibri" panose="020F0502020204030204" pitchFamily="34" charset="0"/>
-                <a:ea typeface="Calibri" panose="020F0502020204030204" pitchFamily="34" charset="0"/>
-                <a:cs typeface="Calibri" panose="020F0502020204030204" pitchFamily="34" charset="0"/>
-              </a:rPr>
-              <a:t>Program</a:t>
-            </a:r>
-            <a:r>
-              <a:rPr lang="pt-PT" sz="3600" b="1" dirty="0">
-                <a:latin typeface="Calibri" panose="020F0502020204030204" pitchFamily="34" charset="0"/>
-                <a:ea typeface="Calibri" panose="020F0502020204030204" pitchFamily="34" charset="0"/>
-                <a:cs typeface="Calibri" panose="020F0502020204030204" pitchFamily="34" charset="0"/>
-              </a:rPr>
-              <a:t> 1</a:t>
-            </a:r>
-            <a:br>
-              <a:rPr lang="pt-PT" dirty="0">
-                <a:latin typeface="Calibri" panose="020F0502020204030204" pitchFamily="34" charset="0"/>
-                <a:ea typeface="Calibri" panose="020F0502020204030204" pitchFamily="34" charset="0"/>
-                <a:cs typeface="Calibri" panose="020F0502020204030204" pitchFamily="34" charset="0"/>
-              </a:rPr>
-            </a:br>
-            <a:r>
-              <a:rPr lang="pt-PT" sz="2200" dirty="0" err="1">
-                <a:latin typeface="Calibri" panose="020F0502020204030204" pitchFamily="34" charset="0"/>
-                <a:ea typeface="Calibri" panose="020F0502020204030204" pitchFamily="34" charset="0"/>
-                <a:cs typeface="Calibri" panose="020F0502020204030204" pitchFamily="34" charset="0"/>
-              </a:rPr>
-              <a:t>Conclusions</a:t>
-            </a:r>
-            <a:endParaRPr lang="pt-PT" dirty="0">
-              <a:latin typeface="Calibri" panose="020F0502020204030204" pitchFamily="34" charset="0"/>
-              <a:ea typeface="Calibri" panose="020F0502020204030204" pitchFamily="34" charset="0"/>
-              <a:cs typeface="Calibri" panose="020F0502020204030204" pitchFamily="34" charset="0"/>
-            </a:endParaRPr>
-          </a:p>
-        </p:txBody>
-      </p:sp>
-    </p:spTree>
-    <p:extLst>
-      <p:ext uri="{BB962C8B-B14F-4D97-AF65-F5344CB8AC3E}">
-        <p14:creationId xmlns:p14="http://schemas.microsoft.com/office/powerpoint/2010/main" val="220112480"/>
-      </p:ext>
-    </p:extLst>
-  </p:cSld>
-  <p:clrMapOvr>
-    <a:masterClrMapping/>
-  </p:clrMapOvr>
-</p:sld>
-</file>
-
-<file path=ppt/slides/slide5.xml><?xml version="1.0" encoding="utf-8"?>
-<p:sld xmlns:a="http://schemas.openxmlformats.org/drawingml/2006/main" xmlns:r="http://schemas.openxmlformats.org/officeDocument/2006/relationships" xmlns:p="http://schemas.openxmlformats.org/presentationml/2006/main">
-  <p:cSld>
-    <p:spTree>
-      <p:nvGrpSpPr>
-        <p:cNvPr id="1" name=""/>
-        <p:cNvGrpSpPr/>
-        <p:nvPr/>
-      </p:nvGrpSpPr>
-      <p:grpSpPr>
-        <a:xfrm>
-          <a:off x="0" y="0"/>
-          <a:ext cx="0" cy="0"/>
-          <a:chOff x="0" y="0"/>
-          <a:chExt cx="0" cy="0"/>
-        </a:xfrm>
-      </p:grpSpPr>
-      <p:sp>
-        <p:nvSpPr>
-          <p:cNvPr id="7" name="Título 1">
-            <a:extLst>
-              <a:ext uri="{FF2B5EF4-FFF2-40B4-BE49-F238E27FC236}">
-                <a16:creationId xmlns:a16="http://schemas.microsoft.com/office/drawing/2014/main" id="{E68EA26D-16BC-CE47-5BBB-BDC89CDD72CE}"/>
-              </a:ext>
-            </a:extLst>
-          </p:cNvPr>
-          <p:cNvSpPr txBox="1">
-            <a:spLocks/>
-          </p:cNvSpPr>
-          <p:nvPr/>
-        </p:nvSpPr>
-        <p:spPr>
-          <a:xfrm>
-            <a:off x="960944" y="700831"/>
-            <a:ext cx="9603275" cy="813848"/>
+            <a:off x="5975267" y="2221893"/>
+            <a:ext cx="1297482" cy="954107"/>
           </a:xfrm>
           <a:prstGeom prst="rect">
             <a:avLst/>
           </a:prstGeom>
+          <a:noFill/>
         </p:spPr>
         <p:txBody>
-          <a:bodyPr vert="horz" lIns="91440" tIns="45720" rIns="91440" bIns="45720" rtlCol="0" anchor="b">
-            <a:normAutofit fontScale="97500" lnSpcReduction="10000"/>
+          <a:bodyPr wrap="square" rtlCol="0">
+            <a:spAutoFit/>
           </a:bodyPr>
-          <a:lstStyle>
-            <a:lvl1pPr algn="l" defTabSz="914400" rtl="0" eaLnBrk="1" latinLnBrk="0" hangingPunct="1">
-              <a:lnSpc>
-                <a:spcPct val="90000"/>
-              </a:lnSpc>
-              <a:spcBef>
-                <a:spcPct val="0"/>
-              </a:spcBef>
-              <a:buNone/>
-              <a:defRPr sz="4400" kern="1200" spc="-50" baseline="0">
-                <a:solidFill>
-                  <a:schemeClr val="tx1"/>
-                </a:solidFill>
-                <a:latin typeface="+mj-lt"/>
-                <a:ea typeface="+mj-ea"/>
-                <a:cs typeface="+mj-cs"/>
-              </a:defRPr>
-            </a:lvl1pPr>
-          </a:lstStyle>
-          <a:p>
-            <a:r>
-              <a:rPr lang="pt-PT" sz="3600" b="1" dirty="0" err="1">
-                <a:latin typeface="Calibri" panose="020F0502020204030204" pitchFamily="34" charset="0"/>
-                <a:ea typeface="Calibri" panose="020F0502020204030204" pitchFamily="34" charset="0"/>
-                <a:cs typeface="Calibri" panose="020F0502020204030204" pitchFamily="34" charset="0"/>
-              </a:rPr>
-              <a:t>Program</a:t>
-            </a:r>
-            <a:r>
-              <a:rPr lang="pt-PT" sz="3600" b="1" dirty="0">
-                <a:latin typeface="Calibri" panose="020F0502020204030204" pitchFamily="34" charset="0"/>
-                <a:ea typeface="Calibri" panose="020F0502020204030204" pitchFamily="34" charset="0"/>
-                <a:cs typeface="Calibri" panose="020F0502020204030204" pitchFamily="34" charset="0"/>
-              </a:rPr>
-              <a:t> 2</a:t>
-            </a:r>
-            <a:br>
-              <a:rPr lang="pt-PT" dirty="0">
-                <a:latin typeface="Calibri" panose="020F0502020204030204" pitchFamily="34" charset="0"/>
-                <a:ea typeface="Calibri" panose="020F0502020204030204" pitchFamily="34" charset="0"/>
-                <a:cs typeface="Calibri" panose="020F0502020204030204" pitchFamily="34" charset="0"/>
-              </a:rPr>
-            </a:br>
-            <a:r>
-              <a:rPr lang="pt-PT" sz="2200" dirty="0" err="1">
-                <a:latin typeface="Calibri" panose="020F0502020204030204" pitchFamily="34" charset="0"/>
-                <a:ea typeface="Calibri" panose="020F0502020204030204" pitchFamily="34" charset="0"/>
-                <a:cs typeface="Calibri" panose="020F0502020204030204" pitchFamily="34" charset="0"/>
-              </a:rPr>
-              <a:t>Entities</a:t>
-            </a:r>
-            <a:r>
-              <a:rPr lang="pt-PT" sz="2200" dirty="0">
-                <a:latin typeface="Calibri" panose="020F0502020204030204" pitchFamily="34" charset="0"/>
-                <a:ea typeface="Calibri" panose="020F0502020204030204" pitchFamily="34" charset="0"/>
-                <a:cs typeface="Calibri" panose="020F0502020204030204" pitchFamily="34" charset="0"/>
-              </a:rPr>
-              <a:t> </a:t>
-            </a:r>
-            <a:r>
-              <a:rPr lang="pt-PT" sz="2200" dirty="0" err="1">
-                <a:latin typeface="Calibri" panose="020F0502020204030204" pitchFamily="34" charset="0"/>
-                <a:ea typeface="Calibri" panose="020F0502020204030204" pitchFamily="34" charset="0"/>
-                <a:cs typeface="Calibri" panose="020F0502020204030204" pitchFamily="34" charset="0"/>
-              </a:rPr>
-              <a:t>diagram</a:t>
-            </a:r>
-            <a:endParaRPr lang="pt-PT" dirty="0">
-              <a:latin typeface="Calibri" panose="020F0502020204030204" pitchFamily="34" charset="0"/>
-              <a:ea typeface="Calibri" panose="020F0502020204030204" pitchFamily="34" charset="0"/>
-              <a:cs typeface="Calibri" panose="020F0502020204030204" pitchFamily="34" charset="0"/>
-            </a:endParaRPr>
-          </a:p>
-        </p:txBody>
-      </p:sp>
-    </p:spTree>
-    <p:extLst>
-      <p:ext uri="{BB962C8B-B14F-4D97-AF65-F5344CB8AC3E}">
-        <p14:creationId xmlns:p14="http://schemas.microsoft.com/office/powerpoint/2010/main" val="3055860216"/>
-      </p:ext>
-    </p:extLst>
-  </p:cSld>
-  <p:clrMapOvr>
-    <a:masterClrMapping/>
-  </p:clrMapOvr>
-</p:sld>
-</file>
-
-<file path=ppt/slides/slide6.xml><?xml version="1.0" encoding="utf-8"?>
-<p:sld xmlns:a="http://schemas.openxmlformats.org/drawingml/2006/main" xmlns:r="http://schemas.openxmlformats.org/officeDocument/2006/relationships" xmlns:p="http://schemas.openxmlformats.org/presentationml/2006/main">
-  <p:cSld>
-    <p:spTree>
-      <p:nvGrpSpPr>
-        <p:cNvPr id="1" name=""/>
-        <p:cNvGrpSpPr/>
-        <p:nvPr/>
-      </p:nvGrpSpPr>
-      <p:grpSpPr>
-        <a:xfrm>
-          <a:off x="0" y="0"/>
-          <a:ext cx="0" cy="0"/>
-          <a:chOff x="0" y="0"/>
-          <a:chExt cx="0" cy="0"/>
-        </a:xfrm>
-      </p:grpSpPr>
-      <p:sp>
-        <p:nvSpPr>
-          <p:cNvPr id="2" name="Título 1">
+          <a:lstStyle/>
+          <a:p>
+            <a:r>
+              <a:rPr lang="pt-PT" sz="1400" b="1" dirty="0"/>
+              <a:t>PC1 </a:t>
+            </a:r>
+            <a:r>
+              <a:rPr lang="pt-PT" sz="1400" b="1" dirty="0" err="1"/>
+              <a:t>Specs</a:t>
+            </a:r>
+            <a:r>
+              <a:rPr lang="pt-PT" sz="1400" b="1" dirty="0"/>
+              <a:t>:</a:t>
+            </a:r>
+          </a:p>
+          <a:p>
+            <a:endParaRPr lang="pt-PT" sz="1400" dirty="0"/>
+          </a:p>
+          <a:p>
+            <a:r>
+              <a:rPr lang="pt-PT" sz="1400" dirty="0" err="1"/>
+              <a:t>Lubuntu</a:t>
+            </a:r>
+            <a:r>
+              <a:rPr lang="pt-PT" sz="1400" dirty="0"/>
+              <a:t> VM</a:t>
+            </a:r>
+          </a:p>
+          <a:p>
+            <a:r>
+              <a:rPr lang="pt-PT" sz="1400" dirty="0"/>
+              <a:t>4 cores</a:t>
+            </a:r>
+          </a:p>
+        </p:txBody>
+      </p:sp>
+      <p:sp>
+        <p:nvSpPr>
+          <p:cNvPr id="2" name="CaixaDeTexto 1">
             <a:extLst>
               <a:ext uri="{FF2B5EF4-FFF2-40B4-BE49-F238E27FC236}">
-                <a16:creationId xmlns:a16="http://schemas.microsoft.com/office/drawing/2014/main" id="{C7D52C90-E3ED-4F3F-A8E5-D53ABE83C150}"/>
+                <a16:creationId xmlns:a16="http://schemas.microsoft.com/office/drawing/2014/main" id="{B35C6840-54E7-481C-914A-8E050927DF52}"/>
               </a:ext>
             </a:extLst>
           </p:cNvPr>
-          <p:cNvSpPr>
-            <a:spLocks noGrp="1"/>
-          </p:cNvSpPr>
-          <p:nvPr>
-            <p:ph type="title"/>
-          </p:nvPr>
+          <p:cNvSpPr txBox="1"/>
+          <p:nvPr/>
         </p:nvSpPr>
         <p:spPr>
           <a:xfrm>
-            <a:off x="1450977" y="289897"/>
-            <a:ext cx="9603275" cy="813848"/>
+            <a:off x="7212942" y="1626403"/>
+            <a:ext cx="3841309" cy="369332"/>
           </a:xfrm>
+          <a:prstGeom prst="rect">
+            <a:avLst/>
+          </a:prstGeom>
+          <a:noFill/>
         </p:spPr>
         <p:txBody>
-          <a:bodyPr>
-            <a:normAutofit fontScale="90000"/>
+          <a:bodyPr wrap="square" rtlCol="0">
+            <a:spAutoFit/>
           </a:bodyPr>
           <a:lstStyle/>
           <a:p>
-            <a:r>
-              <a:rPr lang="pt-PT" sz="3600" b="1" dirty="0" err="1">
-                <a:latin typeface="Calibri" panose="020F0502020204030204" pitchFamily="34" charset="0"/>
-                <a:ea typeface="Calibri" panose="020F0502020204030204" pitchFamily="34" charset="0"/>
-                <a:cs typeface="Calibri" panose="020F0502020204030204" pitchFamily="34" charset="0"/>
-              </a:rPr>
-              <a:t>Program</a:t>
-            </a:r>
-            <a:r>
-              <a:rPr lang="pt-PT" sz="3600" b="1" dirty="0">
-                <a:latin typeface="Calibri" panose="020F0502020204030204" pitchFamily="34" charset="0"/>
-                <a:ea typeface="Calibri" panose="020F0502020204030204" pitchFamily="34" charset="0"/>
-                <a:cs typeface="Calibri" panose="020F0502020204030204" pitchFamily="34" charset="0"/>
-              </a:rPr>
-              <a:t> 2</a:t>
-            </a:r>
-            <a:br>
-              <a:rPr lang="pt-PT" dirty="0">
-                <a:latin typeface="Calibri" panose="020F0502020204030204" pitchFamily="34" charset="0"/>
-                <a:ea typeface="Calibri" panose="020F0502020204030204" pitchFamily="34" charset="0"/>
-                <a:cs typeface="Calibri" panose="020F0502020204030204" pitchFamily="34" charset="0"/>
-              </a:rPr>
-            </a:br>
-            <a:r>
-              <a:rPr lang="pt-PT" sz="2200" dirty="0" err="1">
-                <a:latin typeface="Calibri" panose="020F0502020204030204" pitchFamily="34" charset="0"/>
-                <a:ea typeface="Calibri" panose="020F0502020204030204" pitchFamily="34" charset="0"/>
-                <a:cs typeface="Calibri" panose="020F0502020204030204" pitchFamily="34" charset="0"/>
-              </a:rPr>
-              <a:t>Results</a:t>
-            </a:r>
-            <a:endParaRPr lang="pt-PT" dirty="0">
-              <a:latin typeface="Calibri" panose="020F0502020204030204" pitchFamily="34" charset="0"/>
-              <a:ea typeface="Calibri" panose="020F0502020204030204" pitchFamily="34" charset="0"/>
-              <a:cs typeface="Calibri" panose="020F0502020204030204" pitchFamily="34" charset="0"/>
-            </a:endParaRPr>
+            <a:pPr algn="ctr"/>
+            <a:r>
+              <a:rPr lang="pt-PT" i="1" dirty="0" err="1"/>
+              <a:t>Multiprocess</a:t>
+            </a:r>
+            <a:r>
+              <a:rPr lang="pt-PT" i="1" dirty="0"/>
+              <a:t> </a:t>
+            </a:r>
+            <a:r>
+              <a:rPr lang="pt-PT" i="1" dirty="0" err="1"/>
+              <a:t>solution</a:t>
+            </a:r>
+            <a:r>
+              <a:rPr lang="pt-PT" i="1" dirty="0"/>
+              <a:t> (MPI)</a:t>
+            </a:r>
+          </a:p>
+        </p:txBody>
+      </p:sp>
+      <p:sp>
+        <p:nvSpPr>
+          <p:cNvPr id="11" name="CaixaDeTexto 10">
+            <a:extLst>
+              <a:ext uri="{FF2B5EF4-FFF2-40B4-BE49-F238E27FC236}">
+                <a16:creationId xmlns:a16="http://schemas.microsoft.com/office/drawing/2014/main" id="{4075672B-49A6-4775-AF35-DDA26EA019DC}"/>
+              </a:ext>
+            </a:extLst>
+          </p:cNvPr>
+          <p:cNvSpPr txBox="1"/>
+          <p:nvPr/>
+        </p:nvSpPr>
+        <p:spPr>
+          <a:xfrm>
+            <a:off x="394637" y="2181190"/>
+            <a:ext cx="1297482" cy="954107"/>
+          </a:xfrm>
+          <a:prstGeom prst="rect">
+            <a:avLst/>
+          </a:prstGeom>
+          <a:noFill/>
+        </p:spPr>
+        <p:txBody>
+          <a:bodyPr wrap="square" rtlCol="0">
+            <a:spAutoFit/>
+          </a:bodyPr>
+          <a:lstStyle/>
+          <a:p>
+            <a:r>
+              <a:rPr lang="pt-PT" sz="1400" b="1" dirty="0"/>
+              <a:t>PC1 </a:t>
+            </a:r>
+            <a:r>
+              <a:rPr lang="pt-PT" sz="1400" b="1" dirty="0" err="1"/>
+              <a:t>Specs</a:t>
+            </a:r>
+            <a:r>
+              <a:rPr lang="pt-PT" sz="1400" b="1" dirty="0"/>
+              <a:t>:</a:t>
+            </a:r>
+          </a:p>
+          <a:p>
+            <a:endParaRPr lang="pt-PT" sz="1400" dirty="0"/>
+          </a:p>
+          <a:p>
+            <a:r>
+              <a:rPr lang="pt-PT" sz="1400" dirty="0" err="1"/>
+              <a:t>Lubuntu</a:t>
+            </a:r>
+            <a:r>
+              <a:rPr lang="pt-PT" sz="1400" dirty="0"/>
+              <a:t> VM</a:t>
+            </a:r>
+          </a:p>
+          <a:p>
+            <a:r>
+              <a:rPr lang="pt-PT" sz="1400" dirty="0"/>
+              <a:t>4 cores</a:t>
+            </a:r>
+          </a:p>
+        </p:txBody>
+      </p:sp>
+      <p:sp>
+        <p:nvSpPr>
+          <p:cNvPr id="12" name="CaixaDeTexto 11">
+            <a:extLst>
+              <a:ext uri="{FF2B5EF4-FFF2-40B4-BE49-F238E27FC236}">
+                <a16:creationId xmlns:a16="http://schemas.microsoft.com/office/drawing/2014/main" id="{8684F043-2366-4448-9E77-95655F5F8AE8}"/>
+              </a:ext>
+            </a:extLst>
+          </p:cNvPr>
+          <p:cNvSpPr txBox="1"/>
+          <p:nvPr/>
+        </p:nvSpPr>
+        <p:spPr>
+          <a:xfrm>
+            <a:off x="1692118" y="1626403"/>
+            <a:ext cx="3841309" cy="369332"/>
+          </a:xfrm>
+          <a:prstGeom prst="rect">
+            <a:avLst/>
+          </a:prstGeom>
+          <a:noFill/>
+        </p:spPr>
+        <p:txBody>
+          <a:bodyPr wrap="square" rtlCol="0">
+            <a:spAutoFit/>
+          </a:bodyPr>
+          <a:lstStyle/>
+          <a:p>
+            <a:pPr algn="ctr"/>
+            <a:r>
+              <a:rPr lang="pt-PT" i="1" dirty="0" err="1"/>
+              <a:t>Multithread</a:t>
+            </a:r>
+            <a:r>
+              <a:rPr lang="pt-PT" i="1" dirty="0"/>
+              <a:t> </a:t>
+            </a:r>
+            <a:r>
+              <a:rPr lang="pt-PT" i="1" dirty="0" err="1"/>
+              <a:t>solution</a:t>
+            </a:r>
+            <a:r>
+              <a:rPr lang="pt-PT" i="1" dirty="0"/>
+              <a:t> (</a:t>
+            </a:r>
+            <a:r>
+              <a:rPr lang="pt-PT" i="1" dirty="0" err="1"/>
+              <a:t>pthread</a:t>
+            </a:r>
+            <a:r>
+              <a:rPr lang="pt-PT" i="1" dirty="0"/>
+              <a:t>)</a:t>
+            </a:r>
           </a:p>
         </p:txBody>
       </p:sp>
       <p:graphicFrame>
         <p:nvGraphicFramePr>
-          <p:cNvPr id="4" name="Tabela 4">
+          <p:cNvPr id="14" name="Tabela 4">
             <a:extLst>
               <a:ext uri="{FF2B5EF4-FFF2-40B4-BE49-F238E27FC236}">
-                <a16:creationId xmlns:a16="http://schemas.microsoft.com/office/drawing/2014/main" id="{679D117F-9FA6-4E05-8A42-825385C0036A}"/>
+                <a16:creationId xmlns:a16="http://schemas.microsoft.com/office/drawing/2014/main" id="{EC5D3588-CD59-409B-82F6-0551B210BE25}"/>
               </a:ext>
             </a:extLst>
           </p:cNvPr>
           <p:cNvGraphicFramePr>
-            <a:graphicFrameLocks noGrp="1"/>
+            <a:graphicFrameLocks/>
           </p:cNvGraphicFramePr>
           <p:nvPr>
-            <p:ph idx="1"/>
             <p:extLst>
               <p:ext uri="{D42A27DB-BD31-4B8C-83A1-F6EECF244321}">
-                <p14:modId xmlns:p14="http://schemas.microsoft.com/office/powerpoint/2010/main" val="697750817"/>
+                <p14:modId xmlns:p14="http://schemas.microsoft.com/office/powerpoint/2010/main" val="1529513881"/>
               </p:ext>
             </p:extLst>
           </p:nvPr>
         </p:nvGraphicFramePr>
         <p:xfrm>
-          <a:off x="1450428" y="2932777"/>
-          <a:ext cx="9603277" cy="1188720"/>
+          <a:off x="1643088" y="1989325"/>
+          <a:ext cx="3841308" cy="1186675"/>
         </p:xfrm>
         <a:graphic>
           <a:graphicData uri="http://schemas.openxmlformats.org/drawingml/2006/table">
@@ -5584,66 +5516,17 @@
                 <a:tableStyleId>{073A0DAA-6AF3-43AB-8588-CEC1D06C72B9}</a:tableStyleId>
               </a:tblPr>
               <a:tblGrid>
-                <a:gridCol w="1920653">
+                <a:gridCol w="1839619">
                   <a:extLst>
                     <a:ext uri="{9D8B030D-6E8A-4147-A177-3AD203B41FA5}">
                       <a16:colId xmlns:a16="http://schemas.microsoft.com/office/drawing/2014/main" val="2688708435"/>
                     </a:ext>
                   </a:extLst>
                 </a:gridCol>
-                <a:gridCol w="960328">
-                  <a:extLst>
-                    <a:ext uri="{9D8B030D-6E8A-4147-A177-3AD203B41FA5}">
-                      <a16:colId xmlns:a16="http://schemas.microsoft.com/office/drawing/2014/main" val="1694873685"/>
-                    </a:ext>
-                  </a:extLst>
-                </a:gridCol>
-                <a:gridCol w="960328">
-                  <a:extLst>
-                    <a:ext uri="{9D8B030D-6E8A-4147-A177-3AD203B41FA5}">
-                      <a16:colId xmlns:a16="http://schemas.microsoft.com/office/drawing/2014/main" val="3360597691"/>
-                    </a:ext>
-                  </a:extLst>
-                </a:gridCol>
-                <a:gridCol w="960328">
+                <a:gridCol w="2001689">
                   <a:extLst>
                     <a:ext uri="{9D8B030D-6E8A-4147-A177-3AD203B41FA5}">
                       <a16:colId xmlns:a16="http://schemas.microsoft.com/office/drawing/2014/main" val="1516063400"/>
-                    </a:ext>
-                  </a:extLst>
-                </a:gridCol>
-                <a:gridCol w="960328">
-                  <a:extLst>
-                    <a:ext uri="{9D8B030D-6E8A-4147-A177-3AD203B41FA5}">
-                      <a16:colId xmlns:a16="http://schemas.microsoft.com/office/drawing/2014/main" val="525659777"/>
-                    </a:ext>
-                  </a:extLst>
-                </a:gridCol>
-                <a:gridCol w="960328">
-                  <a:extLst>
-                    <a:ext uri="{9D8B030D-6E8A-4147-A177-3AD203B41FA5}">
-                      <a16:colId xmlns:a16="http://schemas.microsoft.com/office/drawing/2014/main" val="1935499054"/>
-                    </a:ext>
-                  </a:extLst>
-                </a:gridCol>
-                <a:gridCol w="960328">
-                  <a:extLst>
-                    <a:ext uri="{9D8B030D-6E8A-4147-A177-3AD203B41FA5}">
-                      <a16:colId xmlns:a16="http://schemas.microsoft.com/office/drawing/2014/main" val="3677099432"/>
-                    </a:ext>
-                  </a:extLst>
-                </a:gridCol>
-                <a:gridCol w="960328">
-                  <a:extLst>
-                    <a:ext uri="{9D8B030D-6E8A-4147-A177-3AD203B41FA5}">
-                      <a16:colId xmlns:a16="http://schemas.microsoft.com/office/drawing/2014/main" val="3036198595"/>
-                    </a:ext>
-                  </a:extLst>
-                </a:gridCol>
-                <a:gridCol w="960328">
-                  <a:extLst>
-                    <a:ext uri="{9D8B030D-6E8A-4147-A177-3AD203B41FA5}">
-                      <a16:colId xmlns:a16="http://schemas.microsoft.com/office/drawing/2014/main" val="1626575749"/>
                     </a:ext>
                   </a:extLst>
                 </a:gridCol>
@@ -5675,40 +5558,7 @@
                   </a:txBody>
                   <a:tcPr anchor="ctr"/>
                 </a:tc>
-                <a:tc gridSpan="2">
-                  <a:txBody>
-                    <a:bodyPr/>
-                    <a:lstStyle/>
-                    <a:p>
-                      <a:pPr algn="ctr"/>
-                      <a:r>
-                        <a:rPr lang="pt-PT" b="0" dirty="0"/>
-                        <a:t>1 </a:t>
-                      </a:r>
-                      <a:r>
-                        <a:rPr lang="pt-PT" b="0" dirty="0" err="1"/>
-                        <a:t>worker</a:t>
-                      </a:r>
-                      <a:endParaRPr lang="pt-PT" b="0" dirty="0">
-                        <a:latin typeface="Calibri" panose="020F0502020204030204" pitchFamily="34" charset="0"/>
-                        <a:ea typeface="Calibri" panose="020F0502020204030204" pitchFamily="34" charset="0"/>
-                        <a:cs typeface="Calibri" panose="020F0502020204030204" pitchFamily="34" charset="0"/>
-                      </a:endParaRPr>
-                    </a:p>
-                  </a:txBody>
-                  <a:tcPr anchor="ctr"/>
-                </a:tc>
-                <a:tc hMerge="1">
-                  <a:txBody>
-                    <a:bodyPr/>
-                    <a:lstStyle/>
-                    <a:p>
-                      <a:endParaRPr lang="pt-PT"/>
-                    </a:p>
-                  </a:txBody>
-                  <a:tcPr/>
-                </a:tc>
-                <a:tc gridSpan="2">
+                <a:tc>
                   <a:txBody>
                     <a:bodyPr/>
                     <a:lstStyle/>
@@ -5730,82 +5580,6 @@
                     </a:p>
                   </a:txBody>
                   <a:tcPr anchor="ctr"/>
-                </a:tc>
-                <a:tc hMerge="1">
-                  <a:txBody>
-                    <a:bodyPr/>
-                    <a:lstStyle/>
-                    <a:p>
-                      <a:endParaRPr lang="pt-PT"/>
-                    </a:p>
-                  </a:txBody>
-                  <a:tcPr/>
-                </a:tc>
-                <a:tc gridSpan="2">
-                  <a:txBody>
-                    <a:bodyPr/>
-                    <a:lstStyle/>
-                    <a:p>
-                      <a:pPr algn="ctr"/>
-                      <a:r>
-                        <a:rPr lang="pt-PT" b="0" dirty="0"/>
-                        <a:t>4 </a:t>
-                      </a:r>
-                      <a:r>
-                        <a:rPr lang="pt-PT" b="0" dirty="0" err="1"/>
-                        <a:t>workers</a:t>
-                      </a:r>
-                      <a:endParaRPr lang="pt-PT" b="0" dirty="0">
-                        <a:latin typeface="Calibri" panose="020F0502020204030204" pitchFamily="34" charset="0"/>
-                        <a:ea typeface="Calibri" panose="020F0502020204030204" pitchFamily="34" charset="0"/>
-                        <a:cs typeface="Calibri" panose="020F0502020204030204" pitchFamily="34" charset="0"/>
-                      </a:endParaRPr>
-                    </a:p>
-                  </a:txBody>
-                  <a:tcPr anchor="ctr"/>
-                </a:tc>
-                <a:tc hMerge="1">
-                  <a:txBody>
-                    <a:bodyPr/>
-                    <a:lstStyle/>
-                    <a:p>
-                      <a:endParaRPr lang="pt-PT"/>
-                    </a:p>
-                  </a:txBody>
-                  <a:tcPr/>
-                </a:tc>
-                <a:tc gridSpan="2">
-                  <a:txBody>
-                    <a:bodyPr/>
-                    <a:lstStyle/>
-                    <a:p>
-                      <a:pPr algn="ctr"/>
-                      <a:r>
-                        <a:rPr lang="pt-PT" b="0" dirty="0"/>
-                        <a:t>8 </a:t>
-                      </a:r>
-                      <a:r>
-                        <a:rPr lang="pt-PT" b="0" dirty="0" err="1"/>
-                        <a:t>workers</a:t>
-                      </a:r>
-                      <a:endParaRPr lang="pt-PT" b="0" dirty="0">
-                        <a:latin typeface="Calibri" panose="020F0502020204030204" pitchFamily="34" charset="0"/>
-                        <a:ea typeface="Calibri" panose="020F0502020204030204" pitchFamily="34" charset="0"/>
-                        <a:cs typeface="Calibri" panose="020F0502020204030204" pitchFamily="34" charset="0"/>
-                      </a:endParaRPr>
-                    </a:p>
-                  </a:txBody>
-                  <a:tcPr anchor="ctr"/>
-                </a:tc>
-                <a:tc hMerge="1">
-                  <a:txBody>
-                    <a:bodyPr/>
-                    <a:lstStyle/>
-                    <a:p>
-                      <a:endParaRPr lang="pt-PT"/>
-                    </a:p>
-                  </a:txBody>
-                  <a:tcPr/>
                 </a:tc>
                 <a:extLst>
                   <a:ext uri="{0D108BD9-81ED-4DB2-BD59-A6C34878D82A}">
@@ -5843,235 +5617,24 @@
                         </a:rPr>
                         <a:t>Mean</a:t>
                       </a:r>
-                      <a:endParaRPr lang="pt-PT" sz="1200" b="0" dirty="0">
-                        <a:latin typeface="Calibri" panose="020F0502020204030204" pitchFamily="34" charset="0"/>
-                        <a:ea typeface="Calibri" panose="020F0502020204030204" pitchFamily="34" charset="0"/>
-                        <a:cs typeface="Calibri" panose="020F0502020204030204" pitchFamily="34" charset="0"/>
-                      </a:endParaRPr>
-                    </a:p>
-                  </a:txBody>
-                  <a:tcPr marL="81828" marR="81828" anchor="ctr">
-                    <a:solidFill>
-                      <a:schemeClr val="bg2">
-                        <a:lumMod val="75000"/>
-                      </a:schemeClr>
-                    </a:solidFill>
-                  </a:tcPr>
-                </a:tc>
-                <a:tc>
-                  <a:txBody>
-                    <a:bodyPr/>
-                    <a:lstStyle/>
-                    <a:p>
-                      <a:pPr algn="ctr"/>
                       <a:r>
                         <a:rPr lang="pt-PT" sz="1200" b="0" dirty="0">
                           <a:latin typeface="Calibri" panose="020F0502020204030204" pitchFamily="34" charset="0"/>
                           <a:ea typeface="Calibri" panose="020F0502020204030204" pitchFamily="34" charset="0"/>
                           <a:cs typeface="Calibri" panose="020F0502020204030204" pitchFamily="34" charset="0"/>
                         </a:rPr>
-                        <a:t>Standard </a:t>
+                        <a:t> </a:t>
                       </a:r>
                       <a:r>
-                        <a:rPr lang="pt-PT" sz="1200" b="0" dirty="0" err="1">
+                        <a:rPr lang="pt-PT" sz="1200" dirty="0">
                           <a:latin typeface="Calibri" panose="020F0502020204030204" pitchFamily="34" charset="0"/>
                           <a:ea typeface="Calibri" panose="020F0502020204030204" pitchFamily="34" charset="0"/>
                           <a:cs typeface="Calibri" panose="020F0502020204030204" pitchFamily="34" charset="0"/>
                         </a:rPr>
-                        <a:t>deviation</a:t>
-                      </a:r>
-                      <a:endParaRPr lang="pt-PT" sz="1200" b="0" dirty="0">
-                        <a:latin typeface="Calibri" panose="020F0502020204030204" pitchFamily="34" charset="0"/>
-                        <a:ea typeface="Calibri" panose="020F0502020204030204" pitchFamily="34" charset="0"/>
-                        <a:cs typeface="Calibri" panose="020F0502020204030204" pitchFamily="34" charset="0"/>
-                      </a:endParaRPr>
-                    </a:p>
-                  </a:txBody>
-                  <a:tcPr marL="81828" marR="81828" anchor="ctr">
-                    <a:solidFill>
-                      <a:schemeClr val="bg2">
-                        <a:lumMod val="75000"/>
-                      </a:schemeClr>
-                    </a:solidFill>
-                  </a:tcPr>
-                </a:tc>
-                <a:tc>
-                  <a:txBody>
-                    <a:bodyPr/>
-                    <a:lstStyle/>
-                    <a:p>
-                      <a:pPr algn="ctr"/>
-                      <a:r>
-                        <a:rPr lang="pt-PT" sz="1200" b="0" dirty="0" err="1">
-                          <a:latin typeface="Calibri" panose="020F0502020204030204" pitchFamily="34" charset="0"/>
-                          <a:ea typeface="Calibri" panose="020F0502020204030204" pitchFamily="34" charset="0"/>
-                          <a:cs typeface="Calibri" panose="020F0502020204030204" pitchFamily="34" charset="0"/>
-                        </a:rPr>
-                        <a:t>Mean</a:t>
-                      </a:r>
-                      <a:endParaRPr lang="pt-PT" sz="1200" b="0" dirty="0">
-                        <a:latin typeface="Calibri" panose="020F0502020204030204" pitchFamily="34" charset="0"/>
-                        <a:ea typeface="Calibri" panose="020F0502020204030204" pitchFamily="34" charset="0"/>
-                        <a:cs typeface="Calibri" panose="020F0502020204030204" pitchFamily="34" charset="0"/>
-                      </a:endParaRPr>
-                    </a:p>
-                  </a:txBody>
-                  <a:tcPr marL="81828" marR="81828" anchor="ctr">
-                    <a:solidFill>
-                      <a:schemeClr val="bg2">
-                        <a:lumMod val="75000"/>
-                      </a:schemeClr>
-                    </a:solidFill>
-                  </a:tcPr>
-                </a:tc>
-                <a:tc>
-                  <a:txBody>
-                    <a:bodyPr/>
-                    <a:lstStyle/>
-                    <a:p>
-                      <a:pPr algn="ctr"/>
-                      <a:r>
-                        <a:rPr lang="pt-PT" sz="1200" b="0" dirty="0">
-                          <a:latin typeface="Calibri" panose="020F0502020204030204" pitchFamily="34" charset="0"/>
-                          <a:ea typeface="Calibri" panose="020F0502020204030204" pitchFamily="34" charset="0"/>
-                          <a:cs typeface="Calibri" panose="020F0502020204030204" pitchFamily="34" charset="0"/>
-                        </a:rPr>
-                        <a:t>Standard </a:t>
+                        <a:t>± Standard </a:t>
                       </a:r>
                       <a:r>
-                        <a:rPr lang="pt-PT" sz="1200" b="0" dirty="0" err="1">
-                          <a:latin typeface="Calibri" panose="020F0502020204030204" pitchFamily="34" charset="0"/>
-                          <a:ea typeface="Calibri" panose="020F0502020204030204" pitchFamily="34" charset="0"/>
-                          <a:cs typeface="Calibri" panose="020F0502020204030204" pitchFamily="34" charset="0"/>
-                        </a:rPr>
-                        <a:t>deviation</a:t>
-                      </a:r>
-                      <a:endParaRPr lang="pt-PT" sz="1200" b="0" dirty="0">
-                        <a:latin typeface="Calibri" panose="020F0502020204030204" pitchFamily="34" charset="0"/>
-                        <a:ea typeface="Calibri" panose="020F0502020204030204" pitchFamily="34" charset="0"/>
-                        <a:cs typeface="Calibri" panose="020F0502020204030204" pitchFamily="34" charset="0"/>
-                      </a:endParaRPr>
-                    </a:p>
-                  </a:txBody>
-                  <a:tcPr marL="81828" marR="81828" anchor="ctr">
-                    <a:solidFill>
-                      <a:schemeClr val="bg2">
-                        <a:lumMod val="75000"/>
-                      </a:schemeClr>
-                    </a:solidFill>
-                  </a:tcPr>
-                </a:tc>
-                <a:tc>
-                  <a:txBody>
-                    <a:bodyPr/>
-                    <a:lstStyle/>
-                    <a:p>
-                      <a:pPr algn="ctr"/>
-                      <a:r>
-                        <a:rPr lang="pt-PT" sz="1200" b="0" dirty="0" err="1">
-                          <a:latin typeface="Calibri" panose="020F0502020204030204" pitchFamily="34" charset="0"/>
-                          <a:ea typeface="Calibri" panose="020F0502020204030204" pitchFamily="34" charset="0"/>
-                          <a:cs typeface="Calibri" panose="020F0502020204030204" pitchFamily="34" charset="0"/>
-                        </a:rPr>
-                        <a:t>Mean</a:t>
-                      </a:r>
-                      <a:endParaRPr lang="pt-PT" sz="1200" b="0" dirty="0">
-                        <a:latin typeface="Calibri" panose="020F0502020204030204" pitchFamily="34" charset="0"/>
-                        <a:ea typeface="Calibri" panose="020F0502020204030204" pitchFamily="34" charset="0"/>
-                        <a:cs typeface="Calibri" panose="020F0502020204030204" pitchFamily="34" charset="0"/>
-                      </a:endParaRPr>
-                    </a:p>
-                  </a:txBody>
-                  <a:tcPr marL="81828" marR="81828" anchor="ctr">
-                    <a:solidFill>
-                      <a:schemeClr val="bg2">
-                        <a:lumMod val="75000"/>
-                      </a:schemeClr>
-                    </a:solidFill>
-                  </a:tcPr>
-                </a:tc>
-                <a:tc>
-                  <a:txBody>
-                    <a:bodyPr/>
-                    <a:lstStyle/>
-                    <a:p>
-                      <a:pPr algn="ctr"/>
-                      <a:r>
-                        <a:rPr lang="pt-PT" sz="1200" b="0" dirty="0">
-                          <a:latin typeface="Calibri" panose="020F0502020204030204" pitchFamily="34" charset="0"/>
-                          <a:ea typeface="Calibri" panose="020F0502020204030204" pitchFamily="34" charset="0"/>
-                          <a:cs typeface="Calibri" panose="020F0502020204030204" pitchFamily="34" charset="0"/>
-                        </a:rPr>
-                        <a:t>Standard </a:t>
-                      </a:r>
-                      <a:r>
-                        <a:rPr lang="pt-PT" sz="1200" b="0" dirty="0" err="1">
-                          <a:latin typeface="Calibri" panose="020F0502020204030204" pitchFamily="34" charset="0"/>
-                          <a:ea typeface="Calibri" panose="020F0502020204030204" pitchFamily="34" charset="0"/>
-                          <a:cs typeface="Calibri" panose="020F0502020204030204" pitchFamily="34" charset="0"/>
-                        </a:rPr>
-                        <a:t>deviation</a:t>
-                      </a:r>
-                      <a:endParaRPr lang="pt-PT" sz="1200" b="0" dirty="0">
-                        <a:latin typeface="Calibri" panose="020F0502020204030204" pitchFamily="34" charset="0"/>
-                        <a:ea typeface="Calibri" panose="020F0502020204030204" pitchFamily="34" charset="0"/>
-                        <a:cs typeface="Calibri" panose="020F0502020204030204" pitchFamily="34" charset="0"/>
-                      </a:endParaRPr>
-                    </a:p>
-                  </a:txBody>
-                  <a:tcPr marL="81828" marR="81828" anchor="ctr">
-                    <a:solidFill>
-                      <a:schemeClr val="bg2">
-                        <a:lumMod val="75000"/>
-                      </a:schemeClr>
-                    </a:solidFill>
-                  </a:tcPr>
-                </a:tc>
-                <a:tc>
-                  <a:txBody>
-                    <a:bodyPr/>
-                    <a:lstStyle/>
-                    <a:p>
-                      <a:pPr algn="ctr"/>
-                      <a:r>
-                        <a:rPr lang="pt-PT" sz="1200" b="0" dirty="0" err="1">
-                          <a:latin typeface="Calibri" panose="020F0502020204030204" pitchFamily="34" charset="0"/>
-                          <a:ea typeface="Calibri" panose="020F0502020204030204" pitchFamily="34" charset="0"/>
-                          <a:cs typeface="Calibri" panose="020F0502020204030204" pitchFamily="34" charset="0"/>
-                        </a:rPr>
-                        <a:t>Mean</a:t>
-                      </a:r>
-                      <a:endParaRPr lang="pt-PT" sz="1200" b="0" dirty="0">
-                        <a:latin typeface="Calibri" panose="020F0502020204030204" pitchFamily="34" charset="0"/>
-                        <a:ea typeface="Calibri" panose="020F0502020204030204" pitchFamily="34" charset="0"/>
-                        <a:cs typeface="Calibri" panose="020F0502020204030204" pitchFamily="34" charset="0"/>
-                      </a:endParaRPr>
-                    </a:p>
-                  </a:txBody>
-                  <a:tcPr marL="81828" marR="81828" anchor="ctr">
-                    <a:solidFill>
-                      <a:schemeClr val="bg2">
-                        <a:lumMod val="75000"/>
-                      </a:schemeClr>
-                    </a:solidFill>
-                  </a:tcPr>
-                </a:tc>
-                <a:tc>
-                  <a:txBody>
-                    <a:bodyPr/>
-                    <a:lstStyle/>
-                    <a:p>
-                      <a:pPr algn="ctr"/>
-                      <a:r>
-                        <a:rPr lang="pt-PT" sz="1200" b="0" dirty="0">
-                          <a:latin typeface="Calibri" panose="020F0502020204030204" pitchFamily="34" charset="0"/>
-                          <a:ea typeface="Calibri" panose="020F0502020204030204" pitchFamily="34" charset="0"/>
-                          <a:cs typeface="Calibri" panose="020F0502020204030204" pitchFamily="34" charset="0"/>
-                        </a:rPr>
-                        <a:t>Standard </a:t>
-                      </a:r>
-                      <a:r>
-                        <a:rPr lang="pt-PT" sz="1200" b="0" dirty="0" err="1">
+                        <a:rPr lang="pt-PT" sz="1200" dirty="0" err="1">
                           <a:latin typeface="Calibri" panose="020F0502020204030204" pitchFamily="34" charset="0"/>
                           <a:ea typeface="Calibri" panose="020F0502020204030204" pitchFamily="34" charset="0"/>
                           <a:cs typeface="Calibri" panose="020F0502020204030204" pitchFamily="34" charset="0"/>
@@ -6130,21 +5693,91 @@
                           <a:ea typeface="Calibri" panose="020F0502020204030204" pitchFamily="34" charset="0"/>
                           <a:cs typeface="Calibri" panose="020F0502020204030204" pitchFamily="34" charset="0"/>
                         </a:rPr>
-                        <a:t>298.796 </a:t>
+                        <a:t>1.066 ± 0.021 s</a:t>
                       </a:r>
+                    </a:p>
+                  </a:txBody>
+                  <a:tcPr anchor="ctr"/>
+                </a:tc>
+                <a:extLst>
+                  <a:ext uri="{0D108BD9-81ED-4DB2-BD59-A6C34878D82A}">
+                    <a16:rowId xmlns:a16="http://schemas.microsoft.com/office/drawing/2014/main" val="625706260"/>
+                  </a:ext>
+                </a:extLst>
+              </a:tr>
+            </a:tbl>
+          </a:graphicData>
+        </a:graphic>
+      </p:graphicFrame>
+      <p:graphicFrame>
+        <p:nvGraphicFramePr>
+          <p:cNvPr id="15" name="Tabela 4">
+            <a:extLst>
+              <a:ext uri="{FF2B5EF4-FFF2-40B4-BE49-F238E27FC236}">
+                <a16:creationId xmlns:a16="http://schemas.microsoft.com/office/drawing/2014/main" id="{786F5B45-4180-4D95-9696-74DDA71EEDD3}"/>
+              </a:ext>
+            </a:extLst>
+          </p:cNvPr>
+          <p:cNvGraphicFramePr>
+            <a:graphicFrameLocks/>
+          </p:cNvGraphicFramePr>
+          <p:nvPr>
+            <p:extLst>
+              <p:ext uri="{D42A27DB-BD31-4B8C-83A1-F6EECF244321}">
+                <p14:modId xmlns:p14="http://schemas.microsoft.com/office/powerpoint/2010/main" val="1905764435"/>
+              </p:ext>
+            </p:extLst>
+          </p:nvPr>
+        </p:nvGraphicFramePr>
+        <p:xfrm>
+          <a:off x="7212943" y="4208757"/>
+          <a:ext cx="3841308" cy="1186675"/>
+        </p:xfrm>
+        <a:graphic>
+          <a:graphicData uri="http://schemas.openxmlformats.org/drawingml/2006/table">
+            <a:tbl>
+              <a:tblPr firstRow="1" bandRow="1">
+                <a:tableStyleId>{073A0DAA-6AF3-43AB-8588-CEC1D06C72B9}</a:tableStyleId>
+              </a:tblPr>
+              <a:tblGrid>
+                <a:gridCol w="1839619">
+                  <a:extLst>
+                    <a:ext uri="{9D8B030D-6E8A-4147-A177-3AD203B41FA5}">
+                      <a16:colId xmlns:a16="http://schemas.microsoft.com/office/drawing/2014/main" val="2688708435"/>
+                    </a:ext>
+                  </a:extLst>
+                </a:gridCol>
+                <a:gridCol w="2001689">
+                  <a:extLst>
+                    <a:ext uri="{9D8B030D-6E8A-4147-A177-3AD203B41FA5}">
+                      <a16:colId xmlns:a16="http://schemas.microsoft.com/office/drawing/2014/main" val="1516063400"/>
+                    </a:ext>
+                  </a:extLst>
+                </a:gridCol>
+              </a:tblGrid>
+              <a:tr h="287466">
+                <a:tc rowSpan="2">
+                  <a:txBody>
+                    <a:bodyPr/>
+                    <a:lstStyle/>
+                    <a:p>
+                      <a:pPr algn="ctr"/>
                       <a:r>
-                        <a:rPr lang="pt-PT" sz="1200" dirty="0" err="1">
+                        <a:rPr lang="pt-PT" sz="2000" b="0" dirty="0" err="1">
                           <a:latin typeface="Calibri" panose="020F0502020204030204" pitchFamily="34" charset="0"/>
                           <a:ea typeface="Calibri" panose="020F0502020204030204" pitchFamily="34" charset="0"/>
                           <a:cs typeface="Calibri" panose="020F0502020204030204" pitchFamily="34" charset="0"/>
                         </a:rPr>
-                        <a:t>ms</a:t>
+                        <a:t>Binary</a:t>
                       </a:r>
-                      <a:endParaRPr lang="pt-PT" sz="1200" dirty="0">
-                        <a:latin typeface="Calibri" panose="020F0502020204030204" pitchFamily="34" charset="0"/>
-                        <a:ea typeface="Calibri" panose="020F0502020204030204" pitchFamily="34" charset="0"/>
-                        <a:cs typeface="Calibri" panose="020F0502020204030204" pitchFamily="34" charset="0"/>
-                      </a:endParaRPr>
+                      <a:r>
+                        <a:rPr lang="pt-PT" sz="2000" b="0" dirty="0">
+                          <a:latin typeface="Calibri" panose="020F0502020204030204" pitchFamily="34" charset="0"/>
+                          <a:ea typeface="Calibri" panose="020F0502020204030204" pitchFamily="34" charset="0"/>
+                          <a:cs typeface="Calibri" panose="020F0502020204030204" pitchFamily="34" charset="0"/>
+                        </a:rPr>
+                        <a:t> file</a:t>
+                      </a:r>
                     </a:p>
                   </a:txBody>
                   <a:tcPr anchor="ctr"/>
@@ -6154,30 +5787,75 @@
                     <a:bodyPr/>
                     <a:lstStyle/>
                     <a:p>
-                      <a:pPr marL="0" marR="0" lvl="0" indent="0" algn="ctr" defTabSz="914400" rtl="0" eaLnBrk="1" fontAlgn="auto" latinLnBrk="0" hangingPunct="1">
-                        <a:lnSpc>
-                          <a:spcPct val="100000"/>
-                        </a:lnSpc>
-                        <a:spcBef>
-                          <a:spcPts val="0"/>
-                        </a:spcBef>
-                        <a:spcAft>
-                          <a:spcPts val="0"/>
-                        </a:spcAft>
-                        <a:buClrTx/>
-                        <a:buSzTx/>
-                        <a:buFontTx/>
-                        <a:buNone/>
-                        <a:tabLst/>
-                        <a:defRPr/>
-                      </a:pPr>
+                      <a:pPr algn="ctr"/>
+                      <a:r>
+                        <a:rPr lang="pt-PT" b="0" dirty="0"/>
+                        <a:t>2 </a:t>
+                      </a:r>
+                      <a:r>
+                        <a:rPr lang="pt-PT" b="0" dirty="0" err="1"/>
+                        <a:t>workers</a:t>
+                      </a:r>
+                      <a:endParaRPr lang="pt-PT" b="0" dirty="0">
+                        <a:latin typeface="Calibri" panose="020F0502020204030204" pitchFamily="34" charset="0"/>
+                        <a:ea typeface="Calibri" panose="020F0502020204030204" pitchFamily="34" charset="0"/>
+                        <a:cs typeface="Calibri" panose="020F0502020204030204" pitchFamily="34" charset="0"/>
+                      </a:endParaRPr>
+                    </a:p>
+                  </a:txBody>
+                  <a:tcPr anchor="ctr"/>
+                </a:tc>
+                <a:extLst>
+                  <a:ext uri="{0D108BD9-81ED-4DB2-BD59-A6C34878D82A}">
+                    <a16:rowId xmlns:a16="http://schemas.microsoft.com/office/drawing/2014/main" val="3843915449"/>
+                  </a:ext>
+                </a:extLst>
+              </a:tr>
+              <a:tr h="455155">
+                <a:tc vMerge="1">
+                  <a:txBody>
+                    <a:bodyPr/>
+                    <a:lstStyle/>
+                    <a:p>
+                      <a:pPr algn="ctr"/>
+                      <a:endParaRPr lang="pt-PT" dirty="0">
+                        <a:latin typeface="Calibri" panose="020F0502020204030204" pitchFamily="34" charset="0"/>
+                        <a:ea typeface="Calibri" panose="020F0502020204030204" pitchFamily="34" charset="0"/>
+                        <a:cs typeface="Calibri" panose="020F0502020204030204" pitchFamily="34" charset="0"/>
+                      </a:endParaRPr>
+                    </a:p>
+                  </a:txBody>
+                  <a:tcPr/>
+                </a:tc>
+                <a:tc>
+                  <a:txBody>
+                    <a:bodyPr/>
+                    <a:lstStyle/>
+                    <a:p>
+                      <a:pPr algn="ctr"/>
+                      <a:r>
+                        <a:rPr lang="pt-PT" sz="1200" b="0" dirty="0" err="1">
+                          <a:latin typeface="Calibri" panose="020F0502020204030204" pitchFamily="34" charset="0"/>
+                          <a:ea typeface="Calibri" panose="020F0502020204030204" pitchFamily="34" charset="0"/>
+                          <a:cs typeface="Calibri" panose="020F0502020204030204" pitchFamily="34" charset="0"/>
+                        </a:rPr>
+                        <a:t>Mean</a:t>
+                      </a:r>
+                      <a:r>
+                        <a:rPr lang="pt-PT" sz="1200" b="0" dirty="0">
+                          <a:latin typeface="Calibri" panose="020F0502020204030204" pitchFamily="34" charset="0"/>
+                          <a:ea typeface="Calibri" panose="020F0502020204030204" pitchFamily="34" charset="0"/>
+                          <a:cs typeface="Calibri" panose="020F0502020204030204" pitchFamily="34" charset="0"/>
+                        </a:rPr>
+                        <a:t> </a:t>
+                      </a:r>
                       <a:r>
                         <a:rPr lang="pt-PT" sz="1200" dirty="0">
                           <a:latin typeface="Calibri" panose="020F0502020204030204" pitchFamily="34" charset="0"/>
                           <a:ea typeface="Calibri" panose="020F0502020204030204" pitchFamily="34" charset="0"/>
                           <a:cs typeface="Calibri" panose="020F0502020204030204" pitchFamily="34" charset="0"/>
                         </a:rPr>
-                        <a:t>17.305 </a:t>
+                        <a:t>± Standard </a:t>
                       </a:r>
                       <a:r>
                         <a:rPr lang="pt-PT" sz="1200" dirty="0" err="1">
@@ -6185,13 +5863,44 @@
                           <a:ea typeface="Calibri" panose="020F0502020204030204" pitchFamily="34" charset="0"/>
                           <a:cs typeface="Calibri" panose="020F0502020204030204" pitchFamily="34" charset="0"/>
                         </a:rPr>
-                        <a:t>ms</a:t>
+                        <a:t>deviation</a:t>
                       </a:r>
-                      <a:endParaRPr lang="pt-PT" sz="1200" dirty="0">
+                      <a:endParaRPr lang="pt-PT" sz="1200" b="0" dirty="0">
                         <a:latin typeface="Calibri" panose="020F0502020204030204" pitchFamily="34" charset="0"/>
                         <a:ea typeface="Calibri" panose="020F0502020204030204" pitchFamily="34" charset="0"/>
                         <a:cs typeface="Calibri" panose="020F0502020204030204" pitchFamily="34" charset="0"/>
                       </a:endParaRPr>
+                    </a:p>
+                  </a:txBody>
+                  <a:tcPr marL="81828" marR="81828" anchor="ctr">
+                    <a:solidFill>
+                      <a:schemeClr val="bg2">
+                        <a:lumMod val="75000"/>
+                      </a:schemeClr>
+                    </a:solidFill>
+                  </a:tcPr>
+                </a:tc>
+                <a:extLst>
+                  <a:ext uri="{0D108BD9-81ED-4DB2-BD59-A6C34878D82A}">
+                    <a16:rowId xmlns:a16="http://schemas.microsoft.com/office/drawing/2014/main" val="92455586"/>
+                  </a:ext>
+                </a:extLst>
+              </a:tr>
+              <a:tr h="287466">
+                <a:tc>
+                  <a:txBody>
+                    <a:bodyPr/>
+                    <a:lstStyle/>
+                    <a:p>
+                      <a:pPr algn="ctr"/>
+                      <a:r>
+                        <a:rPr lang="pt-PT" dirty="0">
+                          <a:latin typeface="Calibri" panose="020F0502020204030204" pitchFamily="34" charset="0"/>
+                          <a:ea typeface="Calibri" panose="020F0502020204030204" pitchFamily="34" charset="0"/>
+                          <a:cs typeface="Calibri" panose="020F0502020204030204" pitchFamily="34" charset="0"/>
+                        </a:rPr>
+                        <a:t>datSeq1M.bin</a:t>
+                      </a:r>
                     </a:p>
                   </a:txBody>
                   <a:tcPr anchor="ctr"/>
@@ -6208,21 +5917,187 @@
                           <a:ea typeface="Calibri" panose="020F0502020204030204" pitchFamily="34" charset="0"/>
                           <a:cs typeface="Calibri" panose="020F0502020204030204" pitchFamily="34" charset="0"/>
                         </a:rPr>
-                        <a:t>178.738 </a:t>
+                        <a:t>2.502 ± 0.001 s</a:t>
                       </a:r>
+                    </a:p>
+                  </a:txBody>
+                  <a:tcPr anchor="ctr"/>
+                </a:tc>
+                <a:extLst>
+                  <a:ext uri="{0D108BD9-81ED-4DB2-BD59-A6C34878D82A}">
+                    <a16:rowId xmlns:a16="http://schemas.microsoft.com/office/drawing/2014/main" val="625706260"/>
+                  </a:ext>
+                </a:extLst>
+              </a:tr>
+            </a:tbl>
+          </a:graphicData>
+        </a:graphic>
+      </p:graphicFrame>
+      <p:sp>
+        <p:nvSpPr>
+          <p:cNvPr id="17" name="CaixaDeTexto 16">
+            <a:extLst>
+              <a:ext uri="{FF2B5EF4-FFF2-40B4-BE49-F238E27FC236}">
+                <a16:creationId xmlns:a16="http://schemas.microsoft.com/office/drawing/2014/main" id="{CCF60E74-C957-45DE-9EF3-C0816DC723CF}"/>
+              </a:ext>
+            </a:extLst>
+          </p:cNvPr>
+          <p:cNvSpPr txBox="1"/>
+          <p:nvPr/>
+        </p:nvSpPr>
+        <p:spPr>
+          <a:xfrm>
+            <a:off x="7212943" y="3845834"/>
+            <a:ext cx="3841309" cy="369332"/>
+          </a:xfrm>
+          <a:prstGeom prst="rect">
+            <a:avLst/>
+          </a:prstGeom>
+          <a:noFill/>
+        </p:spPr>
+        <p:txBody>
+          <a:bodyPr wrap="square" rtlCol="0">
+            <a:spAutoFit/>
+          </a:bodyPr>
+          <a:lstStyle/>
+          <a:p>
+            <a:pPr algn="ctr"/>
+            <a:r>
+              <a:rPr lang="pt-PT" b="1" i="1" dirty="0"/>
+              <a:t>CUDA </a:t>
+            </a:r>
+            <a:r>
+              <a:rPr lang="pt-PT" b="1" i="1" dirty="0" err="1"/>
+              <a:t>solution</a:t>
+            </a:r>
+            <a:r>
+              <a:rPr lang="pt-PT" b="1" i="1" dirty="0"/>
+              <a:t> (GPU)</a:t>
+            </a:r>
+          </a:p>
+        </p:txBody>
+      </p:sp>
+      <p:sp>
+        <p:nvSpPr>
+          <p:cNvPr id="19" name="CaixaDeTexto 18">
+            <a:extLst>
+              <a:ext uri="{FF2B5EF4-FFF2-40B4-BE49-F238E27FC236}">
+                <a16:creationId xmlns:a16="http://schemas.microsoft.com/office/drawing/2014/main" id="{DCFF7FF1-23FC-4FDA-8365-B484898925CC}"/>
+              </a:ext>
+            </a:extLst>
+          </p:cNvPr>
+          <p:cNvSpPr txBox="1"/>
+          <p:nvPr/>
+        </p:nvSpPr>
+        <p:spPr>
+          <a:xfrm>
+            <a:off x="1692119" y="3845834"/>
+            <a:ext cx="3841309" cy="369332"/>
+          </a:xfrm>
+          <a:prstGeom prst="rect">
+            <a:avLst/>
+          </a:prstGeom>
+          <a:noFill/>
+        </p:spPr>
+        <p:txBody>
+          <a:bodyPr wrap="square" rtlCol="0">
+            <a:spAutoFit/>
+          </a:bodyPr>
+          <a:lstStyle/>
+          <a:p>
+            <a:pPr algn="ctr"/>
+            <a:r>
+              <a:rPr lang="pt-PT" i="1" dirty="0"/>
+              <a:t>Single </a:t>
+            </a:r>
+            <a:r>
+              <a:rPr lang="pt-PT" i="1" dirty="0" err="1"/>
+              <a:t>thread</a:t>
+            </a:r>
+            <a:r>
+              <a:rPr lang="pt-PT" i="1" dirty="0"/>
+              <a:t> </a:t>
+            </a:r>
+            <a:r>
+              <a:rPr lang="pt-PT" i="1" dirty="0" err="1"/>
+              <a:t>solution</a:t>
+            </a:r>
+            <a:r>
+              <a:rPr lang="pt-PT" i="1" dirty="0"/>
+              <a:t> (CPU)</a:t>
+            </a:r>
+          </a:p>
+        </p:txBody>
+      </p:sp>
+      <p:graphicFrame>
+        <p:nvGraphicFramePr>
+          <p:cNvPr id="20" name="Tabela 4">
+            <a:extLst>
+              <a:ext uri="{FF2B5EF4-FFF2-40B4-BE49-F238E27FC236}">
+                <a16:creationId xmlns:a16="http://schemas.microsoft.com/office/drawing/2014/main" id="{0ACCDE5B-8695-4D09-B7F9-48BA52042C7C}"/>
+              </a:ext>
+            </a:extLst>
+          </p:cNvPr>
+          <p:cNvGraphicFramePr>
+            <a:graphicFrameLocks/>
+          </p:cNvGraphicFramePr>
+          <p:nvPr>
+            <p:extLst>
+              <p:ext uri="{D42A27DB-BD31-4B8C-83A1-F6EECF244321}">
+                <p14:modId xmlns:p14="http://schemas.microsoft.com/office/powerpoint/2010/main" val="792624928"/>
+              </p:ext>
+            </p:extLst>
+          </p:nvPr>
+        </p:nvGraphicFramePr>
+        <p:xfrm>
+          <a:off x="1643089" y="4208756"/>
+          <a:ext cx="3841308" cy="1186675"/>
+        </p:xfrm>
+        <a:graphic>
+          <a:graphicData uri="http://schemas.openxmlformats.org/drawingml/2006/table">
+            <a:tbl>
+              <a:tblPr firstRow="1" bandRow="1">
+                <a:tableStyleId>{073A0DAA-6AF3-43AB-8588-CEC1D06C72B9}</a:tableStyleId>
+              </a:tblPr>
+              <a:tblGrid>
+                <a:gridCol w="1839619">
+                  <a:extLst>
+                    <a:ext uri="{9D8B030D-6E8A-4147-A177-3AD203B41FA5}">
+                      <a16:colId xmlns:a16="http://schemas.microsoft.com/office/drawing/2014/main" val="2688708435"/>
+                    </a:ext>
+                  </a:extLst>
+                </a:gridCol>
+                <a:gridCol w="2001689">
+                  <a:extLst>
+                    <a:ext uri="{9D8B030D-6E8A-4147-A177-3AD203B41FA5}">
+                      <a16:colId xmlns:a16="http://schemas.microsoft.com/office/drawing/2014/main" val="1516063400"/>
+                    </a:ext>
+                  </a:extLst>
+                </a:gridCol>
+              </a:tblGrid>
+              <a:tr h="287466">
+                <a:tc rowSpan="2">
+                  <a:txBody>
+                    <a:bodyPr/>
+                    <a:lstStyle/>
+                    <a:p>
+                      <a:pPr algn="ctr"/>
                       <a:r>
-                        <a:rPr lang="pt-PT" sz="1200" dirty="0" err="1">
+                        <a:rPr lang="pt-PT" sz="2000" b="0" dirty="0" err="1">
                           <a:latin typeface="Calibri" panose="020F0502020204030204" pitchFamily="34" charset="0"/>
                           <a:ea typeface="Calibri" panose="020F0502020204030204" pitchFamily="34" charset="0"/>
                           <a:cs typeface="Calibri" panose="020F0502020204030204" pitchFamily="34" charset="0"/>
                         </a:rPr>
-                        <a:t>ms</a:t>
+                        <a:t>Binary</a:t>
                       </a:r>
-                      <a:endParaRPr lang="pt-PT" sz="1200" dirty="0">
-                        <a:latin typeface="Calibri" panose="020F0502020204030204" pitchFamily="34" charset="0"/>
-                        <a:ea typeface="Calibri" panose="020F0502020204030204" pitchFamily="34" charset="0"/>
-                        <a:cs typeface="Calibri" panose="020F0502020204030204" pitchFamily="34" charset="0"/>
-                      </a:endParaRPr>
+                      <a:r>
+                        <a:rPr lang="pt-PT" sz="2000" b="0" dirty="0">
+                          <a:latin typeface="Calibri" panose="020F0502020204030204" pitchFamily="34" charset="0"/>
+                          <a:ea typeface="Calibri" panose="020F0502020204030204" pitchFamily="34" charset="0"/>
+                          <a:cs typeface="Calibri" panose="020F0502020204030204" pitchFamily="34" charset="0"/>
+                        </a:rPr>
+                        <a:t> file</a:t>
+                      </a:r>
                     </a:p>
                   </a:txBody>
                   <a:tcPr anchor="ctr"/>
@@ -6232,30 +6107,75 @@
                     <a:bodyPr/>
                     <a:lstStyle/>
                     <a:p>
-                      <a:pPr marL="0" marR="0" lvl="0" indent="0" algn="ctr" defTabSz="914400" rtl="0" eaLnBrk="1" fontAlgn="auto" latinLnBrk="0" hangingPunct="1">
-                        <a:lnSpc>
-                          <a:spcPct val="100000"/>
-                        </a:lnSpc>
-                        <a:spcBef>
-                          <a:spcPts val="0"/>
-                        </a:spcBef>
-                        <a:spcAft>
-                          <a:spcPts val="0"/>
-                        </a:spcAft>
-                        <a:buClrTx/>
-                        <a:buSzTx/>
-                        <a:buFontTx/>
-                        <a:buNone/>
-                        <a:tabLst/>
-                        <a:defRPr/>
-                      </a:pPr>
+                      <a:pPr algn="ctr"/>
+                      <a:r>
+                        <a:rPr lang="pt-PT" b="0" dirty="0"/>
+                        <a:t>2 </a:t>
+                      </a:r>
+                      <a:r>
+                        <a:rPr lang="pt-PT" b="0" dirty="0" err="1"/>
+                        <a:t>workers</a:t>
+                      </a:r>
+                      <a:endParaRPr lang="pt-PT" b="0" dirty="0">
+                        <a:latin typeface="Calibri" panose="020F0502020204030204" pitchFamily="34" charset="0"/>
+                        <a:ea typeface="Calibri" panose="020F0502020204030204" pitchFamily="34" charset="0"/>
+                        <a:cs typeface="Calibri" panose="020F0502020204030204" pitchFamily="34" charset="0"/>
+                      </a:endParaRPr>
+                    </a:p>
+                  </a:txBody>
+                  <a:tcPr anchor="ctr"/>
+                </a:tc>
+                <a:extLst>
+                  <a:ext uri="{0D108BD9-81ED-4DB2-BD59-A6C34878D82A}">
+                    <a16:rowId xmlns:a16="http://schemas.microsoft.com/office/drawing/2014/main" val="3843915449"/>
+                  </a:ext>
+                </a:extLst>
+              </a:tr>
+              <a:tr h="455155">
+                <a:tc vMerge="1">
+                  <a:txBody>
+                    <a:bodyPr/>
+                    <a:lstStyle/>
+                    <a:p>
+                      <a:pPr algn="ctr"/>
+                      <a:endParaRPr lang="pt-PT" dirty="0">
+                        <a:latin typeface="Calibri" panose="020F0502020204030204" pitchFamily="34" charset="0"/>
+                        <a:ea typeface="Calibri" panose="020F0502020204030204" pitchFamily="34" charset="0"/>
+                        <a:cs typeface="Calibri" panose="020F0502020204030204" pitchFamily="34" charset="0"/>
+                      </a:endParaRPr>
+                    </a:p>
+                  </a:txBody>
+                  <a:tcPr/>
+                </a:tc>
+                <a:tc>
+                  <a:txBody>
+                    <a:bodyPr/>
+                    <a:lstStyle/>
+                    <a:p>
+                      <a:pPr algn="ctr"/>
+                      <a:r>
+                        <a:rPr lang="pt-PT" sz="1200" b="0" dirty="0" err="1">
+                          <a:latin typeface="Calibri" panose="020F0502020204030204" pitchFamily="34" charset="0"/>
+                          <a:ea typeface="Calibri" panose="020F0502020204030204" pitchFamily="34" charset="0"/>
+                          <a:cs typeface="Calibri" panose="020F0502020204030204" pitchFamily="34" charset="0"/>
+                        </a:rPr>
+                        <a:t>Mean</a:t>
+                      </a:r>
+                      <a:r>
+                        <a:rPr lang="pt-PT" sz="1200" b="0" dirty="0">
+                          <a:latin typeface="Calibri" panose="020F0502020204030204" pitchFamily="34" charset="0"/>
+                          <a:ea typeface="Calibri" panose="020F0502020204030204" pitchFamily="34" charset="0"/>
+                          <a:cs typeface="Calibri" panose="020F0502020204030204" pitchFamily="34" charset="0"/>
+                        </a:rPr>
+                        <a:t> </a:t>
+                      </a:r>
                       <a:r>
                         <a:rPr lang="pt-PT" sz="1200" dirty="0">
                           <a:latin typeface="Calibri" panose="020F0502020204030204" pitchFamily="34" charset="0"/>
                           <a:ea typeface="Calibri" panose="020F0502020204030204" pitchFamily="34" charset="0"/>
                           <a:cs typeface="Calibri" panose="020F0502020204030204" pitchFamily="34" charset="0"/>
                         </a:rPr>
-                        <a:t>23.191 </a:t>
+                        <a:t>± Standard </a:t>
                       </a:r>
                       <a:r>
                         <a:rPr lang="pt-PT" sz="1200" dirty="0" err="1">
@@ -6263,13 +6183,44 @@
                           <a:ea typeface="Calibri" panose="020F0502020204030204" pitchFamily="34" charset="0"/>
                           <a:cs typeface="Calibri" panose="020F0502020204030204" pitchFamily="34" charset="0"/>
                         </a:rPr>
-                        <a:t>ms</a:t>
+                        <a:t>deviation</a:t>
                       </a:r>
-                      <a:endParaRPr lang="pt-PT" sz="1200" dirty="0">
+                      <a:endParaRPr lang="pt-PT" sz="1200" b="0" dirty="0">
                         <a:latin typeface="Calibri" panose="020F0502020204030204" pitchFamily="34" charset="0"/>
                         <a:ea typeface="Calibri" panose="020F0502020204030204" pitchFamily="34" charset="0"/>
                         <a:cs typeface="Calibri" panose="020F0502020204030204" pitchFamily="34" charset="0"/>
                       </a:endParaRPr>
+                    </a:p>
+                  </a:txBody>
+                  <a:tcPr marL="81828" marR="81828" anchor="ctr">
+                    <a:solidFill>
+                      <a:schemeClr val="bg2">
+                        <a:lumMod val="75000"/>
+                      </a:schemeClr>
+                    </a:solidFill>
+                  </a:tcPr>
+                </a:tc>
+                <a:extLst>
+                  <a:ext uri="{0D108BD9-81ED-4DB2-BD59-A6C34878D82A}">
+                    <a16:rowId xmlns:a16="http://schemas.microsoft.com/office/drawing/2014/main" val="92455586"/>
+                  </a:ext>
+                </a:extLst>
+              </a:tr>
+              <a:tr h="287466">
+                <a:tc>
+                  <a:txBody>
+                    <a:bodyPr/>
+                    <a:lstStyle/>
+                    <a:p>
+                      <a:pPr algn="ctr"/>
+                      <a:r>
+                        <a:rPr lang="pt-PT" dirty="0">
+                          <a:latin typeface="Calibri" panose="020F0502020204030204" pitchFamily="34" charset="0"/>
+                          <a:ea typeface="Calibri" panose="020F0502020204030204" pitchFamily="34" charset="0"/>
+                          <a:cs typeface="Calibri" panose="020F0502020204030204" pitchFamily="34" charset="0"/>
+                        </a:rPr>
+                        <a:t>datSeq1M.bin</a:t>
+                      </a:r>
                     </a:p>
                   </a:txBody>
                   <a:tcPr anchor="ctr"/>
@@ -6286,132 +6237,7 @@
                           <a:ea typeface="Calibri" panose="020F0502020204030204" pitchFamily="34" charset="0"/>
                           <a:cs typeface="Calibri" panose="020F0502020204030204" pitchFamily="34" charset="0"/>
                         </a:rPr>
-                        <a:t>219.899 </a:t>
-                      </a:r>
-                      <a:r>
-                        <a:rPr lang="pt-PT" sz="1200" dirty="0" err="1">
-                          <a:latin typeface="Calibri" panose="020F0502020204030204" pitchFamily="34" charset="0"/>
-                          <a:ea typeface="Calibri" panose="020F0502020204030204" pitchFamily="34" charset="0"/>
-                          <a:cs typeface="Calibri" panose="020F0502020204030204" pitchFamily="34" charset="0"/>
-                        </a:rPr>
-                        <a:t>ms</a:t>
-                      </a:r>
-                      <a:endParaRPr lang="pt-PT" sz="1200" dirty="0">
-                        <a:latin typeface="Calibri" panose="020F0502020204030204" pitchFamily="34" charset="0"/>
-                        <a:ea typeface="Calibri" panose="020F0502020204030204" pitchFamily="34" charset="0"/>
-                        <a:cs typeface="Calibri" panose="020F0502020204030204" pitchFamily="34" charset="0"/>
-                      </a:endParaRPr>
-                    </a:p>
-                  </a:txBody>
-                  <a:tcPr anchor="ctr"/>
-                </a:tc>
-                <a:tc>
-                  <a:txBody>
-                    <a:bodyPr/>
-                    <a:lstStyle/>
-                    <a:p>
-                      <a:pPr marL="0" marR="0" lvl="0" indent="0" algn="ctr" defTabSz="914400" rtl="0" eaLnBrk="1" fontAlgn="auto" latinLnBrk="0" hangingPunct="1">
-                        <a:lnSpc>
-                          <a:spcPct val="100000"/>
-                        </a:lnSpc>
-                        <a:spcBef>
-                          <a:spcPts val="0"/>
-                        </a:spcBef>
-                        <a:spcAft>
-                          <a:spcPts val="0"/>
-                        </a:spcAft>
-                        <a:buClrTx/>
-                        <a:buSzTx/>
-                        <a:buFontTx/>
-                        <a:buNone/>
-                        <a:tabLst/>
-                        <a:defRPr/>
-                      </a:pPr>
-                      <a:r>
-                        <a:rPr lang="pt-PT" sz="1200" dirty="0">
-                          <a:latin typeface="Calibri" panose="020F0502020204030204" pitchFamily="34" charset="0"/>
-                          <a:ea typeface="Calibri" panose="020F0502020204030204" pitchFamily="34" charset="0"/>
-                          <a:cs typeface="Calibri" panose="020F0502020204030204" pitchFamily="34" charset="0"/>
-                        </a:rPr>
-                        <a:t>107.156 </a:t>
-                      </a:r>
-                      <a:r>
-                        <a:rPr lang="pt-PT" sz="1200" dirty="0" err="1">
-                          <a:latin typeface="Calibri" panose="020F0502020204030204" pitchFamily="34" charset="0"/>
-                          <a:ea typeface="Calibri" panose="020F0502020204030204" pitchFamily="34" charset="0"/>
-                          <a:cs typeface="Calibri" panose="020F0502020204030204" pitchFamily="34" charset="0"/>
-                        </a:rPr>
-                        <a:t>ms</a:t>
-                      </a:r>
-                      <a:endParaRPr lang="pt-PT" sz="1200" dirty="0">
-                        <a:latin typeface="Calibri" panose="020F0502020204030204" pitchFamily="34" charset="0"/>
-                        <a:ea typeface="Calibri" panose="020F0502020204030204" pitchFamily="34" charset="0"/>
-                        <a:cs typeface="Calibri" panose="020F0502020204030204" pitchFamily="34" charset="0"/>
-                      </a:endParaRPr>
-                    </a:p>
-                  </a:txBody>
-                  <a:tcPr anchor="ctr"/>
-                </a:tc>
-                <a:tc>
-                  <a:txBody>
-                    <a:bodyPr/>
-                    <a:lstStyle/>
-                    <a:p>
-                      <a:pPr algn="ctr"/>
-                      <a:r>
-                        <a:rPr lang="pt-PT" sz="1200" dirty="0">
-                          <a:latin typeface="Calibri" panose="020F0502020204030204" pitchFamily="34" charset="0"/>
-                          <a:ea typeface="Calibri" panose="020F0502020204030204" pitchFamily="34" charset="0"/>
-                          <a:cs typeface="Calibri" panose="020F0502020204030204" pitchFamily="34" charset="0"/>
-                        </a:rPr>
-                        <a:t>100.495 </a:t>
-                      </a:r>
-                      <a:r>
-                        <a:rPr lang="pt-PT" sz="1200" dirty="0" err="1">
-                          <a:latin typeface="Calibri" panose="020F0502020204030204" pitchFamily="34" charset="0"/>
-                          <a:ea typeface="Calibri" panose="020F0502020204030204" pitchFamily="34" charset="0"/>
-                          <a:cs typeface="Calibri" panose="020F0502020204030204" pitchFamily="34" charset="0"/>
-                        </a:rPr>
-                        <a:t>ms</a:t>
-                      </a:r>
-                      <a:endParaRPr lang="pt-PT" sz="1200" dirty="0">
-                        <a:latin typeface="Calibri" panose="020F0502020204030204" pitchFamily="34" charset="0"/>
-                        <a:ea typeface="Calibri" panose="020F0502020204030204" pitchFamily="34" charset="0"/>
-                        <a:cs typeface="Calibri" panose="020F0502020204030204" pitchFamily="34" charset="0"/>
-                      </a:endParaRPr>
-                    </a:p>
-                  </a:txBody>
-                  <a:tcPr anchor="ctr"/>
-                </a:tc>
-                <a:tc>
-                  <a:txBody>
-                    <a:bodyPr/>
-                    <a:lstStyle/>
-                    <a:p>
-                      <a:pPr marL="0" marR="0" lvl="0" indent="0" algn="ctr" defTabSz="914400" rtl="0" eaLnBrk="1" fontAlgn="auto" latinLnBrk="0" hangingPunct="1">
-                        <a:lnSpc>
-                          <a:spcPct val="100000"/>
-                        </a:lnSpc>
-                        <a:spcBef>
-                          <a:spcPts val="0"/>
-                        </a:spcBef>
-                        <a:spcAft>
-                          <a:spcPts val="0"/>
-                        </a:spcAft>
-                        <a:buClrTx/>
-                        <a:buSzTx/>
-                        <a:buFontTx/>
-                        <a:buNone/>
-                        <a:tabLst/>
-                        <a:defRPr/>
-                      </a:pPr>
-                      <a:r>
-                        <a:rPr lang="pt-PT" sz="1200" dirty="0">
-                          <a:latin typeface="Calibri" panose="020F0502020204030204" pitchFamily="34" charset="0"/>
-                          <a:ea typeface="Calibri" panose="020F0502020204030204" pitchFamily="34" charset="0"/>
-                          <a:cs typeface="Calibri" panose="020F0502020204030204" pitchFamily="34" charset="0"/>
-                        </a:rPr>
-                        <a:t>8.299 </a:t>
+                        <a:t>763.4 ± 19.9 </a:t>
                       </a:r>
                       <a:r>
                         <a:rPr lang="pt-PT" sz="1200" dirty="0" err="1">
@@ -6442,10 +6268,10 @@
       </p:graphicFrame>
       <p:sp>
         <p:nvSpPr>
-          <p:cNvPr id="7" name="CaixaDeTexto 6">
+          <p:cNvPr id="21" name="CaixaDeTexto 20">
             <a:extLst>
               <a:ext uri="{FF2B5EF4-FFF2-40B4-BE49-F238E27FC236}">
-                <a16:creationId xmlns:a16="http://schemas.microsoft.com/office/drawing/2014/main" id="{440C7CAA-324E-E44E-CF8A-6EAAAC064B7C}"/>
+                <a16:creationId xmlns:a16="http://schemas.microsoft.com/office/drawing/2014/main" id="{3FFF7C7E-18CD-4FD5-A69D-02BFAC8FC99E}"/>
               </a:ext>
             </a:extLst>
           </p:cNvPr>
@@ -6454,7 +6280,7 @@
         </p:nvSpPr>
         <p:spPr>
           <a:xfrm>
-            <a:off x="153495" y="2951946"/>
+            <a:off x="394637" y="4210905"/>
             <a:ext cx="1297482" cy="1169551"/>
           </a:xfrm>
           <a:prstGeom prst="rect">
@@ -6504,136 +6330,10 @@
           </a:p>
         </p:txBody>
       </p:sp>
-      <p:sp>
-        <p:nvSpPr>
-          <p:cNvPr id="9" name="CaixaDeTexto 8">
-            <a:extLst>
-              <a:ext uri="{FF2B5EF4-FFF2-40B4-BE49-F238E27FC236}">
-                <a16:creationId xmlns:a16="http://schemas.microsoft.com/office/drawing/2014/main" id="{B55EEC80-120D-C59C-4DD8-5EE873ED64F7}"/>
-              </a:ext>
-            </a:extLst>
-          </p:cNvPr>
-          <p:cNvSpPr txBox="1"/>
-          <p:nvPr/>
-        </p:nvSpPr>
-        <p:spPr>
-          <a:xfrm>
-            <a:off x="1357638" y="6097218"/>
-            <a:ext cx="9789952" cy="584775"/>
-          </a:xfrm>
-          <a:prstGeom prst="rect">
-            <a:avLst/>
-          </a:prstGeom>
-          <a:noFill/>
-        </p:spPr>
-        <p:txBody>
-          <a:bodyPr wrap="square" rtlCol="0">
-            <a:spAutoFit/>
-          </a:bodyPr>
-          <a:lstStyle/>
-          <a:p>
-            <a:r>
-              <a:rPr lang="pt-PT" sz="1400" i="1" dirty="0"/>
-              <a:t>(</a:t>
-            </a:r>
-            <a:r>
-              <a:rPr lang="pt-PT" sz="1400" b="1" i="1" u="sng" dirty="0"/>
-              <a:t>NOTE</a:t>
-            </a:r>
-            <a:r>
-              <a:rPr lang="pt-PT" sz="1400" i="1" dirty="0"/>
-              <a:t>: </a:t>
-            </a:r>
-            <a:r>
-              <a:rPr lang="pt-PT" sz="1400" i="1" dirty="0" err="1"/>
-              <a:t>both</a:t>
-            </a:r>
-            <a:r>
-              <a:rPr lang="pt-PT" sz="1400" i="1" dirty="0"/>
-              <a:t> </a:t>
-            </a:r>
-            <a:r>
-              <a:rPr lang="pt-PT" sz="1400" i="1" dirty="0" err="1"/>
-              <a:t>mean</a:t>
-            </a:r>
-            <a:r>
-              <a:rPr lang="pt-PT" sz="1400" i="1" dirty="0"/>
-              <a:t> and standard </a:t>
-            </a:r>
-            <a:r>
-              <a:rPr lang="pt-PT" sz="1400" i="1" dirty="0" err="1"/>
-              <a:t>deviation</a:t>
-            </a:r>
-            <a:r>
-              <a:rPr lang="pt-PT" sz="1400" i="1" dirty="0"/>
-              <a:t> </a:t>
-            </a:r>
-            <a:r>
-              <a:rPr lang="pt-PT" sz="1400" i="1" dirty="0" err="1"/>
-              <a:t>results</a:t>
-            </a:r>
-            <a:r>
-              <a:rPr lang="pt-PT" sz="1400" i="1" dirty="0"/>
-              <a:t> </a:t>
-            </a:r>
-            <a:r>
-              <a:rPr lang="pt-PT" sz="1400" i="1" dirty="0" err="1"/>
-              <a:t>were</a:t>
-            </a:r>
-            <a:r>
-              <a:rPr lang="pt-PT" sz="1400" i="1" dirty="0"/>
-              <a:t> </a:t>
-            </a:r>
-            <a:r>
-              <a:rPr lang="pt-PT" sz="1400" i="1" dirty="0" err="1"/>
-              <a:t>calculated</a:t>
-            </a:r>
-            <a:r>
-              <a:rPr lang="pt-PT" sz="1400" i="1" dirty="0"/>
-              <a:t> </a:t>
-            </a:r>
-            <a:r>
-              <a:rPr lang="pt-PT" sz="1400" i="1" dirty="0" err="1"/>
-              <a:t>by</a:t>
-            </a:r>
-            <a:r>
-              <a:rPr lang="pt-PT" sz="1400" i="1" dirty="0"/>
-              <a:t> </a:t>
-            </a:r>
-            <a:r>
-              <a:rPr lang="pt-PT" sz="1400" i="1" dirty="0" err="1"/>
-              <a:t>running</a:t>
-            </a:r>
-            <a:r>
-              <a:rPr lang="pt-PT" sz="1400" i="1" dirty="0"/>
-              <a:t> the </a:t>
-            </a:r>
-            <a:r>
-              <a:rPr lang="pt-PT" sz="1400" i="1" dirty="0" err="1"/>
-              <a:t>program</a:t>
-            </a:r>
-            <a:r>
-              <a:rPr lang="pt-PT" sz="1400" i="1" dirty="0"/>
-              <a:t> 5</a:t>
-            </a:r>
-            <a:r>
-              <a:rPr lang="pt-PT" sz="1400" b="1" i="1" dirty="0"/>
-              <a:t> </a:t>
-            </a:r>
-            <a:r>
-              <a:rPr lang="pt-PT" sz="1400" i="1" dirty="0"/>
-              <a:t>times)</a:t>
-            </a:r>
-          </a:p>
-          <a:p>
-            <a:endParaRPr lang="pt-PT" dirty="0"/>
-          </a:p>
-        </p:txBody>
-      </p:sp>
     </p:spTree>
     <p:extLst>
       <p:ext uri="{BB962C8B-B14F-4D97-AF65-F5344CB8AC3E}">
-        <p14:creationId xmlns:p14="http://schemas.microsoft.com/office/powerpoint/2010/main" val="1158239161"/>
+        <p14:creationId xmlns:p14="http://schemas.microsoft.com/office/powerpoint/2010/main" val="428160414"/>
       </p:ext>
     </p:extLst>
   </p:cSld>
@@ -6643,7 +6343,7 @@
 </p:sld>
 </file>
 
-<file path=ppt/slides/slide7.xml><?xml version="1.0" encoding="utf-8"?>
+<file path=ppt/slides/slide4.xml><?xml version="1.0" encoding="utf-8"?>
 <p:sld xmlns:a="http://schemas.openxmlformats.org/drawingml/2006/main" xmlns:r="http://schemas.openxmlformats.org/officeDocument/2006/relationships" xmlns:p="http://schemas.openxmlformats.org/presentationml/2006/main">
   <p:cSld>
     <p:spTree>
@@ -6662,6 +6362,2437 @@
       </p:grpSpPr>
       <p:sp>
         <p:nvSpPr>
+          <p:cNvPr id="7" name="Título 1">
+            <a:extLst>
+              <a:ext uri="{FF2B5EF4-FFF2-40B4-BE49-F238E27FC236}">
+                <a16:creationId xmlns:a16="http://schemas.microsoft.com/office/drawing/2014/main" id="{E68EA26D-16BC-CE47-5BBB-BDC89CDD72CE}"/>
+              </a:ext>
+            </a:extLst>
+          </p:cNvPr>
+          <p:cNvSpPr txBox="1">
+            <a:spLocks/>
+          </p:cNvSpPr>
+          <p:nvPr/>
+        </p:nvSpPr>
+        <p:spPr>
+          <a:xfrm>
+            <a:off x="960944" y="700831"/>
+            <a:ext cx="9603275" cy="813848"/>
+          </a:xfrm>
+          <a:prstGeom prst="rect">
+            <a:avLst/>
+          </a:prstGeom>
+        </p:spPr>
+        <p:txBody>
+          <a:bodyPr vert="horz" lIns="91440" tIns="45720" rIns="91440" bIns="45720" rtlCol="0" anchor="b">
+            <a:normAutofit fontScale="97500" lnSpcReduction="10000"/>
+          </a:bodyPr>
+          <a:lstStyle>
+            <a:lvl1pPr algn="l" defTabSz="914400" rtl="0" eaLnBrk="1" latinLnBrk="0" hangingPunct="1">
+              <a:lnSpc>
+                <a:spcPct val="90000"/>
+              </a:lnSpc>
+              <a:spcBef>
+                <a:spcPct val="0"/>
+              </a:spcBef>
+              <a:buNone/>
+              <a:defRPr sz="4400" kern="1200" spc="-50" baseline="0">
+                <a:solidFill>
+                  <a:schemeClr val="tx1"/>
+                </a:solidFill>
+                <a:latin typeface="+mj-lt"/>
+                <a:ea typeface="+mj-ea"/>
+                <a:cs typeface="+mj-cs"/>
+              </a:defRPr>
+            </a:lvl1pPr>
+          </a:lstStyle>
+          <a:p>
+            <a:r>
+              <a:rPr lang="pt-PT" sz="3600" b="1" dirty="0" err="1">
+                <a:latin typeface="Calibri" panose="020F0502020204030204" pitchFamily="34" charset="0"/>
+                <a:ea typeface="Calibri" panose="020F0502020204030204" pitchFamily="34" charset="0"/>
+                <a:cs typeface="Calibri" panose="020F0502020204030204" pitchFamily="34" charset="0"/>
+              </a:rPr>
+              <a:t>Program</a:t>
+            </a:r>
+            <a:r>
+              <a:rPr lang="pt-PT" sz="3600" b="1" dirty="0">
+                <a:latin typeface="Calibri" panose="020F0502020204030204" pitchFamily="34" charset="0"/>
+                <a:ea typeface="Calibri" panose="020F0502020204030204" pitchFamily="34" charset="0"/>
+                <a:cs typeface="Calibri" panose="020F0502020204030204" pitchFamily="34" charset="0"/>
+              </a:rPr>
+              <a:t> 2</a:t>
+            </a:r>
+            <a:br>
+              <a:rPr lang="pt-PT" dirty="0">
+                <a:latin typeface="Calibri" panose="020F0502020204030204" pitchFamily="34" charset="0"/>
+                <a:ea typeface="Calibri" panose="020F0502020204030204" pitchFamily="34" charset="0"/>
+                <a:cs typeface="Calibri" panose="020F0502020204030204" pitchFamily="34" charset="0"/>
+              </a:rPr>
+            </a:br>
+            <a:r>
+              <a:rPr lang="pt-PT" sz="2200" dirty="0" err="1">
+                <a:latin typeface="Calibri" panose="020F0502020204030204" pitchFamily="34" charset="0"/>
+                <a:ea typeface="Calibri" panose="020F0502020204030204" pitchFamily="34" charset="0"/>
+                <a:cs typeface="Calibri" panose="020F0502020204030204" pitchFamily="34" charset="0"/>
+              </a:rPr>
+              <a:t>Column</a:t>
+            </a:r>
+            <a:r>
+              <a:rPr lang="pt-PT" sz="2200" dirty="0">
+                <a:latin typeface="Calibri" panose="020F0502020204030204" pitchFamily="34" charset="0"/>
+                <a:ea typeface="Calibri" panose="020F0502020204030204" pitchFamily="34" charset="0"/>
+                <a:cs typeface="Calibri" panose="020F0502020204030204" pitchFamily="34" charset="0"/>
+              </a:rPr>
+              <a:t> </a:t>
+            </a:r>
+            <a:r>
+              <a:rPr lang="pt-PT" sz="2200" dirty="0" err="1">
+                <a:latin typeface="Calibri" panose="020F0502020204030204" pitchFamily="34" charset="0"/>
+                <a:ea typeface="Calibri" panose="020F0502020204030204" pitchFamily="34" charset="0"/>
+                <a:cs typeface="Calibri" panose="020F0502020204030204" pitchFamily="34" charset="0"/>
+              </a:rPr>
+              <a:t>processing</a:t>
+            </a:r>
+            <a:endParaRPr lang="pt-PT" dirty="0">
+              <a:latin typeface="Calibri" panose="020F0502020204030204" pitchFamily="34" charset="0"/>
+              <a:ea typeface="Calibri" panose="020F0502020204030204" pitchFamily="34" charset="0"/>
+              <a:cs typeface="Calibri" panose="020F0502020204030204" pitchFamily="34" charset="0"/>
+            </a:endParaRPr>
+          </a:p>
+        </p:txBody>
+      </p:sp>
+      <p:sp>
+        <p:nvSpPr>
+          <p:cNvPr id="2" name="CaixaDeTexto 1">
+            <a:extLst>
+              <a:ext uri="{FF2B5EF4-FFF2-40B4-BE49-F238E27FC236}">
+                <a16:creationId xmlns:a16="http://schemas.microsoft.com/office/drawing/2014/main" id="{2B25EA7B-D4CD-40D4-A421-859912ADCFC1}"/>
+              </a:ext>
+            </a:extLst>
+          </p:cNvPr>
+          <p:cNvSpPr txBox="1"/>
+          <p:nvPr/>
+        </p:nvSpPr>
+        <p:spPr>
+          <a:xfrm>
+            <a:off x="564780" y="1957933"/>
+            <a:ext cx="4912659" cy="707886"/>
+          </a:xfrm>
+          <a:prstGeom prst="rect">
+            <a:avLst/>
+          </a:prstGeom>
+          <a:noFill/>
+        </p:spPr>
+        <p:txBody>
+          <a:bodyPr wrap="square" rtlCol="0">
+            <a:spAutoFit/>
+          </a:bodyPr>
+          <a:lstStyle/>
+          <a:p>
+            <a:r>
+              <a:rPr lang="pt-PT" sz="4000" dirty="0" err="1"/>
+              <a:t>integerSequence</a:t>
+            </a:r>
+            <a:r>
+              <a:rPr lang="pt-PT" sz="4000" dirty="0"/>
+              <a:t>[</a:t>
+            </a:r>
+          </a:p>
+        </p:txBody>
+      </p:sp>
+      <p:sp>
+        <p:nvSpPr>
+          <p:cNvPr id="3" name="CaixaDeTexto 2">
+            <a:extLst>
+              <a:ext uri="{FF2B5EF4-FFF2-40B4-BE49-F238E27FC236}">
+                <a16:creationId xmlns:a16="http://schemas.microsoft.com/office/drawing/2014/main" id="{43A1097A-EC22-48E2-B53E-13F9461BD990}"/>
+              </a:ext>
+            </a:extLst>
+          </p:cNvPr>
+          <p:cNvSpPr txBox="1"/>
+          <p:nvPr/>
+        </p:nvSpPr>
+        <p:spPr>
+          <a:xfrm>
+            <a:off x="4688544" y="2181000"/>
+            <a:ext cx="4437531" cy="369332"/>
+          </a:xfrm>
+          <a:prstGeom prst="rect">
+            <a:avLst/>
+          </a:prstGeom>
+          <a:solidFill>
+            <a:srgbClr val="E7DED5"/>
+          </a:solidFill>
+        </p:spPr>
+        <p:style>
+          <a:lnRef idx="1">
+            <a:schemeClr val="accent4"/>
+          </a:lnRef>
+          <a:fillRef idx="2">
+            <a:schemeClr val="accent4"/>
+          </a:fillRef>
+          <a:effectRef idx="1">
+            <a:schemeClr val="accent4"/>
+          </a:effectRef>
+          <a:fontRef idx="minor">
+            <a:schemeClr val="dk1"/>
+          </a:fontRef>
+        </p:style>
+        <p:txBody>
+          <a:bodyPr wrap="square" rtlCol="0">
+            <a:spAutoFit/>
+          </a:bodyPr>
+          <a:lstStyle/>
+          <a:p>
+            <a:r>
+              <a:rPr lang="pt-PT" dirty="0"/>
+              <a:t>(1 &lt;&lt; </a:t>
+            </a:r>
+            <a:r>
+              <a:rPr lang="pt-PT" dirty="0" err="1"/>
+              <a:t>iter</a:t>
+            </a:r>
+            <a:r>
+              <a:rPr lang="pt-PT" dirty="0"/>
+              <a:t>) * </a:t>
+            </a:r>
+            <a:r>
+              <a:rPr lang="pt-PT" dirty="0" err="1"/>
+              <a:t>idx</a:t>
+            </a:r>
+            <a:r>
+              <a:rPr lang="pt-PT" dirty="0"/>
+              <a:t> + N (i </a:t>
+            </a:r>
+            <a:r>
+              <a:rPr lang="pt-PT" dirty="0" err="1"/>
+              <a:t>mod</a:t>
+            </a:r>
+            <a:r>
+              <a:rPr lang="pt-PT" dirty="0"/>
+              <a:t> N) + (i </a:t>
+            </a:r>
+            <a:r>
+              <a:rPr lang="pt-PT" dirty="0" err="1"/>
+              <a:t>div</a:t>
+            </a:r>
+            <a:r>
+              <a:rPr lang="pt-PT" dirty="0"/>
+              <a:t> N)</a:t>
+            </a:r>
+          </a:p>
+        </p:txBody>
+      </p:sp>
+      <p:sp>
+        <p:nvSpPr>
+          <p:cNvPr id="4" name="Retângulo 3">
+            <a:extLst>
+              <a:ext uri="{FF2B5EF4-FFF2-40B4-BE49-F238E27FC236}">
+                <a16:creationId xmlns:a16="http://schemas.microsoft.com/office/drawing/2014/main" id="{3DFD9B17-AA66-4338-9380-59DAE89B482A}"/>
+              </a:ext>
+            </a:extLst>
+          </p:cNvPr>
+          <p:cNvSpPr/>
+          <p:nvPr/>
+        </p:nvSpPr>
+        <p:spPr>
+          <a:xfrm>
+            <a:off x="9036425" y="1957933"/>
+            <a:ext cx="356188" cy="707886"/>
+          </a:xfrm>
+          <a:prstGeom prst="rect">
+            <a:avLst/>
+          </a:prstGeom>
+        </p:spPr>
+        <p:txBody>
+          <a:bodyPr wrap="none">
+            <a:spAutoFit/>
+          </a:bodyPr>
+          <a:lstStyle/>
+          <a:p>
+            <a:r>
+              <a:rPr lang="pt-PT" sz="4000" dirty="0"/>
+              <a:t>]</a:t>
+            </a:r>
+          </a:p>
+        </p:txBody>
+      </p:sp>
+      <p:sp>
+        <p:nvSpPr>
+          <p:cNvPr id="5" name="CaixaDeTexto 4">
+            <a:extLst>
+              <a:ext uri="{FF2B5EF4-FFF2-40B4-BE49-F238E27FC236}">
+                <a16:creationId xmlns:a16="http://schemas.microsoft.com/office/drawing/2014/main" id="{6E468326-94D4-430F-BE28-F3EE5D848749}"/>
+              </a:ext>
+            </a:extLst>
+          </p:cNvPr>
+          <p:cNvSpPr txBox="1"/>
+          <p:nvPr/>
+        </p:nvSpPr>
+        <p:spPr>
+          <a:xfrm>
+            <a:off x="9214519" y="2315179"/>
+            <a:ext cx="2258301" cy="784830"/>
+          </a:xfrm>
+          <a:prstGeom prst="rect">
+            <a:avLst/>
+          </a:prstGeom>
+          <a:noFill/>
+        </p:spPr>
+        <p:txBody>
+          <a:bodyPr wrap="square" rtlCol="0">
+            <a:spAutoFit/>
+          </a:bodyPr>
+          <a:lstStyle/>
+          <a:p>
+            <a:r>
+              <a:rPr lang="pt-PT" sz="1500" dirty="0"/>
+              <a:t>, 0 ≤ </a:t>
+            </a:r>
+            <a:r>
+              <a:rPr lang="pt-PT" sz="1500" dirty="0" err="1"/>
+              <a:t>idx</a:t>
+            </a:r>
+            <a:r>
+              <a:rPr lang="pt-PT" sz="1500" dirty="0"/>
+              <a:t> &lt; (N &gt;&gt; </a:t>
+            </a:r>
+            <a:r>
+              <a:rPr lang="pt-PT" sz="1500" dirty="0" err="1"/>
+              <a:t>iter</a:t>
+            </a:r>
+            <a:r>
+              <a:rPr lang="pt-PT" sz="1500" dirty="0"/>
+              <a:t>)</a:t>
+            </a:r>
+          </a:p>
+          <a:p>
+            <a:r>
+              <a:rPr lang="pt-PT" sz="1500" dirty="0"/>
+              <a:t>, 0 ≤ i ≤ (1 &lt;&lt; </a:t>
+            </a:r>
+            <a:r>
+              <a:rPr lang="pt-PT" sz="1500" dirty="0" err="1"/>
+              <a:t>iter</a:t>
+            </a:r>
+            <a:r>
+              <a:rPr lang="pt-PT" sz="1500" dirty="0"/>
+              <a:t>) * N</a:t>
+            </a:r>
+          </a:p>
+          <a:p>
+            <a:r>
+              <a:rPr lang="pt-PT" sz="1500" dirty="0"/>
+              <a:t>, N = 1024</a:t>
+            </a:r>
+          </a:p>
+        </p:txBody>
+      </p:sp>
+      <p:pic>
+        <p:nvPicPr>
+          <p:cNvPr id="10" name="Imagem 9">
+            <a:extLst>
+              <a:ext uri="{FF2B5EF4-FFF2-40B4-BE49-F238E27FC236}">
+                <a16:creationId xmlns:a16="http://schemas.microsoft.com/office/drawing/2014/main" id="{72C64C3C-7F4D-4AA3-BE13-E5719DBA0910}"/>
+              </a:ext>
+            </a:extLst>
+          </p:cNvPr>
+          <p:cNvPicPr>
+            <a:picLocks noChangeAspect="1"/>
+          </p:cNvPicPr>
+          <p:nvPr/>
+        </p:nvPicPr>
+        <p:blipFill>
+          <a:blip r:embed="rId2">
+            <a:extLst>
+              <a:ext uri="{28A0092B-C50C-407E-A947-70E740481C1C}">
+                <a14:useLocalDpi xmlns:a14="http://schemas.microsoft.com/office/drawing/2010/main" val="0"/>
+              </a:ext>
+            </a:extLst>
+          </a:blip>
+          <a:stretch>
+            <a:fillRect/>
+          </a:stretch>
+        </p:blipFill>
+        <p:spPr>
+          <a:xfrm>
+            <a:off x="5261487" y="2991303"/>
+            <a:ext cx="3864588" cy="3624924"/>
+          </a:xfrm>
+          <a:prstGeom prst="rect">
+            <a:avLst/>
+          </a:prstGeom>
+        </p:spPr>
+      </p:pic>
+      <p:sp>
+        <p:nvSpPr>
+          <p:cNvPr id="15" name="Arco 14">
+            <a:extLst>
+              <a:ext uri="{FF2B5EF4-FFF2-40B4-BE49-F238E27FC236}">
+                <a16:creationId xmlns:a16="http://schemas.microsoft.com/office/drawing/2014/main" id="{6D74F056-30E0-4338-8FFE-19DF1BCA5E47}"/>
+              </a:ext>
+            </a:extLst>
+          </p:cNvPr>
+          <p:cNvSpPr/>
+          <p:nvPr/>
+        </p:nvSpPr>
+        <p:spPr>
+          <a:xfrm rot="19060818" flipH="1">
+            <a:off x="5199521" y="3279205"/>
+            <a:ext cx="415511" cy="417185"/>
+          </a:xfrm>
+          <a:prstGeom prst="arc">
+            <a:avLst>
+              <a:gd name="adj1" fmla="val 16200000"/>
+              <a:gd name="adj2" fmla="val 21591988"/>
+            </a:avLst>
+          </a:prstGeom>
+          <a:ln>
+            <a:headEnd type="none" w="med" len="med"/>
+            <a:tailEnd type="arrow" w="med" len="med"/>
+          </a:ln>
+        </p:spPr>
+        <p:style>
+          <a:lnRef idx="3">
+            <a:schemeClr val="accent6"/>
+          </a:lnRef>
+          <a:fillRef idx="0">
+            <a:schemeClr val="accent6"/>
+          </a:fillRef>
+          <a:effectRef idx="2">
+            <a:schemeClr val="accent6"/>
+          </a:effectRef>
+          <a:fontRef idx="minor">
+            <a:schemeClr val="tx1"/>
+          </a:fontRef>
+        </p:style>
+        <p:txBody>
+          <a:bodyPr rtlCol="0" anchor="ctr"/>
+          <a:lstStyle/>
+          <a:p>
+            <a:pPr algn="ctr"/>
+            <a:endParaRPr lang="pt-PT"/>
+          </a:p>
+        </p:txBody>
+      </p:sp>
+      <p:sp>
+        <p:nvSpPr>
+          <p:cNvPr id="19" name="Arco 18">
+            <a:extLst>
+              <a:ext uri="{FF2B5EF4-FFF2-40B4-BE49-F238E27FC236}">
+                <a16:creationId xmlns:a16="http://schemas.microsoft.com/office/drawing/2014/main" id="{CAE55ADE-830F-4E67-AA10-DDB9FEA3C4C8}"/>
+              </a:ext>
+            </a:extLst>
+          </p:cNvPr>
+          <p:cNvSpPr/>
+          <p:nvPr/>
+        </p:nvSpPr>
+        <p:spPr>
+          <a:xfrm rot="19060818" flipH="1">
+            <a:off x="4989342" y="3397827"/>
+            <a:ext cx="1876116" cy="1993828"/>
+          </a:xfrm>
+          <a:prstGeom prst="arc">
+            <a:avLst>
+              <a:gd name="adj1" fmla="val 16200000"/>
+              <a:gd name="adj2" fmla="val 21591988"/>
+            </a:avLst>
+          </a:prstGeom>
+          <a:ln>
+            <a:headEnd type="none" w="med" len="med"/>
+            <a:tailEnd type="arrow" w="med" len="med"/>
+          </a:ln>
+        </p:spPr>
+        <p:style>
+          <a:lnRef idx="3">
+            <a:schemeClr val="accent6"/>
+          </a:lnRef>
+          <a:fillRef idx="0">
+            <a:schemeClr val="accent6"/>
+          </a:fillRef>
+          <a:effectRef idx="2">
+            <a:schemeClr val="accent6"/>
+          </a:effectRef>
+          <a:fontRef idx="minor">
+            <a:schemeClr val="tx1"/>
+          </a:fontRef>
+        </p:style>
+        <p:txBody>
+          <a:bodyPr rtlCol="0" anchor="ctr"/>
+          <a:lstStyle/>
+          <a:p>
+            <a:pPr algn="ctr"/>
+            <a:endParaRPr lang="pt-PT"/>
+          </a:p>
+        </p:txBody>
+      </p:sp>
+      <p:sp>
+        <p:nvSpPr>
+          <p:cNvPr id="20" name="Arco 19">
+            <a:extLst>
+              <a:ext uri="{FF2B5EF4-FFF2-40B4-BE49-F238E27FC236}">
+                <a16:creationId xmlns:a16="http://schemas.microsoft.com/office/drawing/2014/main" id="{A1B61C83-9C77-4E98-9FD6-A8823DC998C4}"/>
+              </a:ext>
+            </a:extLst>
+          </p:cNvPr>
+          <p:cNvSpPr/>
+          <p:nvPr/>
+        </p:nvSpPr>
+        <p:spPr>
+          <a:xfrm rot="19060818" flipH="1">
+            <a:off x="4974170" y="4826126"/>
+            <a:ext cx="1876116" cy="1993828"/>
+          </a:xfrm>
+          <a:prstGeom prst="arc">
+            <a:avLst>
+              <a:gd name="adj1" fmla="val 16200000"/>
+              <a:gd name="adj2" fmla="val 21591988"/>
+            </a:avLst>
+          </a:prstGeom>
+          <a:ln>
+            <a:headEnd type="none" w="med" len="med"/>
+            <a:tailEnd type="arrow" w="med" len="med"/>
+          </a:ln>
+        </p:spPr>
+        <p:style>
+          <a:lnRef idx="3">
+            <a:schemeClr val="accent6"/>
+          </a:lnRef>
+          <a:fillRef idx="0">
+            <a:schemeClr val="accent6"/>
+          </a:fillRef>
+          <a:effectRef idx="2">
+            <a:schemeClr val="accent6"/>
+          </a:effectRef>
+          <a:fontRef idx="minor">
+            <a:schemeClr val="tx1"/>
+          </a:fontRef>
+        </p:style>
+        <p:txBody>
+          <a:bodyPr rtlCol="0" anchor="ctr"/>
+          <a:lstStyle/>
+          <a:p>
+            <a:pPr algn="ctr"/>
+            <a:endParaRPr lang="pt-PT"/>
+          </a:p>
+        </p:txBody>
+      </p:sp>
+      <p:sp>
+        <p:nvSpPr>
+          <p:cNvPr id="22" name="Arco 21">
+            <a:extLst>
+              <a:ext uri="{FF2B5EF4-FFF2-40B4-BE49-F238E27FC236}">
+                <a16:creationId xmlns:a16="http://schemas.microsoft.com/office/drawing/2014/main" id="{F3610970-A7BA-484B-9492-619FAE0B2BBD}"/>
+              </a:ext>
+            </a:extLst>
+          </p:cNvPr>
+          <p:cNvSpPr/>
+          <p:nvPr/>
+        </p:nvSpPr>
+        <p:spPr>
+          <a:xfrm rot="19060818" flipH="1">
+            <a:off x="5208487" y="2974402"/>
+            <a:ext cx="415511" cy="417185"/>
+          </a:xfrm>
+          <a:prstGeom prst="arc">
+            <a:avLst>
+              <a:gd name="adj1" fmla="val 16200000"/>
+              <a:gd name="adj2" fmla="val 21591988"/>
+            </a:avLst>
+          </a:prstGeom>
+          <a:ln>
+            <a:headEnd type="none" w="med" len="med"/>
+            <a:tailEnd type="arrow" w="med" len="med"/>
+          </a:ln>
+        </p:spPr>
+        <p:style>
+          <a:lnRef idx="3">
+            <a:schemeClr val="accent6"/>
+          </a:lnRef>
+          <a:fillRef idx="0">
+            <a:schemeClr val="accent6"/>
+          </a:fillRef>
+          <a:effectRef idx="2">
+            <a:schemeClr val="accent6"/>
+          </a:effectRef>
+          <a:fontRef idx="minor">
+            <a:schemeClr val="tx1"/>
+          </a:fontRef>
+        </p:style>
+        <p:txBody>
+          <a:bodyPr rtlCol="0" anchor="ctr"/>
+          <a:lstStyle/>
+          <a:p>
+            <a:pPr algn="ctr"/>
+            <a:endParaRPr lang="pt-PT"/>
+          </a:p>
+        </p:txBody>
+      </p:sp>
+      <p:sp>
+        <p:nvSpPr>
+          <p:cNvPr id="23" name="Seta: Bidirecional 22">
+            <a:extLst>
+              <a:ext uri="{FF2B5EF4-FFF2-40B4-BE49-F238E27FC236}">
+                <a16:creationId xmlns:a16="http://schemas.microsoft.com/office/drawing/2014/main" id="{248680E0-DCD5-48D5-A480-03738DB94ACA}"/>
+              </a:ext>
+            </a:extLst>
+          </p:cNvPr>
+          <p:cNvSpPr/>
+          <p:nvPr/>
+        </p:nvSpPr>
+        <p:spPr>
+          <a:xfrm>
+            <a:off x="2724846" y="4394741"/>
+            <a:ext cx="1837765" cy="809463"/>
+          </a:xfrm>
+          <a:prstGeom prst="leftRightArrow">
+            <a:avLst/>
+          </a:prstGeom>
+          <a:solidFill>
+            <a:schemeClr val="accent6">
+              <a:alpha val="50000"/>
+            </a:schemeClr>
+          </a:solidFill>
+          <a:ln>
+            <a:noFill/>
+          </a:ln>
+        </p:spPr>
+        <p:style>
+          <a:lnRef idx="0">
+            <a:scrgbClr r="0" g="0" b="0"/>
+          </a:lnRef>
+          <a:fillRef idx="0">
+            <a:scrgbClr r="0" g="0" b="0"/>
+          </a:fillRef>
+          <a:effectRef idx="0">
+            <a:scrgbClr r="0" g="0" b="0"/>
+          </a:effectRef>
+          <a:fontRef idx="minor">
+            <a:schemeClr val="lt1"/>
+          </a:fontRef>
+        </p:style>
+        <p:txBody>
+          <a:bodyPr rtlCol="0" anchor="ctr"/>
+          <a:lstStyle/>
+          <a:p>
+            <a:pPr algn="ctr"/>
+            <a:endParaRPr lang="pt-PT"/>
+          </a:p>
+        </p:txBody>
+      </p:sp>
+      <p:pic>
+        <p:nvPicPr>
+          <p:cNvPr id="24" name="Imagem 23">
+            <a:extLst>
+              <a:ext uri="{FF2B5EF4-FFF2-40B4-BE49-F238E27FC236}">
+                <a16:creationId xmlns:a16="http://schemas.microsoft.com/office/drawing/2014/main" id="{B58BE8EC-442B-4087-B474-F8C88D87A503}"/>
+              </a:ext>
+            </a:extLst>
+          </p:cNvPr>
+          <p:cNvPicPr>
+            <a:picLocks noChangeAspect="1"/>
+          </p:cNvPicPr>
+          <p:nvPr/>
+        </p:nvPicPr>
+        <p:blipFill>
+          <a:blip r:embed="rId3">
+            <a:extLst>
+              <a:ext uri="{28A0092B-C50C-407E-A947-70E740481C1C}">
+                <a14:useLocalDpi xmlns:a14="http://schemas.microsoft.com/office/drawing/2010/main" val="0"/>
+              </a:ext>
+            </a:extLst>
+          </a:blip>
+          <a:stretch>
+            <a:fillRect/>
+          </a:stretch>
+        </p:blipFill>
+        <p:spPr>
+          <a:xfrm>
+            <a:off x="1638820" y="2991303"/>
+            <a:ext cx="988616" cy="3624924"/>
+          </a:xfrm>
+          <a:prstGeom prst="rect">
+            <a:avLst/>
+          </a:prstGeom>
+        </p:spPr>
+      </p:pic>
+      <p:sp>
+        <p:nvSpPr>
+          <p:cNvPr id="25" name="Arco 24">
+            <a:extLst>
+              <a:ext uri="{FF2B5EF4-FFF2-40B4-BE49-F238E27FC236}">
+                <a16:creationId xmlns:a16="http://schemas.microsoft.com/office/drawing/2014/main" id="{27F5C832-D89D-4BBB-8354-173DCC2D95E2}"/>
+              </a:ext>
+            </a:extLst>
+          </p:cNvPr>
+          <p:cNvSpPr/>
+          <p:nvPr/>
+        </p:nvSpPr>
+        <p:spPr>
+          <a:xfrm rot="19091843" flipH="1">
+            <a:off x="1273367" y="2705326"/>
+            <a:ext cx="2844510" cy="3256072"/>
+          </a:xfrm>
+          <a:prstGeom prst="arc">
+            <a:avLst>
+              <a:gd name="adj1" fmla="val 16200000"/>
+              <a:gd name="adj2" fmla="val 21591988"/>
+            </a:avLst>
+          </a:prstGeom>
+          <a:ln>
+            <a:headEnd type="none" w="med" len="med"/>
+            <a:tailEnd type="arrow" w="med" len="med"/>
+          </a:ln>
+        </p:spPr>
+        <p:style>
+          <a:lnRef idx="3">
+            <a:schemeClr val="accent6"/>
+          </a:lnRef>
+          <a:fillRef idx="0">
+            <a:schemeClr val="accent6"/>
+          </a:fillRef>
+          <a:effectRef idx="2">
+            <a:schemeClr val="accent6"/>
+          </a:effectRef>
+          <a:fontRef idx="minor">
+            <a:schemeClr val="tx1"/>
+          </a:fontRef>
+        </p:style>
+        <p:txBody>
+          <a:bodyPr rtlCol="0" anchor="ctr"/>
+          <a:lstStyle/>
+          <a:p>
+            <a:pPr algn="ctr"/>
+            <a:endParaRPr lang="pt-PT"/>
+          </a:p>
+        </p:txBody>
+      </p:sp>
+      <p:sp>
+        <p:nvSpPr>
+          <p:cNvPr id="26" name="Arco 25">
+            <a:extLst>
+              <a:ext uri="{FF2B5EF4-FFF2-40B4-BE49-F238E27FC236}">
+                <a16:creationId xmlns:a16="http://schemas.microsoft.com/office/drawing/2014/main" id="{03C16628-AEB7-44C3-BE5C-94E74E25C7BC}"/>
+              </a:ext>
+            </a:extLst>
+          </p:cNvPr>
+          <p:cNvSpPr/>
+          <p:nvPr/>
+        </p:nvSpPr>
+        <p:spPr>
+          <a:xfrm rot="19340403" flipH="1">
+            <a:off x="1525364" y="5200672"/>
+            <a:ext cx="923670" cy="1197526"/>
+          </a:xfrm>
+          <a:prstGeom prst="arc">
+            <a:avLst>
+              <a:gd name="adj1" fmla="val 16200000"/>
+              <a:gd name="adj2" fmla="val 21591988"/>
+            </a:avLst>
+          </a:prstGeom>
+          <a:ln>
+            <a:headEnd type="none" w="med" len="med"/>
+            <a:tailEnd type="arrow" w="med" len="med"/>
+          </a:ln>
+        </p:spPr>
+        <p:style>
+          <a:lnRef idx="3">
+            <a:schemeClr val="accent6"/>
+          </a:lnRef>
+          <a:fillRef idx="0">
+            <a:schemeClr val="accent6"/>
+          </a:fillRef>
+          <a:effectRef idx="2">
+            <a:schemeClr val="accent6"/>
+          </a:effectRef>
+          <a:fontRef idx="minor">
+            <a:schemeClr val="tx1"/>
+          </a:fontRef>
+        </p:style>
+        <p:txBody>
+          <a:bodyPr rtlCol="0" anchor="ctr"/>
+          <a:lstStyle/>
+          <a:p>
+            <a:pPr algn="ctr"/>
+            <a:endParaRPr lang="pt-PT"/>
+          </a:p>
+        </p:txBody>
+      </p:sp>
+      <p:sp>
+        <p:nvSpPr>
+          <p:cNvPr id="29" name="Arco 28">
+            <a:extLst>
+              <a:ext uri="{FF2B5EF4-FFF2-40B4-BE49-F238E27FC236}">
+                <a16:creationId xmlns:a16="http://schemas.microsoft.com/office/drawing/2014/main" id="{36A53C0B-981F-4E51-8A25-098060E1C8EA}"/>
+              </a:ext>
+            </a:extLst>
+          </p:cNvPr>
+          <p:cNvSpPr/>
+          <p:nvPr/>
+        </p:nvSpPr>
+        <p:spPr>
+          <a:xfrm rot="19885301" flipH="1">
+            <a:off x="1599084" y="6105991"/>
+            <a:ext cx="340452" cy="661776"/>
+          </a:xfrm>
+          <a:prstGeom prst="arc">
+            <a:avLst>
+              <a:gd name="adj1" fmla="val 16200000"/>
+              <a:gd name="adj2" fmla="val 21591988"/>
+            </a:avLst>
+          </a:prstGeom>
+          <a:ln>
+            <a:headEnd type="none" w="med" len="med"/>
+            <a:tailEnd type="arrow" w="med" len="med"/>
+          </a:ln>
+        </p:spPr>
+        <p:style>
+          <a:lnRef idx="3">
+            <a:schemeClr val="accent6"/>
+          </a:lnRef>
+          <a:fillRef idx="0">
+            <a:schemeClr val="accent6"/>
+          </a:fillRef>
+          <a:effectRef idx="2">
+            <a:schemeClr val="accent6"/>
+          </a:effectRef>
+          <a:fontRef idx="minor">
+            <a:schemeClr val="tx1"/>
+          </a:fontRef>
+        </p:style>
+        <p:txBody>
+          <a:bodyPr rtlCol="0" anchor="ctr"/>
+          <a:lstStyle/>
+          <a:p>
+            <a:pPr algn="ctr"/>
+            <a:endParaRPr lang="pt-PT"/>
+          </a:p>
+        </p:txBody>
+      </p:sp>
+    </p:spTree>
+    <p:extLst>
+      <p:ext uri="{BB962C8B-B14F-4D97-AF65-F5344CB8AC3E}">
+        <p14:creationId xmlns:p14="http://schemas.microsoft.com/office/powerpoint/2010/main" val="3055860216"/>
+      </p:ext>
+    </p:extLst>
+  </p:cSld>
+  <p:clrMapOvr>
+    <a:masterClrMapping/>
+  </p:clrMapOvr>
+</p:sld>
+</file>
+
+<file path=ppt/slides/slide5.xml><?xml version="1.0" encoding="utf-8"?>
+<p:sld xmlns:a="http://schemas.openxmlformats.org/drawingml/2006/main" xmlns:r="http://schemas.openxmlformats.org/officeDocument/2006/relationships" xmlns:p="http://schemas.openxmlformats.org/presentationml/2006/main">
+  <p:cSld>
+    <p:spTree>
+      <p:nvGrpSpPr>
+        <p:cNvPr id="1" name=""/>
+        <p:cNvGrpSpPr/>
+        <p:nvPr/>
+      </p:nvGrpSpPr>
+      <p:grpSpPr>
+        <a:xfrm>
+          <a:off x="0" y="0"/>
+          <a:ext cx="0" cy="0"/>
+          <a:chOff x="0" y="0"/>
+          <a:chExt cx="0" cy="0"/>
+        </a:xfrm>
+      </p:grpSpPr>
+      <p:sp>
+        <p:nvSpPr>
+          <p:cNvPr id="7" name="Título 1">
+            <a:extLst>
+              <a:ext uri="{FF2B5EF4-FFF2-40B4-BE49-F238E27FC236}">
+                <a16:creationId xmlns:a16="http://schemas.microsoft.com/office/drawing/2014/main" id="{F771945D-1681-4951-B993-AF4802F4A6D7}"/>
+              </a:ext>
+            </a:extLst>
+          </p:cNvPr>
+          <p:cNvSpPr>
+            <a:spLocks noGrp="1"/>
+          </p:cNvSpPr>
+          <p:nvPr>
+            <p:ph type="title"/>
+          </p:nvPr>
+        </p:nvSpPr>
+        <p:spPr>
+          <a:xfrm>
+            <a:off x="1450977" y="271968"/>
+            <a:ext cx="9603275" cy="813848"/>
+          </a:xfrm>
+        </p:spPr>
+        <p:txBody>
+          <a:bodyPr>
+            <a:normAutofit fontScale="90000"/>
+          </a:bodyPr>
+          <a:lstStyle/>
+          <a:p>
+            <a:r>
+              <a:rPr lang="pt-PT" sz="3600" b="1" dirty="0" err="1">
+                <a:latin typeface="Calibri" panose="020F0502020204030204" pitchFamily="34" charset="0"/>
+                <a:ea typeface="Calibri" panose="020F0502020204030204" pitchFamily="34" charset="0"/>
+                <a:cs typeface="Calibri" panose="020F0502020204030204" pitchFamily="34" charset="0"/>
+              </a:rPr>
+              <a:t>Program</a:t>
+            </a:r>
+            <a:r>
+              <a:rPr lang="pt-PT" sz="3600" b="1" dirty="0">
+                <a:latin typeface="Calibri" panose="020F0502020204030204" pitchFamily="34" charset="0"/>
+                <a:ea typeface="Calibri" panose="020F0502020204030204" pitchFamily="34" charset="0"/>
+                <a:cs typeface="Calibri" panose="020F0502020204030204" pitchFamily="34" charset="0"/>
+              </a:rPr>
+              <a:t> 2</a:t>
+            </a:r>
+            <a:br>
+              <a:rPr lang="pt-PT" dirty="0">
+                <a:latin typeface="Calibri" panose="020F0502020204030204" pitchFamily="34" charset="0"/>
+                <a:ea typeface="Calibri" panose="020F0502020204030204" pitchFamily="34" charset="0"/>
+                <a:cs typeface="Calibri" panose="020F0502020204030204" pitchFamily="34" charset="0"/>
+              </a:rPr>
+            </a:br>
+            <a:r>
+              <a:rPr lang="pt-PT" sz="2200" dirty="0" err="1">
+                <a:latin typeface="Calibri" panose="020F0502020204030204" pitchFamily="34" charset="0"/>
+                <a:ea typeface="Calibri" panose="020F0502020204030204" pitchFamily="34" charset="0"/>
+                <a:cs typeface="Calibri" panose="020F0502020204030204" pitchFamily="34" charset="0"/>
+              </a:rPr>
+              <a:t>Results</a:t>
+            </a:r>
+            <a:endParaRPr lang="pt-PT" dirty="0">
+              <a:latin typeface="Calibri" panose="020F0502020204030204" pitchFamily="34" charset="0"/>
+              <a:ea typeface="Calibri" panose="020F0502020204030204" pitchFamily="34" charset="0"/>
+              <a:cs typeface="Calibri" panose="020F0502020204030204" pitchFamily="34" charset="0"/>
+            </a:endParaRPr>
+          </a:p>
+        </p:txBody>
+      </p:sp>
+      <p:sp>
+        <p:nvSpPr>
+          <p:cNvPr id="6" name="CaixaDeTexto 5">
+            <a:extLst>
+              <a:ext uri="{FF2B5EF4-FFF2-40B4-BE49-F238E27FC236}">
+                <a16:creationId xmlns:a16="http://schemas.microsoft.com/office/drawing/2014/main" id="{98613272-A0E5-7E57-E42C-97D665BC4A57}"/>
+              </a:ext>
+            </a:extLst>
+          </p:cNvPr>
+          <p:cNvSpPr txBox="1"/>
+          <p:nvPr/>
+        </p:nvSpPr>
+        <p:spPr>
+          <a:xfrm>
+            <a:off x="619551" y="6357200"/>
+            <a:ext cx="10466272" cy="307777"/>
+          </a:xfrm>
+          <a:prstGeom prst="rect">
+            <a:avLst/>
+          </a:prstGeom>
+          <a:noFill/>
+        </p:spPr>
+        <p:txBody>
+          <a:bodyPr wrap="square" rtlCol="0">
+            <a:spAutoFit/>
+          </a:bodyPr>
+          <a:lstStyle/>
+          <a:p>
+            <a:pPr algn="ctr"/>
+            <a:r>
+              <a:rPr lang="pt-PT" sz="1400" i="1" dirty="0"/>
+              <a:t>(</a:t>
+            </a:r>
+            <a:r>
+              <a:rPr lang="pt-PT" sz="1400" b="1" i="1" u="sng" dirty="0"/>
+              <a:t>NOTE</a:t>
+            </a:r>
+            <a:r>
+              <a:rPr lang="pt-PT" sz="1400" i="1" dirty="0"/>
+              <a:t>: </a:t>
+            </a:r>
+            <a:r>
+              <a:rPr lang="pt-PT" sz="1400" i="1" dirty="0" err="1"/>
+              <a:t>both</a:t>
+            </a:r>
+            <a:r>
+              <a:rPr lang="pt-PT" sz="1400" i="1" dirty="0"/>
+              <a:t> </a:t>
+            </a:r>
+            <a:r>
+              <a:rPr lang="pt-PT" sz="1400" i="1" dirty="0" err="1"/>
+              <a:t>mean</a:t>
+            </a:r>
+            <a:r>
+              <a:rPr lang="pt-PT" sz="1400" i="1" dirty="0"/>
+              <a:t> and standard </a:t>
+            </a:r>
+            <a:r>
+              <a:rPr lang="pt-PT" sz="1400" i="1" dirty="0" err="1"/>
+              <a:t>deviation</a:t>
+            </a:r>
+            <a:r>
+              <a:rPr lang="pt-PT" sz="1400" i="1" dirty="0"/>
+              <a:t> </a:t>
+            </a:r>
+            <a:r>
+              <a:rPr lang="pt-PT" sz="1400" i="1" dirty="0" err="1"/>
+              <a:t>results</a:t>
+            </a:r>
+            <a:r>
+              <a:rPr lang="pt-PT" sz="1400" i="1" dirty="0"/>
+              <a:t> </a:t>
+            </a:r>
+            <a:r>
+              <a:rPr lang="pt-PT" sz="1400" i="1" dirty="0" err="1"/>
+              <a:t>were</a:t>
+            </a:r>
+            <a:r>
+              <a:rPr lang="pt-PT" sz="1400" i="1" dirty="0"/>
+              <a:t> </a:t>
+            </a:r>
+            <a:r>
+              <a:rPr lang="pt-PT" sz="1400" i="1" dirty="0" err="1"/>
+              <a:t>calculated</a:t>
+            </a:r>
+            <a:r>
+              <a:rPr lang="pt-PT" sz="1400" i="1" dirty="0"/>
+              <a:t> </a:t>
+            </a:r>
+            <a:r>
+              <a:rPr lang="pt-PT" sz="1400" i="1" dirty="0" err="1"/>
+              <a:t>by</a:t>
+            </a:r>
+            <a:r>
+              <a:rPr lang="pt-PT" sz="1400" i="1" dirty="0"/>
+              <a:t> </a:t>
+            </a:r>
+            <a:r>
+              <a:rPr lang="pt-PT" sz="1400" i="1" dirty="0" err="1"/>
+              <a:t>running</a:t>
+            </a:r>
+            <a:r>
+              <a:rPr lang="pt-PT" sz="1400" i="1" dirty="0"/>
+              <a:t> the </a:t>
+            </a:r>
+            <a:r>
+              <a:rPr lang="pt-PT" sz="1400" i="1" dirty="0" err="1"/>
+              <a:t>program</a:t>
+            </a:r>
+            <a:r>
+              <a:rPr lang="pt-PT" sz="1400" i="1" dirty="0"/>
+              <a:t> 5</a:t>
+            </a:r>
+            <a:r>
+              <a:rPr lang="pt-PT" sz="1400" b="1" i="1" dirty="0"/>
+              <a:t> </a:t>
+            </a:r>
+            <a:r>
+              <a:rPr lang="pt-PT" sz="1400" i="1" dirty="0"/>
+              <a:t>times)</a:t>
+            </a:r>
+            <a:endParaRPr lang="pt-PT" dirty="0"/>
+          </a:p>
+        </p:txBody>
+      </p:sp>
+      <p:sp>
+        <p:nvSpPr>
+          <p:cNvPr id="8" name="CaixaDeTexto 7">
+            <a:extLst>
+              <a:ext uri="{FF2B5EF4-FFF2-40B4-BE49-F238E27FC236}">
+                <a16:creationId xmlns:a16="http://schemas.microsoft.com/office/drawing/2014/main" id="{8F4720FF-EFCC-B7AD-7440-CCB8BFB7D728}"/>
+              </a:ext>
+            </a:extLst>
+          </p:cNvPr>
+          <p:cNvSpPr txBox="1"/>
+          <p:nvPr/>
+        </p:nvSpPr>
+        <p:spPr>
+          <a:xfrm>
+            <a:off x="5975267" y="4225880"/>
+            <a:ext cx="1297482" cy="1169551"/>
+          </a:xfrm>
+          <a:prstGeom prst="rect">
+            <a:avLst/>
+          </a:prstGeom>
+          <a:noFill/>
+        </p:spPr>
+        <p:txBody>
+          <a:bodyPr wrap="square" rtlCol="0">
+            <a:spAutoFit/>
+          </a:bodyPr>
+          <a:lstStyle/>
+          <a:p>
+            <a:r>
+              <a:rPr lang="pt-PT" sz="1400" b="1" dirty="0" err="1"/>
+              <a:t>Remote</a:t>
+            </a:r>
+            <a:r>
+              <a:rPr lang="pt-PT" sz="1400" b="1" dirty="0"/>
+              <a:t> PC </a:t>
+            </a:r>
+            <a:r>
+              <a:rPr lang="pt-PT" sz="1400" b="1" dirty="0" err="1"/>
+              <a:t>Specs</a:t>
+            </a:r>
+            <a:r>
+              <a:rPr lang="pt-PT" sz="1400" b="1" dirty="0"/>
+              <a:t>:</a:t>
+            </a:r>
+          </a:p>
+          <a:p>
+            <a:endParaRPr lang="pt-PT" sz="1400" dirty="0"/>
+          </a:p>
+          <a:p>
+            <a:r>
+              <a:rPr lang="pt-PT" sz="1400" dirty="0"/>
+              <a:t>GPU: </a:t>
+            </a:r>
+            <a:r>
+              <a:rPr lang="pt-PT" sz="1400" dirty="0" err="1"/>
+              <a:t>Nvidia</a:t>
+            </a:r>
+            <a:r>
+              <a:rPr lang="pt-PT" sz="1400" dirty="0"/>
+              <a:t> GTX 1660 TI</a:t>
+            </a:r>
+          </a:p>
+        </p:txBody>
+      </p:sp>
+      <p:graphicFrame>
+        <p:nvGraphicFramePr>
+          <p:cNvPr id="13" name="Tabela 4">
+            <a:extLst>
+              <a:ext uri="{FF2B5EF4-FFF2-40B4-BE49-F238E27FC236}">
+                <a16:creationId xmlns:a16="http://schemas.microsoft.com/office/drawing/2014/main" id="{65024EB4-D35B-38BD-12D7-11F5739DB43D}"/>
+              </a:ext>
+            </a:extLst>
+          </p:cNvPr>
+          <p:cNvGraphicFramePr>
+            <a:graphicFrameLocks/>
+          </p:cNvGraphicFramePr>
+          <p:nvPr/>
+        </p:nvGraphicFramePr>
+        <p:xfrm>
+          <a:off x="7212942" y="1989326"/>
+          <a:ext cx="3841308" cy="1186675"/>
+        </p:xfrm>
+        <a:graphic>
+          <a:graphicData uri="http://schemas.openxmlformats.org/drawingml/2006/table">
+            <a:tbl>
+              <a:tblPr firstRow="1" bandRow="1">
+                <a:tableStyleId>{073A0DAA-6AF3-43AB-8588-CEC1D06C72B9}</a:tableStyleId>
+              </a:tblPr>
+              <a:tblGrid>
+                <a:gridCol w="1839619">
+                  <a:extLst>
+                    <a:ext uri="{9D8B030D-6E8A-4147-A177-3AD203B41FA5}">
+                      <a16:colId xmlns:a16="http://schemas.microsoft.com/office/drawing/2014/main" val="2688708435"/>
+                    </a:ext>
+                  </a:extLst>
+                </a:gridCol>
+                <a:gridCol w="2001689">
+                  <a:extLst>
+                    <a:ext uri="{9D8B030D-6E8A-4147-A177-3AD203B41FA5}">
+                      <a16:colId xmlns:a16="http://schemas.microsoft.com/office/drawing/2014/main" val="1516063400"/>
+                    </a:ext>
+                  </a:extLst>
+                </a:gridCol>
+              </a:tblGrid>
+              <a:tr h="287466">
+                <a:tc rowSpan="2">
+                  <a:txBody>
+                    <a:bodyPr/>
+                    <a:lstStyle/>
+                    <a:p>
+                      <a:pPr algn="ctr"/>
+                      <a:r>
+                        <a:rPr lang="pt-PT" sz="2000" b="0" dirty="0" err="1">
+                          <a:latin typeface="Calibri" panose="020F0502020204030204" pitchFamily="34" charset="0"/>
+                          <a:ea typeface="Calibri" panose="020F0502020204030204" pitchFamily="34" charset="0"/>
+                          <a:cs typeface="Calibri" panose="020F0502020204030204" pitchFamily="34" charset="0"/>
+                        </a:rPr>
+                        <a:t>Binary</a:t>
+                      </a:r>
+                      <a:r>
+                        <a:rPr lang="pt-PT" sz="2000" b="0" dirty="0">
+                          <a:latin typeface="Calibri" panose="020F0502020204030204" pitchFamily="34" charset="0"/>
+                          <a:ea typeface="Calibri" panose="020F0502020204030204" pitchFamily="34" charset="0"/>
+                          <a:cs typeface="Calibri" panose="020F0502020204030204" pitchFamily="34" charset="0"/>
+                        </a:rPr>
+                        <a:t> file</a:t>
+                      </a:r>
+                    </a:p>
+                  </a:txBody>
+                  <a:tcPr anchor="ctr"/>
+                </a:tc>
+                <a:tc>
+                  <a:txBody>
+                    <a:bodyPr/>
+                    <a:lstStyle/>
+                    <a:p>
+                      <a:pPr algn="ctr"/>
+                      <a:r>
+                        <a:rPr lang="pt-PT" b="0" dirty="0"/>
+                        <a:t>2 </a:t>
+                      </a:r>
+                      <a:r>
+                        <a:rPr lang="pt-PT" b="0" dirty="0" err="1"/>
+                        <a:t>workers</a:t>
+                      </a:r>
+                      <a:endParaRPr lang="pt-PT" b="0" dirty="0">
+                        <a:latin typeface="Calibri" panose="020F0502020204030204" pitchFamily="34" charset="0"/>
+                        <a:ea typeface="Calibri" panose="020F0502020204030204" pitchFamily="34" charset="0"/>
+                        <a:cs typeface="Calibri" panose="020F0502020204030204" pitchFamily="34" charset="0"/>
+                      </a:endParaRPr>
+                    </a:p>
+                  </a:txBody>
+                  <a:tcPr anchor="ctr"/>
+                </a:tc>
+                <a:extLst>
+                  <a:ext uri="{0D108BD9-81ED-4DB2-BD59-A6C34878D82A}">
+                    <a16:rowId xmlns:a16="http://schemas.microsoft.com/office/drawing/2014/main" val="3843915449"/>
+                  </a:ext>
+                </a:extLst>
+              </a:tr>
+              <a:tr h="455155">
+                <a:tc vMerge="1">
+                  <a:txBody>
+                    <a:bodyPr/>
+                    <a:lstStyle/>
+                    <a:p>
+                      <a:pPr algn="ctr"/>
+                      <a:endParaRPr lang="pt-PT" dirty="0">
+                        <a:latin typeface="Calibri" panose="020F0502020204030204" pitchFamily="34" charset="0"/>
+                        <a:ea typeface="Calibri" panose="020F0502020204030204" pitchFamily="34" charset="0"/>
+                        <a:cs typeface="Calibri" panose="020F0502020204030204" pitchFamily="34" charset="0"/>
+                      </a:endParaRPr>
+                    </a:p>
+                  </a:txBody>
+                  <a:tcPr/>
+                </a:tc>
+                <a:tc>
+                  <a:txBody>
+                    <a:bodyPr/>
+                    <a:lstStyle/>
+                    <a:p>
+                      <a:pPr algn="ctr"/>
+                      <a:r>
+                        <a:rPr lang="pt-PT" sz="1200" b="0" dirty="0" err="1">
+                          <a:latin typeface="Calibri" panose="020F0502020204030204" pitchFamily="34" charset="0"/>
+                          <a:ea typeface="Calibri" panose="020F0502020204030204" pitchFamily="34" charset="0"/>
+                          <a:cs typeface="Calibri" panose="020F0502020204030204" pitchFamily="34" charset="0"/>
+                        </a:rPr>
+                        <a:t>Mean</a:t>
+                      </a:r>
+                      <a:r>
+                        <a:rPr lang="pt-PT" sz="1200" b="0" dirty="0">
+                          <a:latin typeface="Calibri" panose="020F0502020204030204" pitchFamily="34" charset="0"/>
+                          <a:ea typeface="Calibri" panose="020F0502020204030204" pitchFamily="34" charset="0"/>
+                          <a:cs typeface="Calibri" panose="020F0502020204030204" pitchFamily="34" charset="0"/>
+                        </a:rPr>
+                        <a:t> </a:t>
+                      </a:r>
+                      <a:r>
+                        <a:rPr lang="pt-PT" sz="1200" dirty="0">
+                          <a:latin typeface="Calibri" panose="020F0502020204030204" pitchFamily="34" charset="0"/>
+                          <a:ea typeface="Calibri" panose="020F0502020204030204" pitchFamily="34" charset="0"/>
+                          <a:cs typeface="Calibri" panose="020F0502020204030204" pitchFamily="34" charset="0"/>
+                        </a:rPr>
+                        <a:t>± Standard </a:t>
+                      </a:r>
+                      <a:r>
+                        <a:rPr lang="pt-PT" sz="1200" dirty="0" err="1">
+                          <a:latin typeface="Calibri" panose="020F0502020204030204" pitchFamily="34" charset="0"/>
+                          <a:ea typeface="Calibri" panose="020F0502020204030204" pitchFamily="34" charset="0"/>
+                          <a:cs typeface="Calibri" panose="020F0502020204030204" pitchFamily="34" charset="0"/>
+                        </a:rPr>
+                        <a:t>deviation</a:t>
+                      </a:r>
+                      <a:endParaRPr lang="pt-PT" sz="1200" b="0" dirty="0">
+                        <a:latin typeface="Calibri" panose="020F0502020204030204" pitchFamily="34" charset="0"/>
+                        <a:ea typeface="Calibri" panose="020F0502020204030204" pitchFamily="34" charset="0"/>
+                        <a:cs typeface="Calibri" panose="020F0502020204030204" pitchFamily="34" charset="0"/>
+                      </a:endParaRPr>
+                    </a:p>
+                  </a:txBody>
+                  <a:tcPr marL="81828" marR="81828" anchor="ctr">
+                    <a:solidFill>
+                      <a:schemeClr val="bg2">
+                        <a:lumMod val="75000"/>
+                      </a:schemeClr>
+                    </a:solidFill>
+                  </a:tcPr>
+                </a:tc>
+                <a:extLst>
+                  <a:ext uri="{0D108BD9-81ED-4DB2-BD59-A6C34878D82A}">
+                    <a16:rowId xmlns:a16="http://schemas.microsoft.com/office/drawing/2014/main" val="92455586"/>
+                  </a:ext>
+                </a:extLst>
+              </a:tr>
+              <a:tr h="287466">
+                <a:tc>
+                  <a:txBody>
+                    <a:bodyPr/>
+                    <a:lstStyle/>
+                    <a:p>
+                      <a:pPr algn="ctr"/>
+                      <a:r>
+                        <a:rPr lang="pt-PT" dirty="0">
+                          <a:latin typeface="Calibri" panose="020F0502020204030204" pitchFamily="34" charset="0"/>
+                          <a:ea typeface="Calibri" panose="020F0502020204030204" pitchFamily="34" charset="0"/>
+                          <a:cs typeface="Calibri" panose="020F0502020204030204" pitchFamily="34" charset="0"/>
+                        </a:rPr>
+                        <a:t>datSeq1M.bin</a:t>
+                      </a:r>
+                    </a:p>
+                  </a:txBody>
+                  <a:tcPr anchor="ctr"/>
+                </a:tc>
+                <a:tc>
+                  <a:txBody>
+                    <a:bodyPr/>
+                    <a:lstStyle/>
+                    <a:p>
+                      <a:pPr algn="ctr"/>
+                      <a:r>
+                        <a:rPr lang="pt-PT" sz="1200" dirty="0">
+                          <a:latin typeface="Calibri" panose="020F0502020204030204" pitchFamily="34" charset="0"/>
+                          <a:ea typeface="Calibri" panose="020F0502020204030204" pitchFamily="34" charset="0"/>
+                          <a:cs typeface="Calibri" panose="020F0502020204030204" pitchFamily="34" charset="0"/>
+                        </a:rPr>
+                        <a:t>178.7 ± 23.2 </a:t>
+                      </a:r>
+                      <a:r>
+                        <a:rPr lang="pt-PT" sz="1200" dirty="0" err="1">
+                          <a:latin typeface="Calibri" panose="020F0502020204030204" pitchFamily="34" charset="0"/>
+                          <a:ea typeface="Calibri" panose="020F0502020204030204" pitchFamily="34" charset="0"/>
+                          <a:cs typeface="Calibri" panose="020F0502020204030204" pitchFamily="34" charset="0"/>
+                        </a:rPr>
+                        <a:t>ms</a:t>
+                      </a:r>
+                      <a:endParaRPr lang="pt-PT" sz="1200" dirty="0">
+                        <a:latin typeface="Calibri" panose="020F0502020204030204" pitchFamily="34" charset="0"/>
+                        <a:ea typeface="Calibri" panose="020F0502020204030204" pitchFamily="34" charset="0"/>
+                        <a:cs typeface="Calibri" panose="020F0502020204030204" pitchFamily="34" charset="0"/>
+                      </a:endParaRPr>
+                    </a:p>
+                  </a:txBody>
+                  <a:tcPr anchor="ctr"/>
+                </a:tc>
+                <a:extLst>
+                  <a:ext uri="{0D108BD9-81ED-4DB2-BD59-A6C34878D82A}">
+                    <a16:rowId xmlns:a16="http://schemas.microsoft.com/office/drawing/2014/main" val="625706260"/>
+                  </a:ext>
+                </a:extLst>
+              </a:tr>
+            </a:tbl>
+          </a:graphicData>
+        </a:graphic>
+      </p:graphicFrame>
+      <p:sp>
+        <p:nvSpPr>
+          <p:cNvPr id="9" name="CaixaDeTexto 8">
+            <a:extLst>
+              <a:ext uri="{FF2B5EF4-FFF2-40B4-BE49-F238E27FC236}">
+                <a16:creationId xmlns:a16="http://schemas.microsoft.com/office/drawing/2014/main" id="{0472644F-1148-46C1-BECF-BD9D1AAD7529}"/>
+              </a:ext>
+            </a:extLst>
+          </p:cNvPr>
+          <p:cNvSpPr txBox="1"/>
+          <p:nvPr/>
+        </p:nvSpPr>
+        <p:spPr>
+          <a:xfrm>
+            <a:off x="5975267" y="2221893"/>
+            <a:ext cx="1297482" cy="954107"/>
+          </a:xfrm>
+          <a:prstGeom prst="rect">
+            <a:avLst/>
+          </a:prstGeom>
+          <a:noFill/>
+        </p:spPr>
+        <p:txBody>
+          <a:bodyPr wrap="square" rtlCol="0">
+            <a:spAutoFit/>
+          </a:bodyPr>
+          <a:lstStyle/>
+          <a:p>
+            <a:r>
+              <a:rPr lang="pt-PT" sz="1400" b="1" dirty="0"/>
+              <a:t>PC1 </a:t>
+            </a:r>
+            <a:r>
+              <a:rPr lang="pt-PT" sz="1400" b="1" dirty="0" err="1"/>
+              <a:t>Specs</a:t>
+            </a:r>
+            <a:r>
+              <a:rPr lang="pt-PT" sz="1400" b="1" dirty="0"/>
+              <a:t>:</a:t>
+            </a:r>
+          </a:p>
+          <a:p>
+            <a:endParaRPr lang="pt-PT" sz="1400" dirty="0"/>
+          </a:p>
+          <a:p>
+            <a:r>
+              <a:rPr lang="pt-PT" sz="1400" dirty="0" err="1"/>
+              <a:t>Lubuntu</a:t>
+            </a:r>
+            <a:r>
+              <a:rPr lang="pt-PT" sz="1400" dirty="0"/>
+              <a:t> VM</a:t>
+            </a:r>
+          </a:p>
+          <a:p>
+            <a:r>
+              <a:rPr lang="pt-PT" sz="1400" dirty="0"/>
+              <a:t>4 cores</a:t>
+            </a:r>
+          </a:p>
+        </p:txBody>
+      </p:sp>
+      <p:sp>
+        <p:nvSpPr>
+          <p:cNvPr id="2" name="CaixaDeTexto 1">
+            <a:extLst>
+              <a:ext uri="{FF2B5EF4-FFF2-40B4-BE49-F238E27FC236}">
+                <a16:creationId xmlns:a16="http://schemas.microsoft.com/office/drawing/2014/main" id="{B35C6840-54E7-481C-914A-8E050927DF52}"/>
+              </a:ext>
+            </a:extLst>
+          </p:cNvPr>
+          <p:cNvSpPr txBox="1"/>
+          <p:nvPr/>
+        </p:nvSpPr>
+        <p:spPr>
+          <a:xfrm>
+            <a:off x="7212942" y="1626403"/>
+            <a:ext cx="3841309" cy="369332"/>
+          </a:xfrm>
+          <a:prstGeom prst="rect">
+            <a:avLst/>
+          </a:prstGeom>
+          <a:noFill/>
+        </p:spPr>
+        <p:txBody>
+          <a:bodyPr wrap="square" rtlCol="0">
+            <a:spAutoFit/>
+          </a:bodyPr>
+          <a:lstStyle/>
+          <a:p>
+            <a:pPr algn="ctr"/>
+            <a:r>
+              <a:rPr lang="pt-PT" i="1" dirty="0" err="1"/>
+              <a:t>Multiprocess</a:t>
+            </a:r>
+            <a:r>
+              <a:rPr lang="pt-PT" i="1" dirty="0"/>
+              <a:t> </a:t>
+            </a:r>
+            <a:r>
+              <a:rPr lang="pt-PT" i="1" dirty="0" err="1"/>
+              <a:t>solution</a:t>
+            </a:r>
+            <a:r>
+              <a:rPr lang="pt-PT" i="1" dirty="0"/>
+              <a:t> (MPI)</a:t>
+            </a:r>
+          </a:p>
+        </p:txBody>
+      </p:sp>
+      <p:sp>
+        <p:nvSpPr>
+          <p:cNvPr id="11" name="CaixaDeTexto 10">
+            <a:extLst>
+              <a:ext uri="{FF2B5EF4-FFF2-40B4-BE49-F238E27FC236}">
+                <a16:creationId xmlns:a16="http://schemas.microsoft.com/office/drawing/2014/main" id="{4075672B-49A6-4775-AF35-DDA26EA019DC}"/>
+              </a:ext>
+            </a:extLst>
+          </p:cNvPr>
+          <p:cNvSpPr txBox="1"/>
+          <p:nvPr/>
+        </p:nvSpPr>
+        <p:spPr>
+          <a:xfrm>
+            <a:off x="394637" y="2181190"/>
+            <a:ext cx="1297482" cy="954107"/>
+          </a:xfrm>
+          <a:prstGeom prst="rect">
+            <a:avLst/>
+          </a:prstGeom>
+          <a:noFill/>
+        </p:spPr>
+        <p:txBody>
+          <a:bodyPr wrap="square" rtlCol="0">
+            <a:spAutoFit/>
+          </a:bodyPr>
+          <a:lstStyle/>
+          <a:p>
+            <a:r>
+              <a:rPr lang="pt-PT" sz="1400" b="1" dirty="0"/>
+              <a:t>PC1 </a:t>
+            </a:r>
+            <a:r>
+              <a:rPr lang="pt-PT" sz="1400" b="1" dirty="0" err="1"/>
+              <a:t>Specs</a:t>
+            </a:r>
+            <a:r>
+              <a:rPr lang="pt-PT" sz="1400" b="1" dirty="0"/>
+              <a:t>:</a:t>
+            </a:r>
+          </a:p>
+          <a:p>
+            <a:endParaRPr lang="pt-PT" sz="1400" dirty="0"/>
+          </a:p>
+          <a:p>
+            <a:r>
+              <a:rPr lang="pt-PT" sz="1400" dirty="0" err="1"/>
+              <a:t>Lubuntu</a:t>
+            </a:r>
+            <a:r>
+              <a:rPr lang="pt-PT" sz="1400" dirty="0"/>
+              <a:t> VM</a:t>
+            </a:r>
+          </a:p>
+          <a:p>
+            <a:r>
+              <a:rPr lang="pt-PT" sz="1400" dirty="0"/>
+              <a:t>4 cores</a:t>
+            </a:r>
+          </a:p>
+        </p:txBody>
+      </p:sp>
+      <p:sp>
+        <p:nvSpPr>
+          <p:cNvPr id="12" name="CaixaDeTexto 11">
+            <a:extLst>
+              <a:ext uri="{FF2B5EF4-FFF2-40B4-BE49-F238E27FC236}">
+                <a16:creationId xmlns:a16="http://schemas.microsoft.com/office/drawing/2014/main" id="{8684F043-2366-4448-9E77-95655F5F8AE8}"/>
+              </a:ext>
+            </a:extLst>
+          </p:cNvPr>
+          <p:cNvSpPr txBox="1"/>
+          <p:nvPr/>
+        </p:nvSpPr>
+        <p:spPr>
+          <a:xfrm>
+            <a:off x="1692118" y="1626403"/>
+            <a:ext cx="3841309" cy="369332"/>
+          </a:xfrm>
+          <a:prstGeom prst="rect">
+            <a:avLst/>
+          </a:prstGeom>
+          <a:noFill/>
+        </p:spPr>
+        <p:txBody>
+          <a:bodyPr wrap="square" rtlCol="0">
+            <a:spAutoFit/>
+          </a:bodyPr>
+          <a:lstStyle/>
+          <a:p>
+            <a:pPr algn="ctr"/>
+            <a:r>
+              <a:rPr lang="pt-PT" i="1" dirty="0" err="1"/>
+              <a:t>Multithread</a:t>
+            </a:r>
+            <a:r>
+              <a:rPr lang="pt-PT" i="1" dirty="0"/>
+              <a:t> </a:t>
+            </a:r>
+            <a:r>
+              <a:rPr lang="pt-PT" i="1" dirty="0" err="1"/>
+              <a:t>solution</a:t>
+            </a:r>
+            <a:r>
+              <a:rPr lang="pt-PT" i="1" dirty="0"/>
+              <a:t> (</a:t>
+            </a:r>
+            <a:r>
+              <a:rPr lang="pt-PT" i="1" dirty="0" err="1"/>
+              <a:t>pthread</a:t>
+            </a:r>
+            <a:r>
+              <a:rPr lang="pt-PT" i="1" dirty="0"/>
+              <a:t>)</a:t>
+            </a:r>
+          </a:p>
+        </p:txBody>
+      </p:sp>
+      <p:graphicFrame>
+        <p:nvGraphicFramePr>
+          <p:cNvPr id="14" name="Tabela 4">
+            <a:extLst>
+              <a:ext uri="{FF2B5EF4-FFF2-40B4-BE49-F238E27FC236}">
+                <a16:creationId xmlns:a16="http://schemas.microsoft.com/office/drawing/2014/main" id="{EC5D3588-CD59-409B-82F6-0551B210BE25}"/>
+              </a:ext>
+            </a:extLst>
+          </p:cNvPr>
+          <p:cNvGraphicFramePr>
+            <a:graphicFrameLocks/>
+          </p:cNvGraphicFramePr>
+          <p:nvPr/>
+        </p:nvGraphicFramePr>
+        <p:xfrm>
+          <a:off x="1643088" y="1989325"/>
+          <a:ext cx="3841308" cy="1186675"/>
+        </p:xfrm>
+        <a:graphic>
+          <a:graphicData uri="http://schemas.openxmlformats.org/drawingml/2006/table">
+            <a:tbl>
+              <a:tblPr firstRow="1" bandRow="1">
+                <a:tableStyleId>{073A0DAA-6AF3-43AB-8588-CEC1D06C72B9}</a:tableStyleId>
+              </a:tblPr>
+              <a:tblGrid>
+                <a:gridCol w="1839619">
+                  <a:extLst>
+                    <a:ext uri="{9D8B030D-6E8A-4147-A177-3AD203B41FA5}">
+                      <a16:colId xmlns:a16="http://schemas.microsoft.com/office/drawing/2014/main" val="2688708435"/>
+                    </a:ext>
+                  </a:extLst>
+                </a:gridCol>
+                <a:gridCol w="2001689">
+                  <a:extLst>
+                    <a:ext uri="{9D8B030D-6E8A-4147-A177-3AD203B41FA5}">
+                      <a16:colId xmlns:a16="http://schemas.microsoft.com/office/drawing/2014/main" val="1516063400"/>
+                    </a:ext>
+                  </a:extLst>
+                </a:gridCol>
+              </a:tblGrid>
+              <a:tr h="287466">
+                <a:tc rowSpan="2">
+                  <a:txBody>
+                    <a:bodyPr/>
+                    <a:lstStyle/>
+                    <a:p>
+                      <a:pPr algn="ctr"/>
+                      <a:r>
+                        <a:rPr lang="pt-PT" sz="2000" b="0" dirty="0" err="1">
+                          <a:latin typeface="Calibri" panose="020F0502020204030204" pitchFamily="34" charset="0"/>
+                          <a:ea typeface="Calibri" panose="020F0502020204030204" pitchFamily="34" charset="0"/>
+                          <a:cs typeface="Calibri" panose="020F0502020204030204" pitchFamily="34" charset="0"/>
+                        </a:rPr>
+                        <a:t>Binary</a:t>
+                      </a:r>
+                      <a:r>
+                        <a:rPr lang="pt-PT" sz="2000" b="0" dirty="0">
+                          <a:latin typeface="Calibri" panose="020F0502020204030204" pitchFamily="34" charset="0"/>
+                          <a:ea typeface="Calibri" panose="020F0502020204030204" pitchFamily="34" charset="0"/>
+                          <a:cs typeface="Calibri" panose="020F0502020204030204" pitchFamily="34" charset="0"/>
+                        </a:rPr>
+                        <a:t> file</a:t>
+                      </a:r>
+                    </a:p>
+                  </a:txBody>
+                  <a:tcPr anchor="ctr"/>
+                </a:tc>
+                <a:tc>
+                  <a:txBody>
+                    <a:bodyPr/>
+                    <a:lstStyle/>
+                    <a:p>
+                      <a:pPr algn="ctr"/>
+                      <a:r>
+                        <a:rPr lang="pt-PT" b="0" dirty="0"/>
+                        <a:t>2 </a:t>
+                      </a:r>
+                      <a:r>
+                        <a:rPr lang="pt-PT" b="0" dirty="0" err="1"/>
+                        <a:t>workers</a:t>
+                      </a:r>
+                      <a:endParaRPr lang="pt-PT" b="0" dirty="0">
+                        <a:latin typeface="Calibri" panose="020F0502020204030204" pitchFamily="34" charset="0"/>
+                        <a:ea typeface="Calibri" panose="020F0502020204030204" pitchFamily="34" charset="0"/>
+                        <a:cs typeface="Calibri" panose="020F0502020204030204" pitchFamily="34" charset="0"/>
+                      </a:endParaRPr>
+                    </a:p>
+                  </a:txBody>
+                  <a:tcPr anchor="ctr"/>
+                </a:tc>
+                <a:extLst>
+                  <a:ext uri="{0D108BD9-81ED-4DB2-BD59-A6C34878D82A}">
+                    <a16:rowId xmlns:a16="http://schemas.microsoft.com/office/drawing/2014/main" val="3843915449"/>
+                  </a:ext>
+                </a:extLst>
+              </a:tr>
+              <a:tr h="455155">
+                <a:tc vMerge="1">
+                  <a:txBody>
+                    <a:bodyPr/>
+                    <a:lstStyle/>
+                    <a:p>
+                      <a:pPr algn="ctr"/>
+                      <a:endParaRPr lang="pt-PT" dirty="0">
+                        <a:latin typeface="Calibri" panose="020F0502020204030204" pitchFamily="34" charset="0"/>
+                        <a:ea typeface="Calibri" panose="020F0502020204030204" pitchFamily="34" charset="0"/>
+                        <a:cs typeface="Calibri" panose="020F0502020204030204" pitchFamily="34" charset="0"/>
+                      </a:endParaRPr>
+                    </a:p>
+                  </a:txBody>
+                  <a:tcPr/>
+                </a:tc>
+                <a:tc>
+                  <a:txBody>
+                    <a:bodyPr/>
+                    <a:lstStyle/>
+                    <a:p>
+                      <a:pPr algn="ctr"/>
+                      <a:r>
+                        <a:rPr lang="pt-PT" sz="1200" b="0" dirty="0" err="1">
+                          <a:latin typeface="Calibri" panose="020F0502020204030204" pitchFamily="34" charset="0"/>
+                          <a:ea typeface="Calibri" panose="020F0502020204030204" pitchFamily="34" charset="0"/>
+                          <a:cs typeface="Calibri" panose="020F0502020204030204" pitchFamily="34" charset="0"/>
+                        </a:rPr>
+                        <a:t>Mean</a:t>
+                      </a:r>
+                      <a:r>
+                        <a:rPr lang="pt-PT" sz="1200" b="0" dirty="0">
+                          <a:latin typeface="Calibri" panose="020F0502020204030204" pitchFamily="34" charset="0"/>
+                          <a:ea typeface="Calibri" panose="020F0502020204030204" pitchFamily="34" charset="0"/>
+                          <a:cs typeface="Calibri" panose="020F0502020204030204" pitchFamily="34" charset="0"/>
+                        </a:rPr>
+                        <a:t> </a:t>
+                      </a:r>
+                      <a:r>
+                        <a:rPr lang="pt-PT" sz="1200" dirty="0">
+                          <a:latin typeface="Calibri" panose="020F0502020204030204" pitchFamily="34" charset="0"/>
+                          <a:ea typeface="Calibri" panose="020F0502020204030204" pitchFamily="34" charset="0"/>
+                          <a:cs typeface="Calibri" panose="020F0502020204030204" pitchFamily="34" charset="0"/>
+                        </a:rPr>
+                        <a:t>± Standard </a:t>
+                      </a:r>
+                      <a:r>
+                        <a:rPr lang="pt-PT" sz="1200" dirty="0" err="1">
+                          <a:latin typeface="Calibri" panose="020F0502020204030204" pitchFamily="34" charset="0"/>
+                          <a:ea typeface="Calibri" panose="020F0502020204030204" pitchFamily="34" charset="0"/>
+                          <a:cs typeface="Calibri" panose="020F0502020204030204" pitchFamily="34" charset="0"/>
+                        </a:rPr>
+                        <a:t>deviation</a:t>
+                      </a:r>
+                      <a:endParaRPr lang="pt-PT" sz="1200" b="0" dirty="0">
+                        <a:latin typeface="Calibri" panose="020F0502020204030204" pitchFamily="34" charset="0"/>
+                        <a:ea typeface="Calibri" panose="020F0502020204030204" pitchFamily="34" charset="0"/>
+                        <a:cs typeface="Calibri" panose="020F0502020204030204" pitchFamily="34" charset="0"/>
+                      </a:endParaRPr>
+                    </a:p>
+                  </a:txBody>
+                  <a:tcPr marL="81828" marR="81828" anchor="ctr">
+                    <a:solidFill>
+                      <a:schemeClr val="bg2">
+                        <a:lumMod val="75000"/>
+                      </a:schemeClr>
+                    </a:solidFill>
+                  </a:tcPr>
+                </a:tc>
+                <a:extLst>
+                  <a:ext uri="{0D108BD9-81ED-4DB2-BD59-A6C34878D82A}">
+                    <a16:rowId xmlns:a16="http://schemas.microsoft.com/office/drawing/2014/main" val="92455586"/>
+                  </a:ext>
+                </a:extLst>
+              </a:tr>
+              <a:tr h="287466">
+                <a:tc>
+                  <a:txBody>
+                    <a:bodyPr/>
+                    <a:lstStyle/>
+                    <a:p>
+                      <a:pPr algn="ctr"/>
+                      <a:r>
+                        <a:rPr lang="pt-PT" dirty="0">
+                          <a:latin typeface="Calibri" panose="020F0502020204030204" pitchFamily="34" charset="0"/>
+                          <a:ea typeface="Calibri" panose="020F0502020204030204" pitchFamily="34" charset="0"/>
+                          <a:cs typeface="Calibri" panose="020F0502020204030204" pitchFamily="34" charset="0"/>
+                        </a:rPr>
+                        <a:t>datSeq1M.bin</a:t>
+                      </a:r>
+                    </a:p>
+                  </a:txBody>
+                  <a:tcPr anchor="ctr"/>
+                </a:tc>
+                <a:tc>
+                  <a:txBody>
+                    <a:bodyPr/>
+                    <a:lstStyle/>
+                    <a:p>
+                      <a:pPr algn="ctr"/>
+                      <a:r>
+                        <a:rPr lang="pt-PT" sz="1200" dirty="0">
+                          <a:latin typeface="Calibri" panose="020F0502020204030204" pitchFamily="34" charset="0"/>
+                          <a:ea typeface="Calibri" panose="020F0502020204030204" pitchFamily="34" charset="0"/>
+                          <a:cs typeface="Calibri" panose="020F0502020204030204" pitchFamily="34" charset="0"/>
+                        </a:rPr>
+                        <a:t>1.066 ± 0.021 s</a:t>
+                      </a:r>
+                    </a:p>
+                  </a:txBody>
+                  <a:tcPr anchor="ctr"/>
+                </a:tc>
+                <a:extLst>
+                  <a:ext uri="{0D108BD9-81ED-4DB2-BD59-A6C34878D82A}">
+                    <a16:rowId xmlns:a16="http://schemas.microsoft.com/office/drawing/2014/main" val="625706260"/>
+                  </a:ext>
+                </a:extLst>
+              </a:tr>
+            </a:tbl>
+          </a:graphicData>
+        </a:graphic>
+      </p:graphicFrame>
+      <p:graphicFrame>
+        <p:nvGraphicFramePr>
+          <p:cNvPr id="15" name="Tabela 4">
+            <a:extLst>
+              <a:ext uri="{FF2B5EF4-FFF2-40B4-BE49-F238E27FC236}">
+                <a16:creationId xmlns:a16="http://schemas.microsoft.com/office/drawing/2014/main" id="{786F5B45-4180-4D95-9696-74DDA71EEDD3}"/>
+              </a:ext>
+            </a:extLst>
+          </p:cNvPr>
+          <p:cNvGraphicFramePr>
+            <a:graphicFrameLocks/>
+          </p:cNvGraphicFramePr>
+          <p:nvPr>
+            <p:extLst>
+              <p:ext uri="{D42A27DB-BD31-4B8C-83A1-F6EECF244321}">
+                <p14:modId xmlns:p14="http://schemas.microsoft.com/office/powerpoint/2010/main" val="571352119"/>
+              </p:ext>
+            </p:extLst>
+          </p:nvPr>
+        </p:nvGraphicFramePr>
+        <p:xfrm>
+          <a:off x="7212943" y="4208757"/>
+          <a:ext cx="3841308" cy="1186675"/>
+        </p:xfrm>
+        <a:graphic>
+          <a:graphicData uri="http://schemas.openxmlformats.org/drawingml/2006/table">
+            <a:tbl>
+              <a:tblPr firstRow="1" bandRow="1">
+                <a:tableStyleId>{073A0DAA-6AF3-43AB-8588-CEC1D06C72B9}</a:tableStyleId>
+              </a:tblPr>
+              <a:tblGrid>
+                <a:gridCol w="1839619">
+                  <a:extLst>
+                    <a:ext uri="{9D8B030D-6E8A-4147-A177-3AD203B41FA5}">
+                      <a16:colId xmlns:a16="http://schemas.microsoft.com/office/drawing/2014/main" val="2688708435"/>
+                    </a:ext>
+                  </a:extLst>
+                </a:gridCol>
+                <a:gridCol w="2001689">
+                  <a:extLst>
+                    <a:ext uri="{9D8B030D-6E8A-4147-A177-3AD203B41FA5}">
+                      <a16:colId xmlns:a16="http://schemas.microsoft.com/office/drawing/2014/main" val="1516063400"/>
+                    </a:ext>
+                  </a:extLst>
+                </a:gridCol>
+              </a:tblGrid>
+              <a:tr h="287466">
+                <a:tc rowSpan="2">
+                  <a:txBody>
+                    <a:bodyPr/>
+                    <a:lstStyle/>
+                    <a:p>
+                      <a:pPr algn="ctr"/>
+                      <a:r>
+                        <a:rPr lang="pt-PT" sz="2000" b="0" dirty="0" err="1">
+                          <a:latin typeface="Calibri" panose="020F0502020204030204" pitchFamily="34" charset="0"/>
+                          <a:ea typeface="Calibri" panose="020F0502020204030204" pitchFamily="34" charset="0"/>
+                          <a:cs typeface="Calibri" panose="020F0502020204030204" pitchFamily="34" charset="0"/>
+                        </a:rPr>
+                        <a:t>Binary</a:t>
+                      </a:r>
+                      <a:r>
+                        <a:rPr lang="pt-PT" sz="2000" b="0" dirty="0">
+                          <a:latin typeface="Calibri" panose="020F0502020204030204" pitchFamily="34" charset="0"/>
+                          <a:ea typeface="Calibri" panose="020F0502020204030204" pitchFamily="34" charset="0"/>
+                          <a:cs typeface="Calibri" panose="020F0502020204030204" pitchFamily="34" charset="0"/>
+                        </a:rPr>
+                        <a:t> file</a:t>
+                      </a:r>
+                    </a:p>
+                  </a:txBody>
+                  <a:tcPr anchor="ctr"/>
+                </a:tc>
+                <a:tc>
+                  <a:txBody>
+                    <a:bodyPr/>
+                    <a:lstStyle/>
+                    <a:p>
+                      <a:pPr algn="ctr"/>
+                      <a:r>
+                        <a:rPr lang="pt-PT" b="0" dirty="0"/>
+                        <a:t>2 </a:t>
+                      </a:r>
+                      <a:r>
+                        <a:rPr lang="pt-PT" b="0" dirty="0" err="1"/>
+                        <a:t>workers</a:t>
+                      </a:r>
+                      <a:endParaRPr lang="pt-PT" b="0" dirty="0">
+                        <a:latin typeface="Calibri" panose="020F0502020204030204" pitchFamily="34" charset="0"/>
+                        <a:ea typeface="Calibri" panose="020F0502020204030204" pitchFamily="34" charset="0"/>
+                        <a:cs typeface="Calibri" panose="020F0502020204030204" pitchFamily="34" charset="0"/>
+                      </a:endParaRPr>
+                    </a:p>
+                  </a:txBody>
+                  <a:tcPr anchor="ctr"/>
+                </a:tc>
+                <a:extLst>
+                  <a:ext uri="{0D108BD9-81ED-4DB2-BD59-A6C34878D82A}">
+                    <a16:rowId xmlns:a16="http://schemas.microsoft.com/office/drawing/2014/main" val="3843915449"/>
+                  </a:ext>
+                </a:extLst>
+              </a:tr>
+              <a:tr h="455155">
+                <a:tc vMerge="1">
+                  <a:txBody>
+                    <a:bodyPr/>
+                    <a:lstStyle/>
+                    <a:p>
+                      <a:pPr algn="ctr"/>
+                      <a:endParaRPr lang="pt-PT" dirty="0">
+                        <a:latin typeface="Calibri" panose="020F0502020204030204" pitchFamily="34" charset="0"/>
+                        <a:ea typeface="Calibri" panose="020F0502020204030204" pitchFamily="34" charset="0"/>
+                        <a:cs typeface="Calibri" panose="020F0502020204030204" pitchFamily="34" charset="0"/>
+                      </a:endParaRPr>
+                    </a:p>
+                  </a:txBody>
+                  <a:tcPr/>
+                </a:tc>
+                <a:tc>
+                  <a:txBody>
+                    <a:bodyPr/>
+                    <a:lstStyle/>
+                    <a:p>
+                      <a:pPr algn="ctr"/>
+                      <a:r>
+                        <a:rPr lang="pt-PT" sz="1200" b="0" dirty="0" err="1">
+                          <a:latin typeface="Calibri" panose="020F0502020204030204" pitchFamily="34" charset="0"/>
+                          <a:ea typeface="Calibri" panose="020F0502020204030204" pitchFamily="34" charset="0"/>
+                          <a:cs typeface="Calibri" panose="020F0502020204030204" pitchFamily="34" charset="0"/>
+                        </a:rPr>
+                        <a:t>Mean</a:t>
+                      </a:r>
+                      <a:r>
+                        <a:rPr lang="pt-PT" sz="1200" b="0" dirty="0">
+                          <a:latin typeface="Calibri" panose="020F0502020204030204" pitchFamily="34" charset="0"/>
+                          <a:ea typeface="Calibri" panose="020F0502020204030204" pitchFamily="34" charset="0"/>
+                          <a:cs typeface="Calibri" panose="020F0502020204030204" pitchFamily="34" charset="0"/>
+                        </a:rPr>
+                        <a:t> </a:t>
+                      </a:r>
+                      <a:r>
+                        <a:rPr lang="pt-PT" sz="1200" dirty="0">
+                          <a:latin typeface="Calibri" panose="020F0502020204030204" pitchFamily="34" charset="0"/>
+                          <a:ea typeface="Calibri" panose="020F0502020204030204" pitchFamily="34" charset="0"/>
+                          <a:cs typeface="Calibri" panose="020F0502020204030204" pitchFamily="34" charset="0"/>
+                        </a:rPr>
+                        <a:t>± Standard </a:t>
+                      </a:r>
+                      <a:r>
+                        <a:rPr lang="pt-PT" sz="1200" dirty="0" err="1">
+                          <a:latin typeface="Calibri" panose="020F0502020204030204" pitchFamily="34" charset="0"/>
+                          <a:ea typeface="Calibri" panose="020F0502020204030204" pitchFamily="34" charset="0"/>
+                          <a:cs typeface="Calibri" panose="020F0502020204030204" pitchFamily="34" charset="0"/>
+                        </a:rPr>
+                        <a:t>deviation</a:t>
+                      </a:r>
+                      <a:endParaRPr lang="pt-PT" sz="1200" b="0" dirty="0">
+                        <a:latin typeface="Calibri" panose="020F0502020204030204" pitchFamily="34" charset="0"/>
+                        <a:ea typeface="Calibri" panose="020F0502020204030204" pitchFamily="34" charset="0"/>
+                        <a:cs typeface="Calibri" panose="020F0502020204030204" pitchFamily="34" charset="0"/>
+                      </a:endParaRPr>
+                    </a:p>
+                  </a:txBody>
+                  <a:tcPr marL="81828" marR="81828" anchor="ctr">
+                    <a:solidFill>
+                      <a:schemeClr val="bg2">
+                        <a:lumMod val="75000"/>
+                      </a:schemeClr>
+                    </a:solidFill>
+                  </a:tcPr>
+                </a:tc>
+                <a:extLst>
+                  <a:ext uri="{0D108BD9-81ED-4DB2-BD59-A6C34878D82A}">
+                    <a16:rowId xmlns:a16="http://schemas.microsoft.com/office/drawing/2014/main" val="92455586"/>
+                  </a:ext>
+                </a:extLst>
+              </a:tr>
+              <a:tr h="287466">
+                <a:tc>
+                  <a:txBody>
+                    <a:bodyPr/>
+                    <a:lstStyle/>
+                    <a:p>
+                      <a:pPr algn="ctr"/>
+                      <a:r>
+                        <a:rPr lang="pt-PT" dirty="0">
+                          <a:latin typeface="Calibri" panose="020F0502020204030204" pitchFamily="34" charset="0"/>
+                          <a:ea typeface="Calibri" panose="020F0502020204030204" pitchFamily="34" charset="0"/>
+                          <a:cs typeface="Calibri" panose="020F0502020204030204" pitchFamily="34" charset="0"/>
+                        </a:rPr>
+                        <a:t>datSeq1M.bin</a:t>
+                      </a:r>
+                    </a:p>
+                  </a:txBody>
+                  <a:tcPr anchor="ctr"/>
+                </a:tc>
+                <a:tc>
+                  <a:txBody>
+                    <a:bodyPr/>
+                    <a:lstStyle/>
+                    <a:p>
+                      <a:pPr algn="ctr"/>
+                      <a:r>
+                        <a:rPr lang="pt-PT" sz="1200" dirty="0">
+                          <a:latin typeface="Calibri" panose="020F0502020204030204" pitchFamily="34" charset="0"/>
+                          <a:ea typeface="Calibri" panose="020F0502020204030204" pitchFamily="34" charset="0"/>
+                          <a:cs typeface="Calibri" panose="020F0502020204030204" pitchFamily="34" charset="0"/>
+                        </a:rPr>
+                        <a:t>4.2942 ± 0.0005 </a:t>
+                      </a:r>
+                      <a:r>
+                        <a:rPr lang="pt-PT" sz="1200" dirty="0" err="1">
+                          <a:latin typeface="Calibri" panose="020F0502020204030204" pitchFamily="34" charset="0"/>
+                          <a:ea typeface="Calibri" panose="020F0502020204030204" pitchFamily="34" charset="0"/>
+                          <a:cs typeface="Calibri" panose="020F0502020204030204" pitchFamily="34" charset="0"/>
+                        </a:rPr>
+                        <a:t>ms</a:t>
+                      </a:r>
+                      <a:endParaRPr lang="pt-PT" sz="1200" dirty="0">
+                        <a:latin typeface="Calibri" panose="020F0502020204030204" pitchFamily="34" charset="0"/>
+                        <a:ea typeface="Calibri" panose="020F0502020204030204" pitchFamily="34" charset="0"/>
+                        <a:cs typeface="Calibri" panose="020F0502020204030204" pitchFamily="34" charset="0"/>
+                      </a:endParaRPr>
+                    </a:p>
+                  </a:txBody>
+                  <a:tcPr anchor="ctr"/>
+                </a:tc>
+                <a:extLst>
+                  <a:ext uri="{0D108BD9-81ED-4DB2-BD59-A6C34878D82A}">
+                    <a16:rowId xmlns:a16="http://schemas.microsoft.com/office/drawing/2014/main" val="625706260"/>
+                  </a:ext>
+                </a:extLst>
+              </a:tr>
+            </a:tbl>
+          </a:graphicData>
+        </a:graphic>
+      </p:graphicFrame>
+      <p:sp>
+        <p:nvSpPr>
+          <p:cNvPr id="17" name="CaixaDeTexto 16">
+            <a:extLst>
+              <a:ext uri="{FF2B5EF4-FFF2-40B4-BE49-F238E27FC236}">
+                <a16:creationId xmlns:a16="http://schemas.microsoft.com/office/drawing/2014/main" id="{CCF60E74-C957-45DE-9EF3-C0816DC723CF}"/>
+              </a:ext>
+            </a:extLst>
+          </p:cNvPr>
+          <p:cNvSpPr txBox="1"/>
+          <p:nvPr/>
+        </p:nvSpPr>
+        <p:spPr>
+          <a:xfrm>
+            <a:off x="7212943" y="3845834"/>
+            <a:ext cx="3841309" cy="369332"/>
+          </a:xfrm>
+          <a:prstGeom prst="rect">
+            <a:avLst/>
+          </a:prstGeom>
+          <a:noFill/>
+        </p:spPr>
+        <p:txBody>
+          <a:bodyPr wrap="square" rtlCol="0">
+            <a:spAutoFit/>
+          </a:bodyPr>
+          <a:lstStyle/>
+          <a:p>
+            <a:pPr algn="ctr"/>
+            <a:r>
+              <a:rPr lang="pt-PT" b="1" i="1" dirty="0"/>
+              <a:t>CUDA </a:t>
+            </a:r>
+            <a:r>
+              <a:rPr lang="pt-PT" b="1" i="1" dirty="0" err="1"/>
+              <a:t>solution</a:t>
+            </a:r>
+            <a:r>
+              <a:rPr lang="pt-PT" b="1" i="1" dirty="0"/>
+              <a:t> (GPU)</a:t>
+            </a:r>
+          </a:p>
+        </p:txBody>
+      </p:sp>
+      <p:sp>
+        <p:nvSpPr>
+          <p:cNvPr id="19" name="CaixaDeTexto 18">
+            <a:extLst>
+              <a:ext uri="{FF2B5EF4-FFF2-40B4-BE49-F238E27FC236}">
+                <a16:creationId xmlns:a16="http://schemas.microsoft.com/office/drawing/2014/main" id="{DCFF7FF1-23FC-4FDA-8365-B484898925CC}"/>
+              </a:ext>
+            </a:extLst>
+          </p:cNvPr>
+          <p:cNvSpPr txBox="1"/>
+          <p:nvPr/>
+        </p:nvSpPr>
+        <p:spPr>
+          <a:xfrm>
+            <a:off x="1692119" y="3845834"/>
+            <a:ext cx="3841309" cy="369332"/>
+          </a:xfrm>
+          <a:prstGeom prst="rect">
+            <a:avLst/>
+          </a:prstGeom>
+          <a:noFill/>
+        </p:spPr>
+        <p:txBody>
+          <a:bodyPr wrap="square" rtlCol="0">
+            <a:spAutoFit/>
+          </a:bodyPr>
+          <a:lstStyle/>
+          <a:p>
+            <a:pPr algn="ctr"/>
+            <a:r>
+              <a:rPr lang="pt-PT" i="1" dirty="0"/>
+              <a:t>Single </a:t>
+            </a:r>
+            <a:r>
+              <a:rPr lang="pt-PT" i="1" dirty="0" err="1"/>
+              <a:t>thread</a:t>
+            </a:r>
+            <a:r>
+              <a:rPr lang="pt-PT" i="1" dirty="0"/>
+              <a:t> </a:t>
+            </a:r>
+            <a:r>
+              <a:rPr lang="pt-PT" i="1" dirty="0" err="1"/>
+              <a:t>solution</a:t>
+            </a:r>
+            <a:r>
+              <a:rPr lang="pt-PT" i="1" dirty="0"/>
+              <a:t> (CPU)</a:t>
+            </a:r>
+          </a:p>
+        </p:txBody>
+      </p:sp>
+      <p:graphicFrame>
+        <p:nvGraphicFramePr>
+          <p:cNvPr id="20" name="Tabela 4">
+            <a:extLst>
+              <a:ext uri="{FF2B5EF4-FFF2-40B4-BE49-F238E27FC236}">
+                <a16:creationId xmlns:a16="http://schemas.microsoft.com/office/drawing/2014/main" id="{0ACCDE5B-8695-4D09-B7F9-48BA52042C7C}"/>
+              </a:ext>
+            </a:extLst>
+          </p:cNvPr>
+          <p:cNvGraphicFramePr>
+            <a:graphicFrameLocks/>
+          </p:cNvGraphicFramePr>
+          <p:nvPr/>
+        </p:nvGraphicFramePr>
+        <p:xfrm>
+          <a:off x="1643089" y="4208756"/>
+          <a:ext cx="3841308" cy="1186675"/>
+        </p:xfrm>
+        <a:graphic>
+          <a:graphicData uri="http://schemas.openxmlformats.org/drawingml/2006/table">
+            <a:tbl>
+              <a:tblPr firstRow="1" bandRow="1">
+                <a:tableStyleId>{073A0DAA-6AF3-43AB-8588-CEC1D06C72B9}</a:tableStyleId>
+              </a:tblPr>
+              <a:tblGrid>
+                <a:gridCol w="1839619">
+                  <a:extLst>
+                    <a:ext uri="{9D8B030D-6E8A-4147-A177-3AD203B41FA5}">
+                      <a16:colId xmlns:a16="http://schemas.microsoft.com/office/drawing/2014/main" val="2688708435"/>
+                    </a:ext>
+                  </a:extLst>
+                </a:gridCol>
+                <a:gridCol w="2001689">
+                  <a:extLst>
+                    <a:ext uri="{9D8B030D-6E8A-4147-A177-3AD203B41FA5}">
+                      <a16:colId xmlns:a16="http://schemas.microsoft.com/office/drawing/2014/main" val="1516063400"/>
+                    </a:ext>
+                  </a:extLst>
+                </a:gridCol>
+              </a:tblGrid>
+              <a:tr h="287466">
+                <a:tc rowSpan="2">
+                  <a:txBody>
+                    <a:bodyPr/>
+                    <a:lstStyle/>
+                    <a:p>
+                      <a:pPr algn="ctr"/>
+                      <a:r>
+                        <a:rPr lang="pt-PT" sz="2000" b="0" dirty="0" err="1">
+                          <a:latin typeface="Calibri" panose="020F0502020204030204" pitchFamily="34" charset="0"/>
+                          <a:ea typeface="Calibri" panose="020F0502020204030204" pitchFamily="34" charset="0"/>
+                          <a:cs typeface="Calibri" panose="020F0502020204030204" pitchFamily="34" charset="0"/>
+                        </a:rPr>
+                        <a:t>Binary</a:t>
+                      </a:r>
+                      <a:r>
+                        <a:rPr lang="pt-PT" sz="2000" b="0" dirty="0">
+                          <a:latin typeface="Calibri" panose="020F0502020204030204" pitchFamily="34" charset="0"/>
+                          <a:ea typeface="Calibri" panose="020F0502020204030204" pitchFamily="34" charset="0"/>
+                          <a:cs typeface="Calibri" panose="020F0502020204030204" pitchFamily="34" charset="0"/>
+                        </a:rPr>
+                        <a:t> file</a:t>
+                      </a:r>
+                    </a:p>
+                  </a:txBody>
+                  <a:tcPr anchor="ctr"/>
+                </a:tc>
+                <a:tc>
+                  <a:txBody>
+                    <a:bodyPr/>
+                    <a:lstStyle/>
+                    <a:p>
+                      <a:pPr algn="ctr"/>
+                      <a:r>
+                        <a:rPr lang="pt-PT" b="0" dirty="0"/>
+                        <a:t>2 </a:t>
+                      </a:r>
+                      <a:r>
+                        <a:rPr lang="pt-PT" b="0" dirty="0" err="1"/>
+                        <a:t>workers</a:t>
+                      </a:r>
+                      <a:endParaRPr lang="pt-PT" b="0" dirty="0">
+                        <a:latin typeface="Calibri" panose="020F0502020204030204" pitchFamily="34" charset="0"/>
+                        <a:ea typeface="Calibri" panose="020F0502020204030204" pitchFamily="34" charset="0"/>
+                        <a:cs typeface="Calibri" panose="020F0502020204030204" pitchFamily="34" charset="0"/>
+                      </a:endParaRPr>
+                    </a:p>
+                  </a:txBody>
+                  <a:tcPr anchor="ctr"/>
+                </a:tc>
+                <a:extLst>
+                  <a:ext uri="{0D108BD9-81ED-4DB2-BD59-A6C34878D82A}">
+                    <a16:rowId xmlns:a16="http://schemas.microsoft.com/office/drawing/2014/main" val="3843915449"/>
+                  </a:ext>
+                </a:extLst>
+              </a:tr>
+              <a:tr h="455155">
+                <a:tc vMerge="1">
+                  <a:txBody>
+                    <a:bodyPr/>
+                    <a:lstStyle/>
+                    <a:p>
+                      <a:pPr algn="ctr"/>
+                      <a:endParaRPr lang="pt-PT" dirty="0">
+                        <a:latin typeface="Calibri" panose="020F0502020204030204" pitchFamily="34" charset="0"/>
+                        <a:ea typeface="Calibri" panose="020F0502020204030204" pitchFamily="34" charset="0"/>
+                        <a:cs typeface="Calibri" panose="020F0502020204030204" pitchFamily="34" charset="0"/>
+                      </a:endParaRPr>
+                    </a:p>
+                  </a:txBody>
+                  <a:tcPr/>
+                </a:tc>
+                <a:tc>
+                  <a:txBody>
+                    <a:bodyPr/>
+                    <a:lstStyle/>
+                    <a:p>
+                      <a:pPr algn="ctr"/>
+                      <a:r>
+                        <a:rPr lang="pt-PT" sz="1200" b="0" dirty="0" err="1">
+                          <a:latin typeface="Calibri" panose="020F0502020204030204" pitchFamily="34" charset="0"/>
+                          <a:ea typeface="Calibri" panose="020F0502020204030204" pitchFamily="34" charset="0"/>
+                          <a:cs typeface="Calibri" panose="020F0502020204030204" pitchFamily="34" charset="0"/>
+                        </a:rPr>
+                        <a:t>Mean</a:t>
+                      </a:r>
+                      <a:r>
+                        <a:rPr lang="pt-PT" sz="1200" b="0" dirty="0">
+                          <a:latin typeface="Calibri" panose="020F0502020204030204" pitchFamily="34" charset="0"/>
+                          <a:ea typeface="Calibri" panose="020F0502020204030204" pitchFamily="34" charset="0"/>
+                          <a:cs typeface="Calibri" panose="020F0502020204030204" pitchFamily="34" charset="0"/>
+                        </a:rPr>
+                        <a:t> </a:t>
+                      </a:r>
+                      <a:r>
+                        <a:rPr lang="pt-PT" sz="1200" dirty="0">
+                          <a:latin typeface="Calibri" panose="020F0502020204030204" pitchFamily="34" charset="0"/>
+                          <a:ea typeface="Calibri" panose="020F0502020204030204" pitchFamily="34" charset="0"/>
+                          <a:cs typeface="Calibri" panose="020F0502020204030204" pitchFamily="34" charset="0"/>
+                        </a:rPr>
+                        <a:t>± Standard </a:t>
+                      </a:r>
+                      <a:r>
+                        <a:rPr lang="pt-PT" sz="1200" dirty="0" err="1">
+                          <a:latin typeface="Calibri" panose="020F0502020204030204" pitchFamily="34" charset="0"/>
+                          <a:ea typeface="Calibri" panose="020F0502020204030204" pitchFamily="34" charset="0"/>
+                          <a:cs typeface="Calibri" panose="020F0502020204030204" pitchFamily="34" charset="0"/>
+                        </a:rPr>
+                        <a:t>deviation</a:t>
+                      </a:r>
+                      <a:endParaRPr lang="pt-PT" sz="1200" b="0" dirty="0">
+                        <a:latin typeface="Calibri" panose="020F0502020204030204" pitchFamily="34" charset="0"/>
+                        <a:ea typeface="Calibri" panose="020F0502020204030204" pitchFamily="34" charset="0"/>
+                        <a:cs typeface="Calibri" panose="020F0502020204030204" pitchFamily="34" charset="0"/>
+                      </a:endParaRPr>
+                    </a:p>
+                  </a:txBody>
+                  <a:tcPr marL="81828" marR="81828" anchor="ctr">
+                    <a:solidFill>
+                      <a:schemeClr val="bg2">
+                        <a:lumMod val="75000"/>
+                      </a:schemeClr>
+                    </a:solidFill>
+                  </a:tcPr>
+                </a:tc>
+                <a:extLst>
+                  <a:ext uri="{0D108BD9-81ED-4DB2-BD59-A6C34878D82A}">
+                    <a16:rowId xmlns:a16="http://schemas.microsoft.com/office/drawing/2014/main" val="92455586"/>
+                  </a:ext>
+                </a:extLst>
+              </a:tr>
+              <a:tr h="287466">
+                <a:tc>
+                  <a:txBody>
+                    <a:bodyPr/>
+                    <a:lstStyle/>
+                    <a:p>
+                      <a:pPr algn="ctr"/>
+                      <a:r>
+                        <a:rPr lang="pt-PT" dirty="0">
+                          <a:latin typeface="Calibri" panose="020F0502020204030204" pitchFamily="34" charset="0"/>
+                          <a:ea typeface="Calibri" panose="020F0502020204030204" pitchFamily="34" charset="0"/>
+                          <a:cs typeface="Calibri" panose="020F0502020204030204" pitchFamily="34" charset="0"/>
+                        </a:rPr>
+                        <a:t>datSeq1M.bin</a:t>
+                      </a:r>
+                    </a:p>
+                  </a:txBody>
+                  <a:tcPr anchor="ctr"/>
+                </a:tc>
+                <a:tc>
+                  <a:txBody>
+                    <a:bodyPr/>
+                    <a:lstStyle/>
+                    <a:p>
+                      <a:pPr algn="ctr"/>
+                      <a:r>
+                        <a:rPr lang="pt-PT" sz="1200" dirty="0">
+                          <a:latin typeface="Calibri" panose="020F0502020204030204" pitchFamily="34" charset="0"/>
+                          <a:ea typeface="Calibri" panose="020F0502020204030204" pitchFamily="34" charset="0"/>
+                          <a:cs typeface="Calibri" panose="020F0502020204030204" pitchFamily="34" charset="0"/>
+                        </a:rPr>
+                        <a:t>763.4 ± 19.9 </a:t>
+                      </a:r>
+                      <a:r>
+                        <a:rPr lang="pt-PT" sz="1200" dirty="0" err="1">
+                          <a:latin typeface="Calibri" panose="020F0502020204030204" pitchFamily="34" charset="0"/>
+                          <a:ea typeface="Calibri" panose="020F0502020204030204" pitchFamily="34" charset="0"/>
+                          <a:cs typeface="Calibri" panose="020F0502020204030204" pitchFamily="34" charset="0"/>
+                        </a:rPr>
+                        <a:t>ms</a:t>
+                      </a:r>
+                      <a:endParaRPr lang="pt-PT" sz="1200" dirty="0">
+                        <a:latin typeface="Calibri" panose="020F0502020204030204" pitchFamily="34" charset="0"/>
+                        <a:ea typeface="Calibri" panose="020F0502020204030204" pitchFamily="34" charset="0"/>
+                        <a:cs typeface="Calibri" panose="020F0502020204030204" pitchFamily="34" charset="0"/>
+                      </a:endParaRPr>
+                    </a:p>
+                  </a:txBody>
+                  <a:tcPr anchor="ctr"/>
+                </a:tc>
+                <a:extLst>
+                  <a:ext uri="{0D108BD9-81ED-4DB2-BD59-A6C34878D82A}">
+                    <a16:rowId xmlns:a16="http://schemas.microsoft.com/office/drawing/2014/main" val="625706260"/>
+                  </a:ext>
+                </a:extLst>
+              </a:tr>
+            </a:tbl>
+          </a:graphicData>
+        </a:graphic>
+      </p:graphicFrame>
+      <p:sp>
+        <p:nvSpPr>
+          <p:cNvPr id="21" name="CaixaDeTexto 20">
+            <a:extLst>
+              <a:ext uri="{FF2B5EF4-FFF2-40B4-BE49-F238E27FC236}">
+                <a16:creationId xmlns:a16="http://schemas.microsoft.com/office/drawing/2014/main" id="{3FFF7C7E-18CD-4FD5-A69D-02BFAC8FC99E}"/>
+              </a:ext>
+            </a:extLst>
+          </p:cNvPr>
+          <p:cNvSpPr txBox="1"/>
+          <p:nvPr/>
+        </p:nvSpPr>
+        <p:spPr>
+          <a:xfrm>
+            <a:off x="394637" y="4210905"/>
+            <a:ext cx="1297482" cy="1169551"/>
+          </a:xfrm>
+          <a:prstGeom prst="rect">
+            <a:avLst/>
+          </a:prstGeom>
+          <a:noFill/>
+        </p:spPr>
+        <p:txBody>
+          <a:bodyPr wrap="square" rtlCol="0">
+            <a:spAutoFit/>
+          </a:bodyPr>
+          <a:lstStyle/>
+          <a:p>
+            <a:r>
+              <a:rPr lang="pt-PT" sz="1400" b="1" dirty="0" err="1"/>
+              <a:t>Remote</a:t>
+            </a:r>
+            <a:r>
+              <a:rPr lang="pt-PT" sz="1400" b="1" dirty="0"/>
+              <a:t> PC </a:t>
+            </a:r>
+            <a:r>
+              <a:rPr lang="pt-PT" sz="1400" b="1" dirty="0" err="1"/>
+              <a:t>Specs</a:t>
+            </a:r>
+            <a:r>
+              <a:rPr lang="pt-PT" sz="1400" b="1" dirty="0"/>
+              <a:t>:</a:t>
+            </a:r>
+          </a:p>
+          <a:p>
+            <a:endParaRPr lang="pt-PT" sz="1400" dirty="0"/>
+          </a:p>
+          <a:p>
+            <a:r>
+              <a:rPr lang="pt-PT" sz="1400" dirty="0"/>
+              <a:t>GPU: </a:t>
+            </a:r>
+            <a:r>
+              <a:rPr lang="pt-PT" sz="1400" dirty="0" err="1"/>
+              <a:t>Nvidia</a:t>
+            </a:r>
+            <a:r>
+              <a:rPr lang="pt-PT" sz="1400" dirty="0"/>
+              <a:t> GTX 1660 TI</a:t>
+            </a:r>
+          </a:p>
+        </p:txBody>
+      </p:sp>
+    </p:spTree>
+    <p:extLst>
+      <p:ext uri="{BB962C8B-B14F-4D97-AF65-F5344CB8AC3E}">
+        <p14:creationId xmlns:p14="http://schemas.microsoft.com/office/powerpoint/2010/main" val="4130691101"/>
+      </p:ext>
+    </p:extLst>
+  </p:cSld>
+  <p:clrMapOvr>
+    <a:masterClrMapping/>
+  </p:clrMapOvr>
+</p:sld>
+</file>
+
+<file path=ppt/slides/slide6.xml><?xml version="1.0" encoding="utf-8"?>
+<p:sld xmlns:a="http://schemas.openxmlformats.org/drawingml/2006/main" xmlns:r="http://schemas.openxmlformats.org/officeDocument/2006/relationships" xmlns:p="http://schemas.openxmlformats.org/presentationml/2006/main">
+  <p:cSld>
+    <p:spTree>
+      <p:nvGrpSpPr>
+        <p:cNvPr id="1" name=""/>
+        <p:cNvGrpSpPr/>
+        <p:nvPr/>
+      </p:nvGrpSpPr>
+      <p:grpSpPr>
+        <a:xfrm>
+          <a:off x="0" y="0"/>
+          <a:ext cx="0" cy="0"/>
+          <a:chOff x="0" y="0"/>
+          <a:chExt cx="0" cy="0"/>
+        </a:xfrm>
+      </p:grpSpPr>
+      <p:sp>
+        <p:nvSpPr>
           <p:cNvPr id="2" name="Título 1">
             <a:extLst>
               <a:ext uri="{FF2B5EF4-FFF2-40B4-BE49-F238E27FC236}">
@@ -6689,23 +8820,23 @@
           <a:lstStyle/>
           <a:p>
             <a:r>
+              <a:rPr lang="pt-PT" sz="3600" b="1" dirty="0">
+                <a:latin typeface="Calibri" panose="020F0502020204030204" pitchFamily="34" charset="0"/>
+                <a:ea typeface="Calibri" panose="020F0502020204030204" pitchFamily="34" charset="0"/>
+                <a:cs typeface="Calibri" panose="020F0502020204030204" pitchFamily="34" charset="0"/>
+              </a:rPr>
+              <a:t>CUDA </a:t>
+            </a:r>
+            <a:r>
               <a:rPr lang="pt-PT" sz="3600" b="1" dirty="0" err="1">
                 <a:latin typeface="Calibri" panose="020F0502020204030204" pitchFamily="34" charset="0"/>
                 <a:ea typeface="Calibri" panose="020F0502020204030204" pitchFamily="34" charset="0"/>
                 <a:cs typeface="Calibri" panose="020F0502020204030204" pitchFamily="34" charset="0"/>
               </a:rPr>
-              <a:t>Program</a:t>
-            </a:r>
-            <a:r>
+              <a:t>solution</a:t>
+            </a:r>
+            <a:br>
               <a:rPr lang="pt-PT" sz="3600" b="1" dirty="0">
-                <a:latin typeface="Calibri" panose="020F0502020204030204" pitchFamily="34" charset="0"/>
-                <a:ea typeface="Calibri" panose="020F0502020204030204" pitchFamily="34" charset="0"/>
-                <a:cs typeface="Calibri" panose="020F0502020204030204" pitchFamily="34" charset="0"/>
-              </a:rPr>
-              <a:t> 2</a:t>
-            </a:r>
-            <a:br>
-              <a:rPr lang="pt-PT" dirty="0">
                 <a:latin typeface="Calibri" panose="020F0502020204030204" pitchFamily="34" charset="0"/>
                 <a:ea typeface="Calibri" panose="020F0502020204030204" pitchFamily="34" charset="0"/>
                 <a:cs typeface="Calibri" panose="020F0502020204030204" pitchFamily="34" charset="0"/>
@@ -6771,17 +8902,79 @@
             <a:endParaRPr lang="pt-PT" b="1" dirty="0"/>
           </a:p>
           <a:p>
-            <a:pPr marL="274320" lvl="1" indent="0" algn="just">
+            <a:pPr lvl="1" algn="just"/>
+            <a:r>
+              <a:rPr lang="pt-PT" b="1" dirty="0"/>
+              <a:t>A</a:t>
+            </a:r>
+          </a:p>
+          <a:p>
+            <a:pPr lvl="1" algn="just"/>
+            <a:r>
+              <a:rPr lang="pt-PT" b="1" dirty="0"/>
+              <a:t>B</a:t>
+            </a:r>
+          </a:p>
+          <a:p>
+            <a:pPr lvl="1" algn="just"/>
+            <a:r>
+              <a:rPr lang="pt-PT" b="1" dirty="0"/>
+              <a:t>C</a:t>
+            </a:r>
+            <a:endParaRPr lang="pt-PT" dirty="0"/>
+          </a:p>
+          <a:p>
+            <a:pPr algn="just"/>
+            <a:r>
+              <a:rPr lang="en-US" b="1" dirty="0"/>
+              <a:t>Outcome</a:t>
+            </a:r>
+          </a:p>
+          <a:p>
+            <a:pPr lvl="1" algn="just"/>
+            <a:r>
+              <a:rPr lang="en-US" dirty="0"/>
+              <a:t>A</a:t>
+            </a:r>
+          </a:p>
+          <a:p>
+            <a:pPr lvl="1" algn="just"/>
+            <a:r>
+              <a:rPr lang="en-US" dirty="0"/>
+              <a:t>B</a:t>
+            </a:r>
+          </a:p>
+          <a:p>
+            <a:pPr lvl="1" algn="just"/>
+            <a:r>
+              <a:rPr lang="en-US" dirty="0"/>
+              <a:t>C</a:t>
+            </a:r>
+          </a:p>
+          <a:p>
+            <a:pPr lvl="1" algn="just"/>
+            <a:endParaRPr lang="en-US" b="1" dirty="0"/>
+          </a:p>
+          <a:p>
+            <a:pPr algn="just"/>
+            <a:r>
+              <a:rPr lang="en-US" b="1" i="1" dirty="0"/>
+              <a:t>Is it worthwhile to use the GPU to solve this kind of problem?</a:t>
+            </a:r>
+          </a:p>
+          <a:p>
+            <a:pPr marL="0" indent="0" algn="just">
               <a:buNone/>
             </a:pPr>
-            <a:endParaRPr lang="pt-PT" dirty="0"/>
-          </a:p>
-          <a:p>
-            <a:pPr algn="just"/>
-            <a:r>
-              <a:rPr lang="en-US" b="1" dirty="0"/>
-              <a:t>Outcome</a:t>
-            </a:r>
+            <a:r>
+              <a:rPr lang="en-US" dirty="0"/>
+              <a:t>	</a:t>
+            </a:r>
+            <a:r>
+              <a:rPr lang="en-US" sz="1600" dirty="0"/>
+              <a:t>.: A</a:t>
+            </a:r>
+            <a:endParaRPr lang="en-US" dirty="0"/>
           </a:p>
           <a:p>
             <a:pPr lvl="1"/>

--- a/CLE3_T3G5/present.pptx
+++ b/CLE3_T3G5/present.pptx
@@ -285,7 +285,7 @@
           <a:p>
             <a:fld id="{65E3D7AB-6C06-41C6-99AC-C74008AD09CE}" type="datetimeFigureOut">
               <a:rPr lang="pt-PT" smtClean="0"/>
-              <a:t>31/05/2023</a:t>
+              <a:t>01/06/2023</a:t>
             </a:fld>
             <a:endParaRPr lang="pt-PT"/>
           </a:p>
@@ -513,7 +513,7 @@
           <a:p>
             <a:fld id="{65E3D7AB-6C06-41C6-99AC-C74008AD09CE}" type="datetimeFigureOut">
               <a:rPr lang="pt-PT" smtClean="0"/>
-              <a:t>31/05/2023</a:t>
+              <a:t>01/06/2023</a:t>
             </a:fld>
             <a:endParaRPr lang="pt-PT"/>
           </a:p>
@@ -693,7 +693,7 @@
           <a:p>
             <a:fld id="{65E3D7AB-6C06-41C6-99AC-C74008AD09CE}" type="datetimeFigureOut">
               <a:rPr lang="pt-PT" smtClean="0"/>
-              <a:t>31/05/2023</a:t>
+              <a:t>01/06/2023</a:t>
             </a:fld>
             <a:endParaRPr lang="pt-PT"/>
           </a:p>
@@ -863,7 +863,7 @@
           <a:p>
             <a:fld id="{65E3D7AB-6C06-41C6-99AC-C74008AD09CE}" type="datetimeFigureOut">
               <a:rPr lang="pt-PT" smtClean="0"/>
-              <a:t>31/05/2023</a:t>
+              <a:t>01/06/2023</a:t>
             </a:fld>
             <a:endParaRPr lang="pt-PT"/>
           </a:p>
@@ -1117,7 +1117,7 @@
           <a:p>
             <a:fld id="{65E3D7AB-6C06-41C6-99AC-C74008AD09CE}" type="datetimeFigureOut">
               <a:rPr lang="pt-PT" smtClean="0"/>
-              <a:t>31/05/2023</a:t>
+              <a:t>01/06/2023</a:t>
             </a:fld>
             <a:endParaRPr lang="pt-PT"/>
           </a:p>
@@ -1443,7 +1443,7 @@
           <a:p>
             <a:fld id="{65E3D7AB-6C06-41C6-99AC-C74008AD09CE}" type="datetimeFigureOut">
               <a:rPr lang="pt-PT" smtClean="0"/>
-              <a:t>31/05/2023</a:t>
+              <a:t>01/06/2023</a:t>
             </a:fld>
             <a:endParaRPr lang="pt-PT"/>
           </a:p>
@@ -1894,7 +1894,7 @@
           <a:p>
             <a:fld id="{65E3D7AB-6C06-41C6-99AC-C74008AD09CE}" type="datetimeFigureOut">
               <a:rPr lang="pt-PT" smtClean="0"/>
-              <a:t>31/05/2023</a:t>
+              <a:t>01/06/2023</a:t>
             </a:fld>
             <a:endParaRPr lang="pt-PT"/>
           </a:p>
@@ -2012,7 +2012,7 @@
           <a:p>
             <a:fld id="{65E3D7AB-6C06-41C6-99AC-C74008AD09CE}" type="datetimeFigureOut">
               <a:rPr lang="pt-PT" smtClean="0"/>
-              <a:t>31/05/2023</a:t>
+              <a:t>01/06/2023</a:t>
             </a:fld>
             <a:endParaRPr lang="pt-PT"/>
           </a:p>
@@ -2107,7 +2107,7 @@
           <a:p>
             <a:fld id="{65E3D7AB-6C06-41C6-99AC-C74008AD09CE}" type="datetimeFigureOut">
               <a:rPr lang="pt-PT" smtClean="0"/>
-              <a:t>31/05/2023</a:t>
+              <a:t>01/06/2023</a:t>
             </a:fld>
             <a:endParaRPr lang="pt-PT"/>
           </a:p>
@@ -2394,7 +2394,7 @@
           <a:p>
             <a:fld id="{65E3D7AB-6C06-41C6-99AC-C74008AD09CE}" type="datetimeFigureOut">
               <a:rPr lang="pt-PT" smtClean="0"/>
-              <a:t>31/05/2023</a:t>
+              <a:t>01/06/2023</a:t>
             </a:fld>
             <a:endParaRPr lang="pt-PT"/>
           </a:p>
@@ -2716,7 +2716,7 @@
           <a:p>
             <a:fld id="{65E3D7AB-6C06-41C6-99AC-C74008AD09CE}" type="datetimeFigureOut">
               <a:rPr lang="pt-PT" smtClean="0"/>
-              <a:t>31/05/2023</a:t>
+              <a:t>01/06/2023</a:t>
             </a:fld>
             <a:endParaRPr lang="pt-PT"/>
           </a:p>
@@ -2970,7 +2970,7 @@
           <a:p>
             <a:fld id="{65E3D7AB-6C06-41C6-99AC-C74008AD09CE}" type="datetimeFigureOut">
               <a:rPr lang="pt-PT" smtClean="0"/>
-              <a:t>31/05/2023</a:t>
+              <a:t>01/06/2023</a:t>
             </a:fld>
             <a:endParaRPr lang="pt-PT"/>
           </a:p>
@@ -5724,7 +5724,7 @@
           <p:nvPr>
             <p:extLst>
               <p:ext uri="{D42A27DB-BD31-4B8C-83A1-F6EECF244321}">
-                <p14:modId xmlns:p14="http://schemas.microsoft.com/office/powerpoint/2010/main" val="1905764435"/>
+                <p14:modId xmlns:p14="http://schemas.microsoft.com/office/powerpoint/2010/main" val="58314036"/>
               </p:ext>
             </p:extLst>
           </p:nvPr>
@@ -5789,12 +5789,28 @@
                     <a:p>
                       <a:pPr algn="ctr"/>
                       <a:r>
-                        <a:rPr lang="pt-PT" b="0" dirty="0"/>
-                        <a:t>2 </a:t>
+                        <a:rPr lang="pt-PT" b="0" dirty="0" err="1">
+                          <a:latin typeface="Calibri" panose="020F0502020204030204" pitchFamily="34" charset="0"/>
+                          <a:ea typeface="Calibri" panose="020F0502020204030204" pitchFamily="34" charset="0"/>
+                          <a:cs typeface="Calibri" panose="020F0502020204030204" pitchFamily="34" charset="0"/>
+                        </a:rPr>
+                        <a:t>Optimum</a:t>
                       </a:r>
                       <a:r>
-                        <a:rPr lang="pt-PT" b="0" dirty="0" err="1"/>
-                        <a:t>workers</a:t>
+                        <a:rPr lang="pt-PT" b="0" dirty="0">
+                          <a:latin typeface="Calibri" panose="020F0502020204030204" pitchFamily="34" charset="0"/>
+                          <a:ea typeface="Calibri" panose="020F0502020204030204" pitchFamily="34" charset="0"/>
+                          <a:cs typeface="Calibri" panose="020F0502020204030204" pitchFamily="34" charset="0"/>
+                        </a:rPr>
+                        <a:t> </a:t>
+                      </a:r>
+                      <a:r>
+                        <a:rPr lang="pt-PT" b="0" dirty="0" err="1">
+                          <a:latin typeface="Calibri" panose="020F0502020204030204" pitchFamily="34" charset="0"/>
+                          <a:ea typeface="Calibri" panose="020F0502020204030204" pitchFamily="34" charset="0"/>
+                          <a:cs typeface="Calibri" panose="020F0502020204030204" pitchFamily="34" charset="0"/>
+                        </a:rPr>
+                        <a:t>config</a:t>
                       </a:r>
                       <a:endParaRPr lang="pt-PT" b="0" dirty="0">
                         <a:latin typeface="Calibri" panose="020F0502020204030204" pitchFamily="34" charset="0"/>
@@ -6044,7 +6060,7 @@
           <p:nvPr>
             <p:extLst>
               <p:ext uri="{D42A27DB-BD31-4B8C-83A1-F6EECF244321}">
-                <p14:modId xmlns:p14="http://schemas.microsoft.com/office/powerpoint/2010/main" val="792624928"/>
+                <p14:modId xmlns:p14="http://schemas.microsoft.com/office/powerpoint/2010/main" val="3834465851"/>
               </p:ext>
             </p:extLst>
           </p:nvPr>
@@ -6109,18 +6125,29 @@
                     <a:p>
                       <a:pPr algn="ctr"/>
                       <a:r>
-                        <a:rPr lang="pt-PT" b="0" dirty="0"/>
-                        <a:t>2 </a:t>
+                        <a:rPr lang="pt-PT" b="0" dirty="0">
+                          <a:latin typeface="Calibri" panose="020F0502020204030204" pitchFamily="34" charset="0"/>
+                          <a:ea typeface="Calibri" panose="020F0502020204030204" pitchFamily="34" charset="0"/>
+                          <a:cs typeface="Calibri" panose="020F0502020204030204" pitchFamily="34" charset="0"/>
+                        </a:rPr>
+                        <a:t>“1 </a:t>
                       </a:r>
                       <a:r>
-                        <a:rPr lang="pt-PT" b="0" dirty="0" err="1"/>
-                        <a:t>workers</a:t>
+                        <a:rPr lang="pt-PT" b="0" dirty="0" err="1">
+                          <a:latin typeface="Calibri" panose="020F0502020204030204" pitchFamily="34" charset="0"/>
+                          <a:ea typeface="Calibri" panose="020F0502020204030204" pitchFamily="34" charset="0"/>
+                          <a:cs typeface="Calibri" panose="020F0502020204030204" pitchFamily="34" charset="0"/>
+                        </a:rPr>
+                        <a:t>worker</a:t>
                       </a:r>
-                      <a:endParaRPr lang="pt-PT" b="0" dirty="0">
-                        <a:latin typeface="Calibri" panose="020F0502020204030204" pitchFamily="34" charset="0"/>
-                        <a:ea typeface="Calibri" panose="020F0502020204030204" pitchFamily="34" charset="0"/>
-                        <a:cs typeface="Calibri" panose="020F0502020204030204" pitchFamily="34" charset="0"/>
-                      </a:endParaRPr>
+                      <a:r>
+                        <a:rPr lang="pt-PT" b="0" dirty="0">
+                          <a:latin typeface="Calibri" panose="020F0502020204030204" pitchFamily="34" charset="0"/>
+                          <a:ea typeface="Calibri" panose="020F0502020204030204" pitchFamily="34" charset="0"/>
+                          <a:cs typeface="Calibri" panose="020F0502020204030204" pitchFamily="34" charset="0"/>
+                        </a:rPr>
+                        <a:t>”</a:t>
+                      </a:r>
                     </a:p>
                   </a:txBody>
                   <a:tcPr anchor="ctr"/>
@@ -8148,7 +8175,7 @@
           <p:nvPr>
             <p:extLst>
               <p:ext uri="{D42A27DB-BD31-4B8C-83A1-F6EECF244321}">
-                <p14:modId xmlns:p14="http://schemas.microsoft.com/office/powerpoint/2010/main" val="571352119"/>
+                <p14:modId xmlns:p14="http://schemas.microsoft.com/office/powerpoint/2010/main" val="1565645829"/>
               </p:ext>
             </p:extLst>
           </p:nvPr>
@@ -8213,12 +8240,28 @@
                     <a:p>
                       <a:pPr algn="ctr"/>
                       <a:r>
-                        <a:rPr lang="pt-PT" b="0" dirty="0"/>
-                        <a:t>2 </a:t>
+                        <a:rPr lang="pt-PT" b="0" dirty="0" err="1">
+                          <a:latin typeface="Calibri" panose="020F0502020204030204" pitchFamily="34" charset="0"/>
+                          <a:ea typeface="Calibri" panose="020F0502020204030204" pitchFamily="34" charset="0"/>
+                          <a:cs typeface="Calibri" panose="020F0502020204030204" pitchFamily="34" charset="0"/>
+                        </a:rPr>
+                        <a:t>Optimum</a:t>
                       </a:r>
                       <a:r>
-                        <a:rPr lang="pt-PT" b="0" dirty="0" err="1"/>
-                        <a:t>workers</a:t>
+                        <a:rPr lang="pt-PT" b="0" dirty="0">
+                          <a:latin typeface="Calibri" panose="020F0502020204030204" pitchFamily="34" charset="0"/>
+                          <a:ea typeface="Calibri" panose="020F0502020204030204" pitchFamily="34" charset="0"/>
+                          <a:cs typeface="Calibri" panose="020F0502020204030204" pitchFamily="34" charset="0"/>
+                        </a:rPr>
+                        <a:t> </a:t>
+                      </a:r>
+                      <a:r>
+                        <a:rPr lang="pt-PT" b="0" dirty="0" err="1">
+                          <a:latin typeface="Calibri" panose="020F0502020204030204" pitchFamily="34" charset="0"/>
+                          <a:ea typeface="Calibri" panose="020F0502020204030204" pitchFamily="34" charset="0"/>
+                          <a:cs typeface="Calibri" panose="020F0502020204030204" pitchFamily="34" charset="0"/>
+                        </a:rPr>
+                        <a:t>config</a:t>
                       </a:r>
                       <a:endParaRPr lang="pt-PT" b="0" dirty="0">
                         <a:latin typeface="Calibri" panose="020F0502020204030204" pitchFamily="34" charset="0"/>
@@ -8478,7 +8521,13 @@
           <p:cNvGraphicFramePr>
             <a:graphicFrameLocks/>
           </p:cNvGraphicFramePr>
-          <p:nvPr/>
+          <p:nvPr>
+            <p:extLst>
+              <p:ext uri="{D42A27DB-BD31-4B8C-83A1-F6EECF244321}">
+                <p14:modId xmlns:p14="http://schemas.microsoft.com/office/powerpoint/2010/main" val="1686438406"/>
+              </p:ext>
+            </p:extLst>
+          </p:nvPr>
         </p:nvGraphicFramePr>
         <p:xfrm>
           <a:off x="1643089" y="4208756"/>
@@ -8540,18 +8589,29 @@
                     <a:p>
                       <a:pPr algn="ctr"/>
                       <a:r>
-                        <a:rPr lang="pt-PT" b="0" dirty="0"/>
-                        <a:t>2 </a:t>
+                        <a:rPr lang="pt-PT" b="0" dirty="0">
+                          <a:latin typeface="Calibri" panose="020F0502020204030204" pitchFamily="34" charset="0"/>
+                          <a:ea typeface="Calibri" panose="020F0502020204030204" pitchFamily="34" charset="0"/>
+                          <a:cs typeface="Calibri" panose="020F0502020204030204" pitchFamily="34" charset="0"/>
+                        </a:rPr>
+                        <a:t>“1 </a:t>
                       </a:r>
                       <a:r>
-                        <a:rPr lang="pt-PT" b="0" dirty="0" err="1"/>
-                        <a:t>workers</a:t>
+                        <a:rPr lang="pt-PT" b="0" dirty="0" err="1">
+                          <a:latin typeface="Calibri" panose="020F0502020204030204" pitchFamily="34" charset="0"/>
+                          <a:ea typeface="Calibri" panose="020F0502020204030204" pitchFamily="34" charset="0"/>
+                          <a:cs typeface="Calibri" panose="020F0502020204030204" pitchFamily="34" charset="0"/>
+                        </a:rPr>
+                        <a:t>worker</a:t>
                       </a:r>
-                      <a:endParaRPr lang="pt-PT" b="0" dirty="0">
-                        <a:latin typeface="Calibri" panose="020F0502020204030204" pitchFamily="34" charset="0"/>
-                        <a:ea typeface="Calibri" panose="020F0502020204030204" pitchFamily="34" charset="0"/>
-                        <a:cs typeface="Calibri" panose="020F0502020204030204" pitchFamily="34" charset="0"/>
-                      </a:endParaRPr>
+                      <a:r>
+                        <a:rPr lang="pt-PT" b="0" dirty="0">
+                          <a:latin typeface="Calibri" panose="020F0502020204030204" pitchFamily="34" charset="0"/>
+                          <a:ea typeface="Calibri" panose="020F0502020204030204" pitchFamily="34" charset="0"/>
+                          <a:cs typeface="Calibri" panose="020F0502020204030204" pitchFamily="34" charset="0"/>
+                        </a:rPr>
+                        <a:t>”</a:t>
+                      </a:r>
                     </a:p>
                   </a:txBody>
                   <a:tcPr anchor="ctr"/>
@@ -8877,12 +8937,12 @@
         <p:spPr>
           <a:xfrm>
             <a:off x="1261872" y="1828800"/>
-            <a:ext cx="8595360" cy="4679576"/>
+            <a:ext cx="8595360" cy="5029200"/>
           </a:xfrm>
         </p:spPr>
         <p:txBody>
           <a:bodyPr>
-            <a:normAutofit/>
+            <a:normAutofit fontScale="92500" lnSpcReduction="10000"/>
           </a:bodyPr>
           <a:lstStyle/>
           <a:p>
@@ -8904,24 +8964,502 @@
           <a:p>
             <a:pPr lvl="1" algn="just"/>
             <a:r>
-              <a:rPr lang="pt-PT" b="1" dirty="0"/>
-              <a:t>A</a:t>
-            </a:r>
+              <a:rPr lang="pt-PT" dirty="0"/>
+              <a:t>In CUDA </a:t>
+            </a:r>
+            <a:r>
+              <a:rPr lang="pt-PT" dirty="0" err="1"/>
+              <a:t>solution</a:t>
+            </a:r>
+            <a:r>
+              <a:rPr lang="pt-PT" dirty="0"/>
+              <a:t>, </a:t>
+            </a:r>
+            <a:r>
+              <a:rPr lang="pt-PT" dirty="0" err="1"/>
+              <a:t>since</a:t>
+            </a:r>
+            <a:r>
+              <a:rPr lang="pt-PT" dirty="0"/>
+              <a:t> </a:t>
+            </a:r>
+            <a:r>
+              <a:rPr lang="pt-PT" dirty="0" err="1"/>
+              <a:t>there</a:t>
+            </a:r>
+            <a:r>
+              <a:rPr lang="pt-PT" dirty="0"/>
+              <a:t> </a:t>
+            </a:r>
+            <a:r>
+              <a:rPr lang="pt-PT" dirty="0" err="1"/>
+              <a:t>is</a:t>
+            </a:r>
+            <a:r>
+              <a:rPr lang="pt-PT" dirty="0"/>
+              <a:t> </a:t>
+            </a:r>
+            <a:r>
+              <a:rPr lang="pt-PT" dirty="0" err="1"/>
+              <a:t>normally</a:t>
+            </a:r>
+            <a:r>
+              <a:rPr lang="pt-PT" dirty="0"/>
+              <a:t> a </a:t>
+            </a:r>
+            <a:r>
+              <a:rPr lang="pt-PT" dirty="0" err="1"/>
+              <a:t>gain</a:t>
+            </a:r>
+            <a:r>
+              <a:rPr lang="pt-PT" dirty="0"/>
+              <a:t> </a:t>
+            </a:r>
+            <a:r>
+              <a:rPr lang="pt-PT" dirty="0" err="1"/>
+              <a:t>when</a:t>
+            </a:r>
+            <a:r>
+              <a:rPr lang="pt-PT" dirty="0"/>
+              <a:t> </a:t>
+            </a:r>
+            <a:r>
+              <a:rPr lang="pt-PT" dirty="0" err="1"/>
+              <a:t>using</a:t>
+            </a:r>
+            <a:r>
+              <a:rPr lang="pt-PT" dirty="0"/>
+              <a:t> more </a:t>
+            </a:r>
+            <a:r>
+              <a:rPr lang="pt-PT" dirty="0" err="1"/>
+              <a:t>number</a:t>
+            </a:r>
+            <a:r>
+              <a:rPr lang="pt-PT" dirty="0"/>
+              <a:t> </a:t>
+            </a:r>
+            <a:r>
+              <a:rPr lang="pt-PT" dirty="0" err="1"/>
+              <a:t>of</a:t>
+            </a:r>
+            <a:r>
+              <a:rPr lang="pt-PT" dirty="0"/>
+              <a:t> </a:t>
+            </a:r>
+            <a:r>
+              <a:rPr lang="pt-PT" dirty="0" err="1"/>
+              <a:t>workers</a:t>
+            </a:r>
+            <a:r>
+              <a:rPr lang="pt-PT" dirty="0"/>
+              <a:t> </a:t>
+            </a:r>
+            <a:r>
+              <a:rPr lang="pt-PT" dirty="0" err="1"/>
+              <a:t>at</a:t>
+            </a:r>
+            <a:r>
+              <a:rPr lang="pt-PT" dirty="0"/>
+              <a:t> </a:t>
+            </a:r>
+            <a:r>
+              <a:rPr lang="pt-PT" dirty="0" err="1"/>
+              <a:t>the</a:t>
+            </a:r>
+            <a:r>
+              <a:rPr lang="pt-PT" dirty="0"/>
+              <a:t> </a:t>
+            </a:r>
+            <a:r>
+              <a:rPr lang="pt-PT" dirty="0" err="1"/>
+              <a:t>same</a:t>
+            </a:r>
+            <a:r>
+              <a:rPr lang="pt-PT" dirty="0"/>
+              <a:t> time, </a:t>
+            </a:r>
+            <a:r>
+              <a:rPr lang="pt-PT" dirty="0" err="1"/>
+              <a:t>it</a:t>
+            </a:r>
+            <a:r>
+              <a:rPr lang="pt-PT" dirty="0"/>
+              <a:t> </a:t>
+            </a:r>
+            <a:r>
+              <a:rPr lang="pt-PT" dirty="0" err="1"/>
+              <a:t>would</a:t>
+            </a:r>
+            <a:r>
+              <a:rPr lang="pt-PT" dirty="0"/>
+              <a:t> </a:t>
+            </a:r>
+            <a:r>
+              <a:rPr lang="pt-PT" dirty="0" err="1"/>
+              <a:t>be</a:t>
+            </a:r>
+            <a:r>
+              <a:rPr lang="pt-PT" dirty="0"/>
+              <a:t> </a:t>
+            </a:r>
+            <a:r>
+              <a:rPr lang="pt-PT" dirty="0" err="1"/>
+              <a:t>expected</a:t>
+            </a:r>
+            <a:r>
+              <a:rPr lang="pt-PT" dirty="0"/>
+              <a:t> to </a:t>
+            </a:r>
+            <a:r>
+              <a:rPr lang="pt-PT" dirty="0" err="1"/>
+              <a:t>achieve</a:t>
+            </a:r>
+            <a:r>
+              <a:rPr lang="pt-PT" dirty="0"/>
+              <a:t> </a:t>
+            </a:r>
+            <a:r>
+              <a:rPr lang="pt-PT" dirty="0" err="1"/>
+              <a:t>better</a:t>
+            </a:r>
+            <a:r>
+              <a:rPr lang="pt-PT" dirty="0"/>
+              <a:t> times </a:t>
+            </a:r>
+            <a:r>
+              <a:rPr lang="pt-PT" dirty="0" err="1"/>
+              <a:t>using</a:t>
+            </a:r>
+            <a:r>
+              <a:rPr lang="pt-PT" dirty="0"/>
+              <a:t> </a:t>
+            </a:r>
+            <a:r>
+              <a:rPr lang="pt-PT" dirty="0" err="1"/>
+              <a:t>one</a:t>
+            </a:r>
+            <a:r>
+              <a:rPr lang="pt-PT" dirty="0"/>
+              <a:t> </a:t>
+            </a:r>
+            <a:r>
+              <a:rPr lang="pt-PT" dirty="0" err="1"/>
+              <a:t>of</a:t>
+            </a:r>
+            <a:r>
+              <a:rPr lang="pt-PT" dirty="0"/>
+              <a:t> </a:t>
+            </a:r>
+            <a:r>
+              <a:rPr lang="pt-PT" dirty="0" err="1"/>
+              <a:t>the</a:t>
+            </a:r>
+            <a:r>
+              <a:rPr lang="pt-PT" dirty="0"/>
+              <a:t> CUDA </a:t>
+            </a:r>
+            <a:r>
+              <a:rPr lang="pt-PT" dirty="0" err="1"/>
+              <a:t>programs</a:t>
+            </a:r>
+            <a:r>
+              <a:rPr lang="pt-PT" dirty="0"/>
+              <a:t>.  </a:t>
+            </a:r>
+            <a:endParaRPr lang="pt-PT" b="1" dirty="0">
+              <a:solidFill>
+                <a:srgbClr val="FF0000"/>
+              </a:solidFill>
+            </a:endParaRPr>
           </a:p>
           <a:p>
             <a:pPr lvl="1" algn="just"/>
             <a:r>
-              <a:rPr lang="pt-PT" b="1" dirty="0"/>
-              <a:t>B</a:t>
-            </a:r>
-          </a:p>
-          <a:p>
-            <a:pPr lvl="1" algn="just"/>
-            <a:r>
-              <a:rPr lang="pt-PT" b="1" dirty="0"/>
-              <a:t>C</a:t>
-            </a:r>
-            <a:endParaRPr lang="pt-PT" dirty="0"/>
+              <a:rPr lang="pt-PT" dirty="0" err="1"/>
+              <a:t>Comparing</a:t>
+            </a:r>
+            <a:r>
+              <a:rPr lang="pt-PT" dirty="0"/>
+              <a:t> </a:t>
+            </a:r>
+            <a:r>
+              <a:rPr lang="pt-PT" dirty="0" err="1"/>
+              <a:t>program</a:t>
+            </a:r>
+            <a:r>
+              <a:rPr lang="pt-PT" dirty="0"/>
+              <a:t> 1 </a:t>
+            </a:r>
+            <a:r>
+              <a:rPr lang="pt-PT" dirty="0" err="1"/>
+              <a:t>with</a:t>
+            </a:r>
+            <a:r>
+              <a:rPr lang="pt-PT" dirty="0"/>
+              <a:t> </a:t>
+            </a:r>
+            <a:r>
+              <a:rPr lang="pt-PT" dirty="0" err="1"/>
+              <a:t>program</a:t>
+            </a:r>
+            <a:r>
+              <a:rPr lang="pt-PT" dirty="0"/>
+              <a:t> 2, </a:t>
+            </a:r>
+            <a:r>
+              <a:rPr lang="pt-PT" dirty="0" err="1"/>
+              <a:t>it</a:t>
+            </a:r>
+            <a:r>
+              <a:rPr lang="pt-PT" dirty="0"/>
+              <a:t> </a:t>
+            </a:r>
+            <a:r>
+              <a:rPr lang="pt-PT" dirty="0" err="1"/>
+              <a:t>would</a:t>
+            </a:r>
+            <a:r>
+              <a:rPr lang="pt-PT" dirty="0"/>
+              <a:t> </a:t>
+            </a:r>
+            <a:r>
+              <a:rPr lang="pt-PT" dirty="0" err="1"/>
+              <a:t>be</a:t>
+            </a:r>
+            <a:r>
+              <a:rPr lang="pt-PT" dirty="0"/>
+              <a:t> </a:t>
+            </a:r>
+            <a:r>
+              <a:rPr lang="pt-PT" dirty="0" err="1"/>
+              <a:t>expected</a:t>
+            </a:r>
+            <a:r>
+              <a:rPr lang="pt-PT" dirty="0"/>
+              <a:t> to </a:t>
+            </a:r>
+            <a:r>
+              <a:rPr lang="pt-PT" dirty="0" err="1"/>
+              <a:t>get</a:t>
+            </a:r>
+            <a:r>
+              <a:rPr lang="pt-PT" dirty="0"/>
+              <a:t> </a:t>
+            </a:r>
+            <a:r>
+              <a:rPr lang="pt-PT" dirty="0" err="1"/>
+              <a:t>better</a:t>
+            </a:r>
+            <a:r>
+              <a:rPr lang="pt-PT" dirty="0"/>
+              <a:t> performance in </a:t>
+            </a:r>
+            <a:r>
+              <a:rPr lang="pt-PT" dirty="0" err="1"/>
+              <a:t>the</a:t>
+            </a:r>
+            <a:r>
+              <a:rPr lang="pt-PT" dirty="0"/>
+              <a:t> </a:t>
+            </a:r>
+            <a:r>
+              <a:rPr lang="pt-PT" dirty="0" err="1"/>
+              <a:t>first</a:t>
+            </a:r>
+            <a:r>
+              <a:rPr lang="pt-PT" dirty="0"/>
+              <a:t> </a:t>
+            </a:r>
+            <a:r>
+              <a:rPr lang="pt-PT" dirty="0" err="1"/>
+              <a:t>approach</a:t>
+            </a:r>
+            <a:r>
+              <a:rPr lang="pt-PT" dirty="0"/>
+              <a:t> </a:t>
+            </a:r>
+            <a:r>
+              <a:rPr lang="pt-PT" dirty="0" err="1"/>
+              <a:t>because</a:t>
+            </a:r>
+            <a:r>
+              <a:rPr lang="pt-PT" dirty="0"/>
+              <a:t> </a:t>
+            </a:r>
+            <a:r>
+              <a:rPr lang="pt-PT" dirty="0" err="1"/>
+              <a:t>there</a:t>
+            </a:r>
+            <a:r>
+              <a:rPr lang="pt-PT" dirty="0"/>
+              <a:t> </a:t>
+            </a:r>
+            <a:r>
+              <a:rPr lang="pt-PT" dirty="0" err="1"/>
+              <a:t>is</a:t>
+            </a:r>
+            <a:r>
+              <a:rPr lang="pt-PT" dirty="0"/>
+              <a:t> a </a:t>
+            </a:r>
+            <a:r>
+              <a:rPr lang="pt-PT" dirty="0" err="1"/>
+              <a:t>better</a:t>
+            </a:r>
+            <a:r>
+              <a:rPr lang="pt-PT" dirty="0"/>
+              <a:t> cache use in a </a:t>
+            </a:r>
+            <a:r>
+              <a:rPr lang="pt-PT" dirty="0" err="1"/>
+              <a:t>way</a:t>
+            </a:r>
+            <a:r>
+              <a:rPr lang="pt-PT" dirty="0"/>
+              <a:t> </a:t>
+            </a:r>
+            <a:r>
+              <a:rPr lang="pt-PT" dirty="0" err="1"/>
+              <a:t>there</a:t>
+            </a:r>
+            <a:r>
+              <a:rPr lang="pt-PT" dirty="0"/>
+              <a:t> are </a:t>
+            </a:r>
+            <a:r>
+              <a:rPr lang="pt-PT" dirty="0" err="1"/>
+              <a:t>less</a:t>
+            </a:r>
+            <a:r>
+              <a:rPr lang="pt-PT" dirty="0"/>
+              <a:t> </a:t>
+            </a:r>
+            <a:r>
+              <a:rPr lang="pt-PT" dirty="0" err="1"/>
+              <a:t>memory</a:t>
+            </a:r>
+            <a:r>
+              <a:rPr lang="pt-PT" dirty="0"/>
+              <a:t> </a:t>
+            </a:r>
+            <a:r>
+              <a:rPr lang="pt-PT" dirty="0" err="1"/>
+              <a:t>fetches</a:t>
+            </a:r>
+            <a:r>
+              <a:rPr lang="pt-PT" dirty="0"/>
+              <a:t>. In </a:t>
+            </a:r>
+            <a:r>
+              <a:rPr lang="pt-PT" dirty="0" err="1"/>
+              <a:t>program</a:t>
+            </a:r>
+            <a:r>
+              <a:rPr lang="pt-PT" dirty="0"/>
+              <a:t> 2 </a:t>
+            </a:r>
+            <a:r>
+              <a:rPr lang="pt-PT" dirty="0" err="1"/>
+              <a:t>this</a:t>
+            </a:r>
+            <a:r>
+              <a:rPr lang="pt-PT" dirty="0"/>
+              <a:t> </a:t>
+            </a:r>
+            <a:r>
+              <a:rPr lang="pt-PT" dirty="0" err="1"/>
+              <a:t>wouldn’t</a:t>
+            </a:r>
+            <a:r>
+              <a:rPr lang="pt-PT" dirty="0"/>
+              <a:t> </a:t>
+            </a:r>
+            <a:r>
+              <a:rPr lang="pt-PT" dirty="0" err="1"/>
+              <a:t>happen</a:t>
+            </a:r>
+            <a:r>
+              <a:rPr lang="pt-PT" dirty="0"/>
+              <a:t> </a:t>
+            </a:r>
+            <a:r>
+              <a:rPr lang="pt-PT" dirty="0" err="1"/>
+              <a:t>so</a:t>
+            </a:r>
+            <a:r>
+              <a:rPr lang="pt-PT" dirty="0"/>
+              <a:t> </a:t>
+            </a:r>
+            <a:r>
+              <a:rPr lang="pt-PT" dirty="0" err="1"/>
+              <a:t>frequently</a:t>
+            </a:r>
+            <a:r>
+              <a:rPr lang="pt-PT" dirty="0"/>
+              <a:t> </a:t>
+            </a:r>
+            <a:r>
+              <a:rPr lang="pt-PT" dirty="0" err="1"/>
+              <a:t>because</a:t>
+            </a:r>
+            <a:r>
+              <a:rPr lang="pt-PT" dirty="0"/>
+              <a:t> </a:t>
+            </a:r>
+            <a:r>
+              <a:rPr lang="pt-PT" dirty="0" err="1"/>
+              <a:t>of</a:t>
+            </a:r>
+            <a:r>
+              <a:rPr lang="pt-PT" dirty="0"/>
+              <a:t> </a:t>
+            </a:r>
+            <a:r>
+              <a:rPr lang="pt-PT" dirty="0" err="1"/>
+              <a:t>the</a:t>
+            </a:r>
+            <a:r>
+              <a:rPr lang="pt-PT" dirty="0"/>
+              <a:t> </a:t>
+            </a:r>
+            <a:r>
+              <a:rPr lang="pt-PT" dirty="0" err="1"/>
+              <a:t>blocks</a:t>
+            </a:r>
+            <a:r>
+              <a:rPr lang="pt-PT" dirty="0"/>
+              <a:t> </a:t>
+            </a:r>
+            <a:r>
+              <a:rPr lang="pt-PT" dirty="0" err="1"/>
+              <a:t>size</a:t>
+            </a:r>
+            <a:r>
+              <a:rPr lang="pt-PT" dirty="0"/>
+              <a:t> (</a:t>
+            </a:r>
+            <a:r>
+              <a:rPr lang="pt-PT" dirty="0" err="1"/>
+              <a:t>multiple</a:t>
+            </a:r>
+            <a:r>
+              <a:rPr lang="pt-PT" dirty="0"/>
+              <a:t> </a:t>
+            </a:r>
+            <a:r>
+              <a:rPr lang="pt-PT" dirty="0" err="1"/>
+              <a:t>of</a:t>
+            </a:r>
+            <a:r>
+              <a:rPr lang="pt-PT" dirty="0"/>
+              <a:t> 1024).</a:t>
+            </a:r>
+            <a:endParaRPr lang="pt-PT" b="1" dirty="0">
+              <a:solidFill>
+                <a:srgbClr val="FF0000"/>
+              </a:solidFill>
+            </a:endParaRPr>
           </a:p>
           <a:p>
             <a:pPr algn="just"/>
@@ -8934,21 +9472,14 @@
             <a:pPr lvl="1" algn="just"/>
             <a:r>
               <a:rPr lang="en-US" dirty="0"/>
-              <a:t>A</a:t>
+              <a:t>Both CUDA approaches ended up being slower than any other type of solution. It could be related with the overhead of creating a large number of threads or the concurrency that exist between threads of different blocks.</a:t>
             </a:r>
           </a:p>
           <a:p>
             <a:pPr lvl="1" algn="just"/>
             <a:r>
               <a:rPr lang="en-US" dirty="0"/>
-              <a:t>B</a:t>
-            </a:r>
-          </a:p>
-          <a:p>
-            <a:pPr lvl="1" algn="just"/>
-            <a:r>
-              <a:rPr lang="en-US" dirty="0"/>
-              <a:t>C</a:t>
+              <a:t>The row processing was indeed better (almost 2 times faster) than the column processing algorithm. This can be explained as there is a better mapping between the thread blocks and the memory zone which they will access, ending up accessing contiguous values. </a:t>
             </a:r>
           </a:p>
           <a:p>
@@ -8972,13 +9503,9 @@
             </a:r>
             <a:r>
               <a:rPr lang="en-US" sz="1600" dirty="0"/>
-              <a:t>.: A</a:t>
+              <a:t>.: No. If there was a less number of GPU threads executing simultaneously it could make the program run faster as there would be less concurrency between threads of different blocks.</a:t>
             </a:r>
             <a:endParaRPr lang="en-US" dirty="0"/>
-          </a:p>
-          <a:p>
-            <a:pPr lvl="1"/>
-            <a:endParaRPr lang="pt-PT" dirty="0"/>
           </a:p>
         </p:txBody>
       </p:sp>

--- a/CLE3_T3G5/present.pptx
+++ b/CLE3_T3G5/present.pptx
@@ -285,7 +285,7 @@
           <a:p>
             <a:fld id="{65E3D7AB-6C06-41C6-99AC-C74008AD09CE}" type="datetimeFigureOut">
               <a:rPr lang="pt-PT" smtClean="0"/>
-              <a:t>01/06/2023</a:t>
+              <a:t>04/06/2023</a:t>
             </a:fld>
             <a:endParaRPr lang="pt-PT"/>
           </a:p>
@@ -513,7 +513,7 @@
           <a:p>
             <a:fld id="{65E3D7AB-6C06-41C6-99AC-C74008AD09CE}" type="datetimeFigureOut">
               <a:rPr lang="pt-PT" smtClean="0"/>
-              <a:t>01/06/2023</a:t>
+              <a:t>04/06/2023</a:t>
             </a:fld>
             <a:endParaRPr lang="pt-PT"/>
           </a:p>
@@ -693,7 +693,7 @@
           <a:p>
             <a:fld id="{65E3D7AB-6C06-41C6-99AC-C74008AD09CE}" type="datetimeFigureOut">
               <a:rPr lang="pt-PT" smtClean="0"/>
-              <a:t>01/06/2023</a:t>
+              <a:t>04/06/2023</a:t>
             </a:fld>
             <a:endParaRPr lang="pt-PT"/>
           </a:p>
@@ -863,7 +863,7 @@
           <a:p>
             <a:fld id="{65E3D7AB-6C06-41C6-99AC-C74008AD09CE}" type="datetimeFigureOut">
               <a:rPr lang="pt-PT" smtClean="0"/>
-              <a:t>01/06/2023</a:t>
+              <a:t>04/06/2023</a:t>
             </a:fld>
             <a:endParaRPr lang="pt-PT"/>
           </a:p>
@@ -1117,7 +1117,7 @@
           <a:p>
             <a:fld id="{65E3D7AB-6C06-41C6-99AC-C74008AD09CE}" type="datetimeFigureOut">
               <a:rPr lang="pt-PT" smtClean="0"/>
-              <a:t>01/06/2023</a:t>
+              <a:t>04/06/2023</a:t>
             </a:fld>
             <a:endParaRPr lang="pt-PT"/>
           </a:p>
@@ -1443,7 +1443,7 @@
           <a:p>
             <a:fld id="{65E3D7AB-6C06-41C6-99AC-C74008AD09CE}" type="datetimeFigureOut">
               <a:rPr lang="pt-PT" smtClean="0"/>
-              <a:t>01/06/2023</a:t>
+              <a:t>04/06/2023</a:t>
             </a:fld>
             <a:endParaRPr lang="pt-PT"/>
           </a:p>
@@ -1894,7 +1894,7 @@
           <a:p>
             <a:fld id="{65E3D7AB-6C06-41C6-99AC-C74008AD09CE}" type="datetimeFigureOut">
               <a:rPr lang="pt-PT" smtClean="0"/>
-              <a:t>01/06/2023</a:t>
+              <a:t>04/06/2023</a:t>
             </a:fld>
             <a:endParaRPr lang="pt-PT"/>
           </a:p>
@@ -2012,7 +2012,7 @@
           <a:p>
             <a:fld id="{65E3D7AB-6C06-41C6-99AC-C74008AD09CE}" type="datetimeFigureOut">
               <a:rPr lang="pt-PT" smtClean="0"/>
-              <a:t>01/06/2023</a:t>
+              <a:t>04/06/2023</a:t>
             </a:fld>
             <a:endParaRPr lang="pt-PT"/>
           </a:p>
@@ -2107,7 +2107,7 @@
           <a:p>
             <a:fld id="{65E3D7AB-6C06-41C6-99AC-C74008AD09CE}" type="datetimeFigureOut">
               <a:rPr lang="pt-PT" smtClean="0"/>
-              <a:t>01/06/2023</a:t>
+              <a:t>04/06/2023</a:t>
             </a:fld>
             <a:endParaRPr lang="pt-PT"/>
           </a:p>
@@ -2394,7 +2394,7 @@
           <a:p>
             <a:fld id="{65E3D7AB-6C06-41C6-99AC-C74008AD09CE}" type="datetimeFigureOut">
               <a:rPr lang="pt-PT" smtClean="0"/>
-              <a:t>01/06/2023</a:t>
+              <a:t>04/06/2023</a:t>
             </a:fld>
             <a:endParaRPr lang="pt-PT"/>
           </a:p>
@@ -2716,7 +2716,7 @@
           <a:p>
             <a:fld id="{65E3D7AB-6C06-41C6-99AC-C74008AD09CE}" type="datetimeFigureOut">
               <a:rPr lang="pt-PT" smtClean="0"/>
-              <a:t>01/06/2023</a:t>
+              <a:t>04/06/2023</a:t>
             </a:fld>
             <a:endParaRPr lang="pt-PT"/>
           </a:p>
@@ -2970,7 +2970,7 @@
           <a:p>
             <a:fld id="{65E3D7AB-6C06-41C6-99AC-C74008AD09CE}" type="datetimeFigureOut">
               <a:rPr lang="pt-PT" smtClean="0"/>
-              <a:t>01/06/2023</a:t>
+              <a:t>04/06/2023</a:t>
             </a:fld>
             <a:endParaRPr lang="pt-PT"/>
           </a:p>
@@ -9029,7 +9029,23 @@
             </a:r>
             <a:r>
               <a:rPr lang="pt-PT" dirty="0"/>
-              <a:t> more </a:t>
+              <a:t> </a:t>
+            </a:r>
+            <a:r>
+              <a:rPr lang="pt-PT" dirty="0" err="1"/>
+              <a:t>an</a:t>
+            </a:r>
+            <a:r>
+              <a:rPr lang="pt-PT" dirty="0"/>
+              <a:t> </a:t>
+            </a:r>
+            <a:r>
+              <a:rPr lang="pt-PT" dirty="0" err="1"/>
+              <a:t>higher</a:t>
+            </a:r>
+            <a:r>
+              <a:rPr lang="pt-PT" dirty="0"/>
+              <a:t> </a:t>
             </a:r>
             <a:r>
               <a:rPr lang="pt-PT" dirty="0" err="1"/>
@@ -9037,11 +9053,11 @@
             </a:r>
             <a:r>
               <a:rPr lang="pt-PT" dirty="0"/>
-              <a:t> </a:t>
+              <a:t> of </a:t>
             </a:r>
             <a:r>
               <a:rPr lang="pt-PT" dirty="0" err="1"/>
-              <a:t>of</a:t>
+              <a:t>workers</a:t>
             </a:r>
             <a:r>
               <a:rPr lang="pt-PT" dirty="0"/>
@@ -9049,7 +9065,23 @@
             </a:r>
             <a:r>
               <a:rPr lang="pt-PT" dirty="0" err="1"/>
-              <a:t>workers</a:t>
+              <a:t>at</a:t>
+            </a:r>
+            <a:r>
+              <a:rPr lang="pt-PT" dirty="0"/>
+              <a:t> the </a:t>
+            </a:r>
+            <a:r>
+              <a:rPr lang="pt-PT" dirty="0" err="1"/>
+              <a:t>same</a:t>
+            </a:r>
+            <a:r>
+              <a:rPr lang="pt-PT" dirty="0"/>
+              <a:t> time, </a:t>
+            </a:r>
+            <a:r>
+              <a:rPr lang="pt-PT" dirty="0" err="1"/>
+              <a:t>it</a:t>
             </a:r>
             <a:r>
               <a:rPr lang="pt-PT" dirty="0"/>
@@ -9057,7 +9089,7 @@
             </a:r>
             <a:r>
               <a:rPr lang="pt-PT" dirty="0" err="1"/>
-              <a:t>at</a:t>
+              <a:t>would</a:t>
             </a:r>
             <a:r>
               <a:rPr lang="pt-PT" dirty="0"/>
@@ -9065,7 +9097,7 @@
             </a:r>
             <a:r>
               <a:rPr lang="pt-PT" dirty="0" err="1"/>
-              <a:t>the</a:t>
+              <a:t>be</a:t>
             </a:r>
             <a:r>
               <a:rPr lang="pt-PT" dirty="0"/>
@@ -9073,15 +9105,15 @@
             </a:r>
             <a:r>
               <a:rPr lang="pt-PT" dirty="0" err="1"/>
-              <a:t>same</a:t>
+              <a:t>expected</a:t>
             </a:r>
             <a:r>
               <a:rPr lang="pt-PT" dirty="0"/>
-              <a:t> time, </a:t>
+              <a:t> to </a:t>
             </a:r>
             <a:r>
               <a:rPr lang="pt-PT" dirty="0" err="1"/>
-              <a:t>it</a:t>
+              <a:t>achieve</a:t>
             </a:r>
             <a:r>
               <a:rPr lang="pt-PT" dirty="0"/>
@@ -9089,7 +9121,15 @@
             </a:r>
             <a:r>
               <a:rPr lang="pt-PT" dirty="0" err="1"/>
-              <a:t>would</a:t>
+              <a:t>better</a:t>
+            </a:r>
+            <a:r>
+              <a:rPr lang="pt-PT" dirty="0"/>
+              <a:t> times </a:t>
+            </a:r>
+            <a:r>
+              <a:rPr lang="pt-PT" dirty="0" err="1"/>
+              <a:t>using</a:t>
             </a:r>
             <a:r>
               <a:rPr lang="pt-PT" dirty="0"/>
@@ -9097,67 +9137,11 @@
             </a:r>
             <a:r>
               <a:rPr lang="pt-PT" dirty="0" err="1"/>
-              <a:t>be</a:t>
+              <a:t>one</a:t>
             </a:r>
             <a:r>
               <a:rPr lang="pt-PT" dirty="0"/>
-              <a:t> </a:t>
-            </a:r>
-            <a:r>
-              <a:rPr lang="pt-PT" dirty="0" err="1"/>
-              <a:t>expected</a:t>
-            </a:r>
-            <a:r>
-              <a:rPr lang="pt-PT" dirty="0"/>
-              <a:t> to </a:t>
-            </a:r>
-            <a:r>
-              <a:rPr lang="pt-PT" dirty="0" err="1"/>
-              <a:t>achieve</a:t>
-            </a:r>
-            <a:r>
-              <a:rPr lang="pt-PT" dirty="0"/>
-              <a:t> </a:t>
-            </a:r>
-            <a:r>
-              <a:rPr lang="pt-PT" dirty="0" err="1"/>
-              <a:t>better</a:t>
-            </a:r>
-            <a:r>
-              <a:rPr lang="pt-PT" dirty="0"/>
-              <a:t> times </a:t>
-            </a:r>
-            <a:r>
-              <a:rPr lang="pt-PT" dirty="0" err="1"/>
-              <a:t>using</a:t>
-            </a:r>
-            <a:r>
-              <a:rPr lang="pt-PT" dirty="0"/>
-              <a:t> </a:t>
-            </a:r>
-            <a:r>
-              <a:rPr lang="pt-PT" dirty="0" err="1"/>
-              <a:t>one</a:t>
-            </a:r>
-            <a:r>
-              <a:rPr lang="pt-PT" dirty="0"/>
-              <a:t> </a:t>
-            </a:r>
-            <a:r>
-              <a:rPr lang="pt-PT" dirty="0" err="1"/>
-              <a:t>of</a:t>
-            </a:r>
-            <a:r>
-              <a:rPr lang="pt-PT" dirty="0"/>
-              <a:t> </a:t>
-            </a:r>
-            <a:r>
-              <a:rPr lang="pt-PT" dirty="0" err="1"/>
-              <a:t>the</a:t>
-            </a:r>
-            <a:r>
-              <a:rPr lang="pt-PT" dirty="0"/>
-              <a:t> CUDA </a:t>
+              <a:t> of the CUDA </a:t>
             </a:r>
             <a:r>
               <a:rPr lang="pt-PT" dirty="0" err="1"/>
@@ -9503,7 +9487,19 @@
             </a:r>
             <a:r>
               <a:rPr lang="en-US" sz="1600" dirty="0"/>
-              <a:t>.: No. If there was a less number of GPU threads executing simultaneously it could make the program run faster as there would be less concurrency between threads of different blocks.</a:t>
+              <a:t>.: No. The large number of threads being created and parallelized could be adding unnecessary overhead to the program execution time, as well as not making the </a:t>
+            </a:r>
+            <a:r>
+              <a:rPr lang="en-US" sz="1600"/>
+              <a:t>most optimized </a:t>
+            </a:r>
+            <a:r>
+              <a:rPr lang="en-US" sz="1600" dirty="0"/>
+              <a:t>use of the </a:t>
+            </a:r>
+            <a:r>
+              <a:rPr lang="en-US" sz="1600"/>
+              <a:t>caching mechanism.</a:t>
             </a:r>
             <a:endParaRPr lang="en-US" dirty="0"/>
           </a:p>
